--- a/presentation/presentation.pptx
+++ b/presentation/presentation.pptx
@@ -5,36 +5,46 @@
     <p:sldMasterId id="2147483648" r:id="rId1"/>
   </p:sldMasterIdLst>
   <p:notesMasterIdLst>
-    <p:notesMasterId r:id="rId29"/>
+    <p:notesMasterId r:id="rId39"/>
   </p:notesMasterIdLst>
   <p:sldIdLst>
     <p:sldId id="256" r:id="rId2"/>
     <p:sldId id="261" r:id="rId3"/>
-    <p:sldId id="259" r:id="rId4"/>
+    <p:sldId id="287" r:id="rId4"/>
     <p:sldId id="262" r:id="rId5"/>
     <p:sldId id="263" r:id="rId6"/>
     <p:sldId id="264" r:id="rId7"/>
     <p:sldId id="265" r:id="rId8"/>
     <p:sldId id="266" r:id="rId9"/>
-    <p:sldId id="267" r:id="rId10"/>
-    <p:sldId id="268" r:id="rId11"/>
-    <p:sldId id="269" r:id="rId12"/>
-    <p:sldId id="270" r:id="rId13"/>
-    <p:sldId id="271" r:id="rId14"/>
-    <p:sldId id="272" r:id="rId15"/>
-    <p:sldId id="273" r:id="rId16"/>
-    <p:sldId id="274" r:id="rId17"/>
-    <p:sldId id="275" r:id="rId18"/>
-    <p:sldId id="276" r:id="rId19"/>
-    <p:sldId id="277" r:id="rId20"/>
-    <p:sldId id="278" r:id="rId21"/>
-    <p:sldId id="279" r:id="rId22"/>
-    <p:sldId id="281" r:id="rId23"/>
-    <p:sldId id="282" r:id="rId24"/>
-    <p:sldId id="280" r:id="rId25"/>
-    <p:sldId id="257" r:id="rId26"/>
-    <p:sldId id="258" r:id="rId27"/>
-    <p:sldId id="260" r:id="rId28"/>
+    <p:sldId id="292" r:id="rId10"/>
+    <p:sldId id="267" r:id="rId11"/>
+    <p:sldId id="288" r:id="rId12"/>
+    <p:sldId id="268" r:id="rId13"/>
+    <p:sldId id="269" r:id="rId14"/>
+    <p:sldId id="283" r:id="rId15"/>
+    <p:sldId id="270" r:id="rId16"/>
+    <p:sldId id="284" r:id="rId17"/>
+    <p:sldId id="271" r:id="rId18"/>
+    <p:sldId id="272" r:id="rId19"/>
+    <p:sldId id="273" r:id="rId20"/>
+    <p:sldId id="274" r:id="rId21"/>
+    <p:sldId id="275" r:id="rId22"/>
+    <p:sldId id="276" r:id="rId23"/>
+    <p:sldId id="285" r:id="rId24"/>
+    <p:sldId id="277" r:id="rId25"/>
+    <p:sldId id="278" r:id="rId26"/>
+    <p:sldId id="279" r:id="rId27"/>
+    <p:sldId id="282" r:id="rId28"/>
+    <p:sldId id="295" r:id="rId29"/>
+    <p:sldId id="280" r:id="rId30"/>
+    <p:sldId id="294" r:id="rId31"/>
+    <p:sldId id="297" r:id="rId32"/>
+    <p:sldId id="293" r:id="rId33"/>
+    <p:sldId id="286" r:id="rId34"/>
+    <p:sldId id="289" r:id="rId35"/>
+    <p:sldId id="290" r:id="rId36"/>
+    <p:sldId id="291" r:id="rId37"/>
+    <p:sldId id="260" r:id="rId38"/>
   </p:sldIdLst>
   <p:sldSz cx="12192000" cy="6858000"/>
   <p:notesSz cx="6858000" cy="9144000"/>
@@ -133,6 +143,11 @@
       </a:defRPr>
     </a:lvl9pPr>
   </p:defaultTextStyle>
+  <p:extLst>
+    <p:ext uri="{EFAFB233-063F-42B5-8137-9DF3F51BA10A}">
+      <p15:sldGuideLst xmlns:p15="http://schemas.microsoft.com/office/powerpoint/2012/main"/>
+    </p:ext>
+  </p:extLst>
 </p:presentation>
 </file>
 
@@ -218,7 +233,7 @@
           <a:p>
             <a:fld id="{103B14D7-91CA-412F-AFEE-D7F696348420}" type="datetimeFigureOut">
               <a:rPr lang="de-CH" smtClean="0"/>
-              <a:t>29.05.2014</a:t>
+              <a:t>30.05.2014</a:t>
             </a:fld>
             <a:endParaRPr lang="de-CH"/>
           </a:p>
@@ -560,91 +575,7 @@
     </p:spTree>
     <p:extLst>
       <p:ext uri="{BB962C8B-B14F-4D97-AF65-F5344CB8AC3E}">
-        <p14:creationId xmlns:p14="http://schemas.microsoft.com/office/powerpoint/2010/main" val="3711685323"/>
-      </p:ext>
-    </p:extLst>
-  </p:cSld>
-  <p:clrMapOvr>
-    <a:masterClrMapping/>
-  </p:clrMapOvr>
-</p:notes>
-</file>
-
-<file path=ppt/notesSlides/notesSlide2.xml><?xml version="1.0" encoding="utf-8"?>
-<p:notes xmlns:a="http://schemas.openxmlformats.org/drawingml/2006/main" xmlns:r="http://schemas.openxmlformats.org/officeDocument/2006/relationships" xmlns:p="http://schemas.openxmlformats.org/presentationml/2006/main">
-  <p:cSld>
-    <p:spTree>
-      <p:nvGrpSpPr>
-        <p:cNvPr id="1" name=""/>
-        <p:cNvGrpSpPr/>
-        <p:nvPr/>
-      </p:nvGrpSpPr>
-      <p:grpSpPr>
-        <a:xfrm>
-          <a:off x="0" y="0"/>
-          <a:ext cx="0" cy="0"/>
-          <a:chOff x="0" y="0"/>
-          <a:chExt cx="0" cy="0"/>
-        </a:xfrm>
-      </p:grpSpPr>
-      <p:sp>
-        <p:nvSpPr>
-          <p:cNvPr id="2" name="Folienbildplatzhalter 1"/>
-          <p:cNvSpPr>
-            <a:spLocks noGrp="1" noRot="1" noChangeAspect="1"/>
-          </p:cNvSpPr>
-          <p:nvPr>
-            <p:ph type="sldImg"/>
-          </p:nvPr>
-        </p:nvSpPr>
-        <p:spPr/>
-      </p:sp>
-      <p:sp>
-        <p:nvSpPr>
-          <p:cNvPr id="3" name="Notizenplatzhalter 2"/>
-          <p:cNvSpPr>
-            <a:spLocks noGrp="1"/>
-          </p:cNvSpPr>
-          <p:nvPr>
-            <p:ph type="body" idx="1"/>
-          </p:nvPr>
-        </p:nvSpPr>
-        <p:spPr/>
-        <p:txBody>
-          <a:bodyPr/>
-          <a:lstStyle/>
-          <a:p>
-            <a:endParaRPr lang="de-CH"/>
-          </a:p>
-        </p:txBody>
-      </p:sp>
-      <p:sp>
-        <p:nvSpPr>
-          <p:cNvPr id="4" name="Foliennummernplatzhalter 3"/>
-          <p:cNvSpPr>
-            <a:spLocks noGrp="1"/>
-          </p:cNvSpPr>
-          <p:nvPr>
-            <p:ph type="sldNum" sz="quarter" idx="10"/>
-          </p:nvPr>
-        </p:nvSpPr>
-        <p:spPr/>
-        <p:txBody>
-          <a:bodyPr/>
-          <a:lstStyle/>
-          <a:p>
-            <a:fld id="{E4D47328-4CBE-4702-8143-D2B343B3EFEE}" type="slidenum">
-              <a:rPr lang="de-CH" smtClean="0"/>
-              <a:t>26</a:t>
-            </a:fld>
-            <a:endParaRPr lang="de-CH"/>
-          </a:p>
-        </p:txBody>
-      </p:sp>
-    </p:spTree>
-    <p:extLst>
-      <p:ext uri="{BB962C8B-B14F-4D97-AF65-F5344CB8AC3E}">
-        <p14:creationId xmlns:p14="http://schemas.microsoft.com/office/powerpoint/2010/main" val="1558770661"/>
+        <p14:creationId xmlns:p14="http://schemas.microsoft.com/office/powerpoint/2010/main" val="17672966"/>
       </p:ext>
     </p:extLst>
   </p:cSld>
@@ -783,10 +714,10 @@
           <a:bodyPr/>
           <a:lstStyle/>
           <a:p>
-            <a:fld id="{494704CD-0A41-4AB1-ADE1-F01ED1DFE0D9}" type="datetime1">
+            <a:r>
               <a:rPr lang="de-CH" smtClean="0"/>
-              <a:t>29.05.2014</a:t>
-            </a:fld>
+              <a:t>30.05.2014</a:t>
+            </a:r>
             <a:endParaRPr lang="de-CH"/>
           </a:p>
         </p:txBody>
@@ -1047,10 +978,10 @@
           <a:bodyPr/>
           <a:lstStyle/>
           <a:p>
-            <a:fld id="{14686478-7BF3-4038-A09C-9174ABBD65BA}" type="datetime1">
+            <a:r>
               <a:rPr lang="de-CH" smtClean="0"/>
-              <a:t>29.05.2014</a:t>
-            </a:fld>
+              <a:t>30.05.2014</a:t>
+            </a:r>
             <a:endParaRPr lang="de-CH"/>
           </a:p>
         </p:txBody>
@@ -1221,10 +1152,10 @@
           <a:bodyPr/>
           <a:lstStyle/>
           <a:p>
-            <a:fld id="{05B9320F-F347-4327-B745-6388D8063E07}" type="datetime1">
+            <a:r>
               <a:rPr lang="de-CH" smtClean="0"/>
-              <a:t>29.05.2014</a:t>
-            </a:fld>
+              <a:t>30.05.2014</a:t>
+            </a:r>
             <a:endParaRPr lang="de-CH"/>
           </a:p>
         </p:txBody>
@@ -1405,10 +1336,10 @@
           <a:bodyPr/>
           <a:lstStyle/>
           <a:p>
-            <a:fld id="{B21AF814-BBE8-41C6-AA75-A0A39E62E333}" type="datetime1">
+            <a:r>
               <a:rPr lang="de-CH" smtClean="0"/>
-              <a:t>29.05.2014</a:t>
-            </a:fld>
+              <a:t>30.05.2014</a:t>
+            </a:r>
             <a:endParaRPr lang="de-CH"/>
           </a:p>
         </p:txBody>
@@ -1579,10 +1510,10 @@
           <a:bodyPr/>
           <a:lstStyle/>
           <a:p>
-            <a:fld id="{05EB2203-37E3-40BE-A921-A76AF63366D8}" type="datetime1">
+            <a:r>
               <a:rPr lang="de-CH" smtClean="0"/>
-              <a:t>29.05.2014</a:t>
-            </a:fld>
+              <a:t>30.05.2014</a:t>
+            </a:r>
             <a:endParaRPr lang="de-CH"/>
           </a:p>
         </p:txBody>
@@ -1836,10 +1767,10 @@
           <a:bodyPr/>
           <a:lstStyle/>
           <a:p>
-            <a:fld id="{D9BB81BD-ED35-4D0C-90DD-40ADCBA2BE54}" type="datetime1">
+            <a:r>
               <a:rPr lang="de-CH" smtClean="0"/>
-              <a:t>29.05.2014</a:t>
-            </a:fld>
+              <a:t>30.05.2014</a:t>
+            </a:r>
             <a:endParaRPr lang="de-CH"/>
           </a:p>
         </p:txBody>
@@ -2079,10 +2010,10 @@
           <a:bodyPr/>
           <a:lstStyle/>
           <a:p>
-            <a:fld id="{367E00ED-CA36-482A-8A9F-18304B7702BB}" type="datetime1">
+            <a:r>
               <a:rPr lang="de-CH" smtClean="0"/>
-              <a:t>29.05.2014</a:t>
-            </a:fld>
+              <a:t>30.05.2014</a:t>
+            </a:r>
             <a:endParaRPr lang="de-CH"/>
           </a:p>
         </p:txBody>
@@ -2322,10 +2253,10 @@
           <a:bodyPr/>
           <a:lstStyle/>
           <a:p>
-            <a:fld id="{CB806DBE-2C08-42D1-BE9F-1E1293A41DDA}" type="datetime1">
+            <a:r>
               <a:rPr lang="de-CH" smtClean="0"/>
-              <a:t>29.05.2014</a:t>
-            </a:fld>
+              <a:t>30.05.2014</a:t>
+            </a:r>
             <a:endParaRPr lang="de-CH"/>
           </a:p>
         </p:txBody>
@@ -2700,10 +2631,10 @@
           <a:bodyPr/>
           <a:lstStyle/>
           <a:p>
-            <a:fld id="{324C647D-9A29-4E18-ABBF-B1E1AD6E8D2B}" type="datetime1">
+            <a:r>
               <a:rPr lang="de-CH" smtClean="0"/>
-              <a:t>29.05.2014</a:t>
-            </a:fld>
+              <a:t>30.05.2014</a:t>
+            </a:r>
             <a:endParaRPr lang="de-CH"/>
           </a:p>
         </p:txBody>
@@ -2829,10 +2760,10 @@
           <a:bodyPr/>
           <a:lstStyle/>
           <a:p>
-            <a:fld id="{82E49FD5-907F-442A-9EC8-BB311A7B1A36}" type="datetime1">
+            <a:r>
               <a:rPr lang="de-CH" smtClean="0"/>
-              <a:t>29.05.2014</a:t>
-            </a:fld>
+              <a:t>30.05.2014</a:t>
+            </a:r>
             <a:endParaRPr lang="de-CH"/>
           </a:p>
         </p:txBody>
@@ -2928,10 +2859,10 @@
           <a:bodyPr/>
           <a:lstStyle/>
           <a:p>
-            <a:fld id="{02944214-31E0-4C0E-AD63-5C9925D41F25}" type="datetime1">
+            <a:r>
               <a:rPr lang="de-CH" smtClean="0"/>
-              <a:t>29.05.2014</a:t>
-            </a:fld>
+              <a:t>30.05.2014</a:t>
+            </a:r>
             <a:endParaRPr lang="de-CH"/>
           </a:p>
         </p:txBody>
@@ -3209,10 +3140,10 @@
           <a:bodyPr/>
           <a:lstStyle/>
           <a:p>
-            <a:fld id="{1F1FCF75-E8F4-405C-AD4F-934DBD756DB4}" type="datetime1">
+            <a:r>
               <a:rPr lang="de-CH" smtClean="0"/>
-              <a:t>29.05.2014</a:t>
-            </a:fld>
+              <a:t>30.05.2014</a:t>
+            </a:r>
             <a:endParaRPr lang="de-CH"/>
           </a:p>
         </p:txBody>
@@ -3426,10 +3357,10 @@
             </a:lvl1pPr>
           </a:lstStyle>
           <a:p>
-            <a:fld id="{ECDC5E35-6FA5-4763-B24F-65B1985BEAF5}" type="datetime1">
+            <a:r>
               <a:rPr lang="de-CH" smtClean="0"/>
-              <a:t>29.05.2014</a:t>
-            </a:fld>
+              <a:t>30.05.2014</a:t>
+            </a:r>
             <a:endParaRPr lang="de-CH"/>
           </a:p>
         </p:txBody>
@@ -3545,7 +3476,7 @@
       </p:par>
     </p:tnLst>
   </p:timing>
-  <p:hf hdr="0" dt="0"/>
+  <p:hf hdr="0"/>
   <p:txStyles>
     <p:titleStyle>
       <a:lvl1pPr algn="l" defTabSz="914400" rtl="0" eaLnBrk="1" latinLnBrk="0" hangingPunct="1">
@@ -3993,28 +3924,9 @@
           <a:p>
             <a:r>
               <a:rPr lang="en-US" dirty="0" smtClean="0"/>
-              <a:t>Baseline Issues</a:t>
+              <a:t>Reference Implementation</a:t>
             </a:r>
             <a:endParaRPr lang="de-CH" dirty="0"/>
-          </a:p>
-        </p:txBody>
-      </p:sp>
-      <p:sp>
-        <p:nvSpPr>
-          <p:cNvPr id="7" name="Inhaltsplatzhalter 6"/>
-          <p:cNvSpPr>
-            <a:spLocks noGrp="1"/>
-          </p:cNvSpPr>
-          <p:nvPr>
-            <p:ph sz="half" idx="1"/>
-          </p:nvPr>
-        </p:nvSpPr>
-        <p:spPr/>
-        <p:txBody>
-          <a:bodyPr/>
-          <a:lstStyle/>
-          <a:p>
-            <a:endParaRPr lang="de-CH"/>
           </a:p>
         </p:txBody>
       </p:sp>
@@ -4093,10 +4005,52 @@
           </a:p>
         </p:txBody>
       </p:sp>
+      <p:sp>
+        <p:nvSpPr>
+          <p:cNvPr id="8" name="Datumsplatzhalter 7"/>
+          <p:cNvSpPr>
+            <a:spLocks noGrp="1"/>
+          </p:cNvSpPr>
+          <p:nvPr>
+            <p:ph type="dt" sz="half" idx="10"/>
+          </p:nvPr>
+        </p:nvSpPr>
+        <p:spPr/>
+        <p:txBody>
+          <a:bodyPr/>
+          <a:lstStyle/>
+          <a:p>
+            <a:r>
+              <a:rPr lang="de-CH" smtClean="0"/>
+              <a:t>30.05.2014</a:t>
+            </a:r>
+            <a:endParaRPr lang="de-CH"/>
+          </a:p>
+        </p:txBody>
+      </p:sp>
+      <p:sp>
+        <p:nvSpPr>
+          <p:cNvPr id="9" name="Inhaltsplatzhalter 8"/>
+          <p:cNvSpPr>
+            <a:spLocks noGrp="1"/>
+          </p:cNvSpPr>
+          <p:nvPr>
+            <p:ph sz="half" idx="1"/>
+          </p:nvPr>
+        </p:nvSpPr>
+        <p:spPr/>
+        <p:txBody>
+          <a:bodyPr/>
+          <a:lstStyle/>
+          <a:p>
+            <a:endParaRPr lang="de-CH"/>
+          </a:p>
+        </p:txBody>
+      </p:sp>
     </p:spTree>
     <p:extLst>
       <p:ext uri="{BB962C8B-B14F-4D97-AF65-F5344CB8AC3E}">
-        <p14:creationId xmlns:p14="http://schemas.microsoft.com/office/powerpoint/2010/main" val="4274184311"/>
+        <p14:creationId xmlns:p14="http://schemas.microsoft.com/office/powerpoint/2010/main" val="4031124513"/>
       </p:ext>
     </p:extLst>
   </p:cSld>
@@ -4147,31 +4101,41 @@
           <a:p>
             <a:r>
               <a:rPr lang="en-US" dirty="0" smtClean="0"/>
-              <a:t>Transposed</a:t>
+              <a:t>Reference Implementation</a:t>
             </a:r>
             <a:endParaRPr lang="de-CH" dirty="0"/>
           </a:p>
         </p:txBody>
       </p:sp>
-      <p:sp>
-        <p:nvSpPr>
-          <p:cNvPr id="7" name="Inhaltsplatzhalter 6"/>
-          <p:cNvSpPr>
-            <a:spLocks noGrp="1"/>
-          </p:cNvSpPr>
+      <p:pic>
+        <p:nvPicPr>
+          <p:cNvPr id="3" name="Inhaltsplatzhalter 2"/>
+          <p:cNvPicPr>
+            <a:picLocks noGrp="1" noChangeAspect="1"/>
+          </p:cNvPicPr>
           <p:nvPr>
             <p:ph sz="half" idx="1"/>
           </p:nvPr>
-        </p:nvSpPr>
-        <p:spPr/>
-        <p:txBody>
-          <a:bodyPr/>
-          <a:lstStyle/>
-          <a:p>
-            <a:endParaRPr lang="de-CH"/>
-          </a:p>
-        </p:txBody>
-      </p:sp>
+        </p:nvPicPr>
+        <p:blipFill>
+          <a:blip r:embed="rId2">
+            <a:extLst>
+              <a:ext uri="{28A0092B-C50C-407E-A947-70E740481C1C}">
+                <a14:useLocalDpi xmlns:a14="http://schemas.microsoft.com/office/drawing/2010/main" val="0"/>
+              </a:ext>
+            </a:extLst>
+          </a:blip>
+          <a:stretch>
+            <a:fillRect/>
+          </a:stretch>
+        </p:blipFill>
+        <p:spPr>
+          <a:xfrm>
+            <a:off x="828357" y="1825625"/>
+            <a:ext cx="6326824" cy="4351338"/>
+          </a:xfrm>
+        </p:spPr>
+      </p:pic>
       <p:pic>
         <p:nvPicPr>
           <p:cNvPr id="2" name="Inhaltsplatzhalter 1"/>
@@ -4183,7 +4147,7 @@
           </p:nvPr>
         </p:nvPicPr>
         <p:blipFill>
-          <a:blip r:embed="rId2" cstate="print">
+          <a:blip r:embed="rId3" cstate="print">
             <a:extLst>
               <a:ext uri="{28A0092B-C50C-407E-A947-70E740481C1C}">
                 <a14:useLocalDpi xmlns:a14="http://schemas.microsoft.com/office/drawing/2010/main" val="0"/>
@@ -4247,10 +4211,33 @@
           </a:p>
         </p:txBody>
       </p:sp>
+      <p:sp>
+        <p:nvSpPr>
+          <p:cNvPr id="8" name="Datumsplatzhalter 7"/>
+          <p:cNvSpPr>
+            <a:spLocks noGrp="1"/>
+          </p:cNvSpPr>
+          <p:nvPr>
+            <p:ph type="dt" sz="half" idx="10"/>
+          </p:nvPr>
+        </p:nvSpPr>
+        <p:spPr/>
+        <p:txBody>
+          <a:bodyPr/>
+          <a:lstStyle/>
+          <a:p>
+            <a:r>
+              <a:rPr lang="de-CH" smtClean="0"/>
+              <a:t>30.05.2014</a:t>
+            </a:r>
+            <a:endParaRPr lang="de-CH"/>
+          </a:p>
+        </p:txBody>
+      </p:sp>
     </p:spTree>
     <p:extLst>
       <p:ext uri="{BB962C8B-B14F-4D97-AF65-F5344CB8AC3E}">
-        <p14:creationId xmlns:p14="http://schemas.microsoft.com/office/powerpoint/2010/main" val="2291733246"/>
+        <p14:creationId xmlns:p14="http://schemas.microsoft.com/office/powerpoint/2010/main" val="3119226763"/>
       </p:ext>
     </p:extLst>
   </p:cSld>
@@ -4301,7 +4288,7 @@
           <a:p>
             <a:r>
               <a:rPr lang="en-US" dirty="0" smtClean="0"/>
-              <a:t>Bottom Up</a:t>
+              <a:t>Reference Issues</a:t>
             </a:r>
             <a:endParaRPr lang="de-CH" dirty="0"/>
           </a:p>
@@ -4401,10 +4388,63 @@
           </a:p>
         </p:txBody>
       </p:sp>
+      <p:pic>
+        <p:nvPicPr>
+          <p:cNvPr id="8" name="Inhaltsplatzhalter 2"/>
+          <p:cNvPicPr>
+            <a:picLocks noChangeAspect="1"/>
+          </p:cNvPicPr>
+          <p:nvPr/>
+        </p:nvPicPr>
+        <p:blipFill>
+          <a:blip r:embed="rId3">
+            <a:extLst>
+              <a:ext uri="{28A0092B-C50C-407E-A947-70E740481C1C}">
+                <a14:useLocalDpi xmlns:a14="http://schemas.microsoft.com/office/drawing/2010/main" val="0"/>
+              </a:ext>
+            </a:extLst>
+          </a:blip>
+          <a:stretch>
+            <a:fillRect/>
+          </a:stretch>
+        </p:blipFill>
+        <p:spPr>
+          <a:xfrm>
+            <a:off x="828357" y="1825625"/>
+            <a:ext cx="6326824" cy="4351338"/>
+          </a:xfrm>
+          <a:prstGeom prst="rect">
+            <a:avLst/>
+          </a:prstGeom>
+        </p:spPr>
+      </p:pic>
+      <p:sp>
+        <p:nvSpPr>
+          <p:cNvPr id="3" name="Datumsplatzhalter 2"/>
+          <p:cNvSpPr>
+            <a:spLocks noGrp="1"/>
+          </p:cNvSpPr>
+          <p:nvPr>
+            <p:ph type="dt" sz="half" idx="10"/>
+          </p:nvPr>
+        </p:nvSpPr>
+        <p:spPr/>
+        <p:txBody>
+          <a:bodyPr/>
+          <a:lstStyle/>
+          <a:p>
+            <a:r>
+              <a:rPr lang="de-CH" smtClean="0"/>
+              <a:t>30.05.2014</a:t>
+            </a:r>
+            <a:endParaRPr lang="de-CH"/>
+          </a:p>
+        </p:txBody>
+      </p:sp>
     </p:spTree>
     <p:extLst>
       <p:ext uri="{BB962C8B-B14F-4D97-AF65-F5344CB8AC3E}">
-        <p14:creationId xmlns:p14="http://schemas.microsoft.com/office/powerpoint/2010/main" val="2074402485"/>
+        <p14:creationId xmlns:p14="http://schemas.microsoft.com/office/powerpoint/2010/main" val="4274184311"/>
       </p:ext>
     </p:extLst>
   </p:cSld>
@@ -4455,28 +4495,9 @@
           <a:p>
             <a:r>
               <a:rPr lang="en-US" dirty="0" smtClean="0"/>
-              <a:t>Swap Loops: Triangle</a:t>
+              <a:t>Transposed</a:t>
             </a:r>
             <a:endParaRPr lang="de-CH" dirty="0"/>
-          </a:p>
-        </p:txBody>
-      </p:sp>
-      <p:sp>
-        <p:nvSpPr>
-          <p:cNvPr id="7" name="Inhaltsplatzhalter 6"/>
-          <p:cNvSpPr>
-            <a:spLocks noGrp="1"/>
-          </p:cNvSpPr>
-          <p:nvPr>
-            <p:ph sz="half" idx="1"/>
-          </p:nvPr>
-        </p:nvSpPr>
-        <p:spPr/>
-        <p:txBody>
-          <a:bodyPr/>
-          <a:lstStyle/>
-          <a:p>
-            <a:endParaRPr lang="de-CH"/>
           </a:p>
         </p:txBody>
       </p:sp>
@@ -4555,10 +4576,82 @@
           </a:p>
         </p:txBody>
       </p:sp>
+      <p:sp>
+        <p:nvSpPr>
+          <p:cNvPr id="8" name="Inhaltsplatzhalter 7"/>
+          <p:cNvSpPr>
+            <a:spLocks noGrp="1"/>
+          </p:cNvSpPr>
+          <p:nvPr>
+            <p:ph sz="half" idx="1"/>
+          </p:nvPr>
+        </p:nvSpPr>
+        <p:spPr/>
+        <p:txBody>
+          <a:bodyPr/>
+          <a:lstStyle/>
+          <a:p>
+            <a:endParaRPr lang="de-CH"/>
+          </a:p>
+        </p:txBody>
+      </p:sp>
+      <p:pic>
+        <p:nvPicPr>
+          <p:cNvPr id="9" name="Inhaltsplatzhalter 2"/>
+          <p:cNvPicPr>
+            <a:picLocks noChangeAspect="1"/>
+          </p:cNvPicPr>
+          <p:nvPr/>
+        </p:nvPicPr>
+        <p:blipFill>
+          <a:blip r:embed="rId3">
+            <a:extLst>
+              <a:ext uri="{28A0092B-C50C-407E-A947-70E740481C1C}">
+                <a14:useLocalDpi xmlns:a14="http://schemas.microsoft.com/office/drawing/2010/main" val="0"/>
+              </a:ext>
+            </a:extLst>
+          </a:blip>
+          <a:stretch>
+            <a:fillRect/>
+          </a:stretch>
+        </p:blipFill>
+        <p:spPr>
+          <a:xfrm>
+            <a:off x="828357" y="1825625"/>
+            <a:ext cx="6326824" cy="4351338"/>
+          </a:xfrm>
+          <a:prstGeom prst="rect">
+            <a:avLst/>
+          </a:prstGeom>
+        </p:spPr>
+      </p:pic>
+      <p:sp>
+        <p:nvSpPr>
+          <p:cNvPr id="10" name="Datumsplatzhalter 9"/>
+          <p:cNvSpPr>
+            <a:spLocks noGrp="1"/>
+          </p:cNvSpPr>
+          <p:nvPr>
+            <p:ph type="dt" sz="half" idx="10"/>
+          </p:nvPr>
+        </p:nvSpPr>
+        <p:spPr/>
+        <p:txBody>
+          <a:bodyPr/>
+          <a:lstStyle/>
+          <a:p>
+            <a:r>
+              <a:rPr lang="de-CH" smtClean="0"/>
+              <a:t>30.05.2014</a:t>
+            </a:r>
+            <a:endParaRPr lang="de-CH"/>
+          </a:p>
+        </p:txBody>
+      </p:sp>
     </p:spTree>
     <p:extLst>
       <p:ext uri="{BB962C8B-B14F-4D97-AF65-F5344CB8AC3E}">
-        <p14:creationId xmlns:p14="http://schemas.microsoft.com/office/powerpoint/2010/main" val="3237817927"/>
+        <p14:creationId xmlns:p14="http://schemas.microsoft.com/office/powerpoint/2010/main" val="2291733246"/>
       </p:ext>
     </p:extLst>
   </p:cSld>
@@ -4609,31 +4702,41 @@
           <a:p>
             <a:r>
               <a:rPr lang="en-US" dirty="0" smtClean="0"/>
-              <a:t>Swap Loops: Triangle</a:t>
+              <a:t>Transposed</a:t>
             </a:r>
             <a:endParaRPr lang="de-CH" dirty="0"/>
           </a:p>
         </p:txBody>
       </p:sp>
-      <p:sp>
-        <p:nvSpPr>
-          <p:cNvPr id="7" name="Inhaltsplatzhalter 6"/>
-          <p:cNvSpPr>
-            <a:spLocks noGrp="1"/>
-          </p:cNvSpPr>
+      <p:pic>
+        <p:nvPicPr>
+          <p:cNvPr id="3" name="Inhaltsplatzhalter 2"/>
+          <p:cNvPicPr>
+            <a:picLocks noGrp="1" noChangeAspect="1"/>
+          </p:cNvPicPr>
           <p:nvPr>
             <p:ph sz="half" idx="1"/>
           </p:nvPr>
-        </p:nvSpPr>
-        <p:spPr/>
-        <p:txBody>
-          <a:bodyPr/>
-          <a:lstStyle/>
-          <a:p>
-            <a:endParaRPr lang="de-CH"/>
-          </a:p>
-        </p:txBody>
-      </p:sp>
+        </p:nvPicPr>
+        <p:blipFill>
+          <a:blip r:embed="rId2">
+            <a:extLst>
+              <a:ext uri="{28A0092B-C50C-407E-A947-70E740481C1C}">
+                <a14:useLocalDpi xmlns:a14="http://schemas.microsoft.com/office/drawing/2010/main" val="0"/>
+              </a:ext>
+            </a:extLst>
+          </a:blip>
+          <a:stretch>
+            <a:fillRect/>
+          </a:stretch>
+        </p:blipFill>
+        <p:spPr>
+          <a:xfrm>
+            <a:off x="828357" y="1825625"/>
+            <a:ext cx="6326824" cy="4351338"/>
+          </a:xfrm>
+        </p:spPr>
+      </p:pic>
       <p:pic>
         <p:nvPicPr>
           <p:cNvPr id="2" name="Inhaltsplatzhalter 1"/>
@@ -4645,7 +4748,7 @@
           </p:nvPr>
         </p:nvPicPr>
         <p:blipFill>
-          <a:blip r:embed="rId2" cstate="print">
+          <a:blip r:embed="rId3" cstate="print">
             <a:extLst>
               <a:ext uri="{28A0092B-C50C-407E-A947-70E740481C1C}">
                 <a14:useLocalDpi xmlns:a14="http://schemas.microsoft.com/office/drawing/2010/main" val="0"/>
@@ -4709,10 +4812,33 @@
           </a:p>
         </p:txBody>
       </p:sp>
+      <p:sp>
+        <p:nvSpPr>
+          <p:cNvPr id="7" name="Datumsplatzhalter 6"/>
+          <p:cNvSpPr>
+            <a:spLocks noGrp="1"/>
+          </p:cNvSpPr>
+          <p:nvPr>
+            <p:ph type="dt" sz="half" idx="10"/>
+          </p:nvPr>
+        </p:nvSpPr>
+        <p:spPr/>
+        <p:txBody>
+          <a:bodyPr/>
+          <a:lstStyle/>
+          <a:p>
+            <a:r>
+              <a:rPr lang="de-CH" smtClean="0"/>
+              <a:t>30.05.2014</a:t>
+            </a:r>
+            <a:endParaRPr lang="de-CH"/>
+          </a:p>
+        </p:txBody>
+      </p:sp>
     </p:spTree>
     <p:extLst>
       <p:ext uri="{BB962C8B-B14F-4D97-AF65-F5344CB8AC3E}">
-        <p14:creationId xmlns:p14="http://schemas.microsoft.com/office/powerpoint/2010/main" val="3959984251"/>
+        <p14:creationId xmlns:p14="http://schemas.microsoft.com/office/powerpoint/2010/main" val="1845692040"/>
       </p:ext>
     </p:extLst>
   </p:cSld>
@@ -4763,28 +4889,9 @@
           <a:p>
             <a:r>
               <a:rPr lang="en-US" dirty="0" smtClean="0"/>
-              <a:t>Swap Loops: Triangle</a:t>
+              <a:t>Bottom Up</a:t>
             </a:r>
             <a:endParaRPr lang="de-CH" dirty="0"/>
-          </a:p>
-        </p:txBody>
-      </p:sp>
-      <p:sp>
-        <p:nvSpPr>
-          <p:cNvPr id="7" name="Inhaltsplatzhalter 6"/>
-          <p:cNvSpPr>
-            <a:spLocks noGrp="1"/>
-          </p:cNvSpPr>
-          <p:nvPr>
-            <p:ph sz="half" idx="1"/>
-          </p:nvPr>
-        </p:nvSpPr>
-        <p:spPr/>
-        <p:txBody>
-          <a:bodyPr/>
-          <a:lstStyle/>
-          <a:p>
-            <a:endParaRPr lang="de-CH"/>
           </a:p>
         </p:txBody>
       </p:sp>
@@ -4863,10 +4970,82 @@
           </a:p>
         </p:txBody>
       </p:sp>
+      <p:sp>
+        <p:nvSpPr>
+          <p:cNvPr id="8" name="Inhaltsplatzhalter 7"/>
+          <p:cNvSpPr>
+            <a:spLocks noGrp="1"/>
+          </p:cNvSpPr>
+          <p:nvPr>
+            <p:ph sz="half" idx="1"/>
+          </p:nvPr>
+        </p:nvSpPr>
+        <p:spPr/>
+        <p:txBody>
+          <a:bodyPr/>
+          <a:lstStyle/>
+          <a:p>
+            <a:endParaRPr lang="de-CH"/>
+          </a:p>
+        </p:txBody>
+      </p:sp>
+      <p:pic>
+        <p:nvPicPr>
+          <p:cNvPr id="9" name="Inhaltsplatzhalter 2"/>
+          <p:cNvPicPr>
+            <a:picLocks noChangeAspect="1"/>
+          </p:cNvPicPr>
+          <p:nvPr/>
+        </p:nvPicPr>
+        <p:blipFill>
+          <a:blip r:embed="rId3">
+            <a:extLst>
+              <a:ext uri="{28A0092B-C50C-407E-A947-70E740481C1C}">
+                <a14:useLocalDpi xmlns:a14="http://schemas.microsoft.com/office/drawing/2010/main" val="0"/>
+              </a:ext>
+            </a:extLst>
+          </a:blip>
+          <a:stretch>
+            <a:fillRect/>
+          </a:stretch>
+        </p:blipFill>
+        <p:spPr>
+          <a:xfrm>
+            <a:off x="828357" y="1825625"/>
+            <a:ext cx="6326824" cy="4351338"/>
+          </a:xfrm>
+          <a:prstGeom prst="rect">
+            <a:avLst/>
+          </a:prstGeom>
+        </p:spPr>
+      </p:pic>
+      <p:sp>
+        <p:nvSpPr>
+          <p:cNvPr id="10" name="Datumsplatzhalter 9"/>
+          <p:cNvSpPr>
+            <a:spLocks noGrp="1"/>
+          </p:cNvSpPr>
+          <p:nvPr>
+            <p:ph type="dt" sz="half" idx="10"/>
+          </p:nvPr>
+        </p:nvSpPr>
+        <p:spPr/>
+        <p:txBody>
+          <a:bodyPr/>
+          <a:lstStyle/>
+          <a:p>
+            <a:r>
+              <a:rPr lang="de-CH" smtClean="0"/>
+              <a:t>30.05.2014</a:t>
+            </a:r>
+            <a:endParaRPr lang="de-CH"/>
+          </a:p>
+        </p:txBody>
+      </p:sp>
     </p:spTree>
     <p:extLst>
       <p:ext uri="{BB962C8B-B14F-4D97-AF65-F5344CB8AC3E}">
-        <p14:creationId xmlns:p14="http://schemas.microsoft.com/office/powerpoint/2010/main" val="957183671"/>
+        <p14:creationId xmlns:p14="http://schemas.microsoft.com/office/powerpoint/2010/main" val="2074402485"/>
       </p:ext>
     </p:extLst>
   </p:cSld>
@@ -4917,31 +5096,41 @@
           <a:p>
             <a:r>
               <a:rPr lang="en-US" dirty="0" smtClean="0"/>
-              <a:t>Swap Loops: Triangle</a:t>
+              <a:t>Bottom Up</a:t>
             </a:r>
             <a:endParaRPr lang="de-CH" dirty="0"/>
           </a:p>
         </p:txBody>
       </p:sp>
-      <p:sp>
-        <p:nvSpPr>
-          <p:cNvPr id="7" name="Inhaltsplatzhalter 6"/>
-          <p:cNvSpPr>
-            <a:spLocks noGrp="1"/>
-          </p:cNvSpPr>
+      <p:pic>
+        <p:nvPicPr>
+          <p:cNvPr id="3" name="Inhaltsplatzhalter 2"/>
+          <p:cNvPicPr>
+            <a:picLocks noGrp="1" noChangeAspect="1"/>
+          </p:cNvPicPr>
           <p:nvPr>
             <p:ph sz="half" idx="1"/>
           </p:nvPr>
-        </p:nvSpPr>
-        <p:spPr/>
-        <p:txBody>
-          <a:bodyPr/>
-          <a:lstStyle/>
-          <a:p>
-            <a:endParaRPr lang="de-CH"/>
-          </a:p>
-        </p:txBody>
-      </p:sp>
+        </p:nvPicPr>
+        <p:blipFill>
+          <a:blip r:embed="rId2">
+            <a:extLst>
+              <a:ext uri="{28A0092B-C50C-407E-A947-70E740481C1C}">
+                <a14:useLocalDpi xmlns:a14="http://schemas.microsoft.com/office/drawing/2010/main" val="0"/>
+              </a:ext>
+            </a:extLst>
+          </a:blip>
+          <a:stretch>
+            <a:fillRect/>
+          </a:stretch>
+        </p:blipFill>
+        <p:spPr>
+          <a:xfrm>
+            <a:off x="828357" y="1825625"/>
+            <a:ext cx="6326824" cy="4351338"/>
+          </a:xfrm>
+        </p:spPr>
+      </p:pic>
       <p:pic>
         <p:nvPicPr>
           <p:cNvPr id="2" name="Inhaltsplatzhalter 1"/>
@@ -4953,7 +5142,7 @@
           </p:nvPr>
         </p:nvPicPr>
         <p:blipFill>
-          <a:blip r:embed="rId2" cstate="print">
+          <a:blip r:embed="rId3" cstate="print">
             <a:extLst>
               <a:ext uri="{28A0092B-C50C-407E-A947-70E740481C1C}">
                 <a14:useLocalDpi xmlns:a14="http://schemas.microsoft.com/office/drawing/2010/main" val="0"/>
@@ -5017,10 +5206,33 @@
           </a:p>
         </p:txBody>
       </p:sp>
+      <p:sp>
+        <p:nvSpPr>
+          <p:cNvPr id="7" name="Datumsplatzhalter 6"/>
+          <p:cNvSpPr>
+            <a:spLocks noGrp="1"/>
+          </p:cNvSpPr>
+          <p:nvPr>
+            <p:ph type="dt" sz="half" idx="10"/>
+          </p:nvPr>
+        </p:nvSpPr>
+        <p:spPr/>
+        <p:txBody>
+          <a:bodyPr/>
+          <a:lstStyle/>
+          <a:p>
+            <a:r>
+              <a:rPr lang="de-CH" smtClean="0"/>
+              <a:t>30.05.2014</a:t>
+            </a:r>
+            <a:endParaRPr lang="de-CH"/>
+          </a:p>
+        </p:txBody>
+      </p:sp>
     </p:spTree>
     <p:extLst>
       <p:ext uri="{BB962C8B-B14F-4D97-AF65-F5344CB8AC3E}">
-        <p14:creationId xmlns:p14="http://schemas.microsoft.com/office/powerpoint/2010/main" val="570458078"/>
+        <p14:creationId xmlns:p14="http://schemas.microsoft.com/office/powerpoint/2010/main" val="627175653"/>
       </p:ext>
     </p:extLst>
   </p:cSld>
@@ -5171,10 +5383,63 @@
           </a:p>
         </p:txBody>
       </p:sp>
+      <p:pic>
+        <p:nvPicPr>
+          <p:cNvPr id="8" name="Inhaltsplatzhalter 2"/>
+          <p:cNvPicPr>
+            <a:picLocks noChangeAspect="1"/>
+          </p:cNvPicPr>
+          <p:nvPr/>
+        </p:nvPicPr>
+        <p:blipFill>
+          <a:blip r:embed="rId3">
+            <a:extLst>
+              <a:ext uri="{28A0092B-C50C-407E-A947-70E740481C1C}">
+                <a14:useLocalDpi xmlns:a14="http://schemas.microsoft.com/office/drawing/2010/main" val="0"/>
+              </a:ext>
+            </a:extLst>
+          </a:blip>
+          <a:stretch>
+            <a:fillRect/>
+          </a:stretch>
+        </p:blipFill>
+        <p:spPr>
+          <a:xfrm>
+            <a:off x="828357" y="1825625"/>
+            <a:ext cx="6326824" cy="4351338"/>
+          </a:xfrm>
+          <a:prstGeom prst="rect">
+            <a:avLst/>
+          </a:prstGeom>
+        </p:spPr>
+      </p:pic>
+      <p:sp>
+        <p:nvSpPr>
+          <p:cNvPr id="3" name="Datumsplatzhalter 2"/>
+          <p:cNvSpPr>
+            <a:spLocks noGrp="1"/>
+          </p:cNvSpPr>
+          <p:nvPr>
+            <p:ph type="dt" sz="half" idx="10"/>
+          </p:nvPr>
+        </p:nvSpPr>
+        <p:spPr/>
+        <p:txBody>
+          <a:bodyPr/>
+          <a:lstStyle/>
+          <a:p>
+            <a:r>
+              <a:rPr lang="de-CH" smtClean="0"/>
+              <a:t>30.05.2014</a:t>
+            </a:r>
+            <a:endParaRPr lang="de-CH"/>
+          </a:p>
+        </p:txBody>
+      </p:sp>
     </p:spTree>
     <p:extLst>
       <p:ext uri="{BB962C8B-B14F-4D97-AF65-F5344CB8AC3E}">
-        <p14:creationId xmlns:p14="http://schemas.microsoft.com/office/powerpoint/2010/main" val="150988937"/>
+        <p14:creationId xmlns:p14="http://schemas.microsoft.com/office/powerpoint/2010/main" val="3237817927"/>
       </p:ext>
     </p:extLst>
   </p:cSld>
@@ -5325,10 +5590,63 @@
           </a:p>
         </p:txBody>
       </p:sp>
+      <p:pic>
+        <p:nvPicPr>
+          <p:cNvPr id="8" name="Inhaltsplatzhalter 2"/>
+          <p:cNvPicPr>
+            <a:picLocks noChangeAspect="1"/>
+          </p:cNvPicPr>
+          <p:nvPr/>
+        </p:nvPicPr>
+        <p:blipFill>
+          <a:blip r:embed="rId3">
+            <a:extLst>
+              <a:ext uri="{28A0092B-C50C-407E-A947-70E740481C1C}">
+                <a14:useLocalDpi xmlns:a14="http://schemas.microsoft.com/office/drawing/2010/main" val="0"/>
+              </a:ext>
+            </a:extLst>
+          </a:blip>
+          <a:stretch>
+            <a:fillRect/>
+          </a:stretch>
+        </p:blipFill>
+        <p:spPr>
+          <a:xfrm>
+            <a:off x="828357" y="1825625"/>
+            <a:ext cx="6326824" cy="4351338"/>
+          </a:xfrm>
+          <a:prstGeom prst="rect">
+            <a:avLst/>
+          </a:prstGeom>
+        </p:spPr>
+      </p:pic>
+      <p:sp>
+        <p:nvSpPr>
+          <p:cNvPr id="3" name="Datumsplatzhalter 2"/>
+          <p:cNvSpPr>
+            <a:spLocks noGrp="1"/>
+          </p:cNvSpPr>
+          <p:nvPr>
+            <p:ph type="dt" sz="half" idx="10"/>
+          </p:nvPr>
+        </p:nvSpPr>
+        <p:spPr/>
+        <p:txBody>
+          <a:bodyPr/>
+          <a:lstStyle/>
+          <a:p>
+            <a:r>
+              <a:rPr lang="de-CH" smtClean="0"/>
+              <a:t>30.05.2014</a:t>
+            </a:r>
+            <a:endParaRPr lang="de-CH"/>
+          </a:p>
+        </p:txBody>
+      </p:sp>
     </p:spTree>
     <p:extLst>
       <p:ext uri="{BB962C8B-B14F-4D97-AF65-F5344CB8AC3E}">
-        <p14:creationId xmlns:p14="http://schemas.microsoft.com/office/powerpoint/2010/main" val="873896086"/>
+        <p14:creationId xmlns:p14="http://schemas.microsoft.com/office/powerpoint/2010/main" val="3959984251"/>
       </p:ext>
     </p:extLst>
   </p:cSld>
@@ -5379,7 +5697,7 @@
           <a:p>
             <a:r>
               <a:rPr lang="en-US" dirty="0" smtClean="0"/>
-              <a:t>Blocking</a:t>
+              <a:t>Swap Loops: Triangle</a:t>
             </a:r>
             <a:endParaRPr lang="de-CH" dirty="0"/>
           </a:p>
@@ -5479,10 +5797,63 @@
           </a:p>
         </p:txBody>
       </p:sp>
+      <p:pic>
+        <p:nvPicPr>
+          <p:cNvPr id="8" name="Inhaltsplatzhalter 2"/>
+          <p:cNvPicPr>
+            <a:picLocks noChangeAspect="1"/>
+          </p:cNvPicPr>
+          <p:nvPr/>
+        </p:nvPicPr>
+        <p:blipFill>
+          <a:blip r:embed="rId3">
+            <a:extLst>
+              <a:ext uri="{28A0092B-C50C-407E-A947-70E740481C1C}">
+                <a14:useLocalDpi xmlns:a14="http://schemas.microsoft.com/office/drawing/2010/main" val="0"/>
+              </a:ext>
+            </a:extLst>
+          </a:blip>
+          <a:stretch>
+            <a:fillRect/>
+          </a:stretch>
+        </p:blipFill>
+        <p:spPr>
+          <a:xfrm>
+            <a:off x="828357" y="1825625"/>
+            <a:ext cx="6326824" cy="4351338"/>
+          </a:xfrm>
+          <a:prstGeom prst="rect">
+            <a:avLst/>
+          </a:prstGeom>
+        </p:spPr>
+      </p:pic>
+      <p:sp>
+        <p:nvSpPr>
+          <p:cNvPr id="3" name="Datumsplatzhalter 2"/>
+          <p:cNvSpPr>
+            <a:spLocks noGrp="1"/>
+          </p:cNvSpPr>
+          <p:nvPr>
+            <p:ph type="dt" sz="half" idx="10"/>
+          </p:nvPr>
+        </p:nvSpPr>
+        <p:spPr/>
+        <p:txBody>
+          <a:bodyPr/>
+          <a:lstStyle/>
+          <a:p>
+            <a:r>
+              <a:rPr lang="de-CH" smtClean="0"/>
+              <a:t>30.05.2014</a:t>
+            </a:r>
+            <a:endParaRPr lang="de-CH"/>
+          </a:p>
+        </p:txBody>
+      </p:sp>
     </p:spTree>
     <p:extLst>
       <p:ext uri="{BB962C8B-B14F-4D97-AF65-F5344CB8AC3E}">
-        <p14:creationId xmlns:p14="http://schemas.microsoft.com/office/powerpoint/2010/main" val="1932478605"/>
+        <p14:creationId xmlns:p14="http://schemas.microsoft.com/office/powerpoint/2010/main" val="957183671"/>
       </p:ext>
     </p:extLst>
   </p:cSld>
@@ -5531,44 +5902,462 @@
           <a:bodyPr/>
           <a:lstStyle/>
           <a:p>
+            <a:r>
+              <a:rPr lang="en-US" dirty="0" smtClean="0"/>
+              <a:t>Problem Description</a:t>
+            </a:r>
             <a:endParaRPr lang="de-CH" dirty="0"/>
           </a:p>
         </p:txBody>
       </p:sp>
-      <p:sp>
-        <p:nvSpPr>
-          <p:cNvPr id="7" name="Inhaltsplatzhalter 6"/>
-          <p:cNvSpPr>
-            <a:spLocks noGrp="1"/>
-          </p:cNvSpPr>
-          <p:nvPr>
-            <p:ph sz="half" idx="1"/>
-          </p:nvPr>
-        </p:nvSpPr>
-        <p:spPr/>
-        <p:txBody>
-          <a:bodyPr/>
-          <a:lstStyle/>
-          <a:p>
-            <a:endParaRPr lang="de-CH"/>
-          </a:p>
-        </p:txBody>
-      </p:sp>
-      <p:sp>
-        <p:nvSpPr>
-          <p:cNvPr id="8" name="Inhaltsplatzhalter 7"/>
-          <p:cNvSpPr>
-            <a:spLocks noGrp="1"/>
-          </p:cNvSpPr>
+      <mc:AlternateContent xmlns:mc="http://schemas.openxmlformats.org/markup-compatibility/2006">
+        <mc:Choice xmlns:a14="http://schemas.microsoft.com/office/drawing/2010/main" Requires="a14">
+          <p:sp>
+            <p:nvSpPr>
+              <p:cNvPr id="3" name="Inhaltsplatzhalter 2"/>
+              <p:cNvSpPr>
+                <a:spLocks noGrp="1"/>
+              </p:cNvSpPr>
+              <p:nvPr>
+                <p:ph sz="half" idx="1"/>
+              </p:nvPr>
+            </p:nvSpPr>
+            <p:spPr/>
+            <p:txBody>
+              <a:bodyPr/>
+              <a:lstStyle/>
+              <a:p>
+                <a:r>
+                  <a:rPr lang="en-US" dirty="0" smtClean="0"/>
+                  <a:t>Given:</a:t>
+                </a:r>
+              </a:p>
+              <a:p>
+                <a:pPr lvl="1"/>
+                <a:r>
+                  <a:rPr lang="en-US" dirty="0" smtClean="0"/>
+                  <a:t>Key Weights </a:t>
+                </a:r>
+                <a14:m>
+                  <m:oMath xmlns:m="http://schemas.openxmlformats.org/officeDocument/2006/math">
+                    <m:sSub>
+                      <m:sSubPr>
+                        <m:ctrlPr>
+                          <a:rPr lang="en-US" b="0" i="1" smtClean="0">
+                            <a:latin typeface="Cambria Math" panose="02040503050406030204" pitchFamily="18" charset="0"/>
+                          </a:rPr>
+                        </m:ctrlPr>
+                      </m:sSubPr>
+                      <m:e>
+                        <m:r>
+                          <a:rPr lang="en-US" b="0" i="1" smtClean="0">
+                            <a:latin typeface="Cambria Math" panose="02040503050406030204" pitchFamily="18" charset="0"/>
+                          </a:rPr>
+                          <m:t>𝑝</m:t>
+                        </m:r>
+                      </m:e>
+                      <m:sub>
+                        <m:r>
+                          <a:rPr lang="en-US" b="0" i="1" smtClean="0">
+                            <a:latin typeface="Cambria Math" panose="02040503050406030204" pitchFamily="18" charset="0"/>
+                          </a:rPr>
+                          <m:t>1</m:t>
+                        </m:r>
+                      </m:sub>
+                    </m:sSub>
+                    <m:r>
+                      <a:rPr lang="en-US" b="0" i="1" smtClean="0">
+                        <a:latin typeface="Cambria Math" panose="02040503050406030204" pitchFamily="18" charset="0"/>
+                      </a:rPr>
+                      <m:t>, …, </m:t>
+                    </m:r>
+                    <m:sSub>
+                      <m:sSubPr>
+                        <m:ctrlPr>
+                          <a:rPr lang="en-US" b="0" i="1" smtClean="0">
+                            <a:latin typeface="Cambria Math" panose="02040503050406030204" pitchFamily="18" charset="0"/>
+                          </a:rPr>
+                        </m:ctrlPr>
+                      </m:sSubPr>
+                      <m:e>
+                        <m:r>
+                          <a:rPr lang="en-US" b="0" i="1" smtClean="0">
+                            <a:latin typeface="Cambria Math" panose="02040503050406030204" pitchFamily="18" charset="0"/>
+                          </a:rPr>
+                          <m:t>𝑝</m:t>
+                        </m:r>
+                      </m:e>
+                      <m:sub>
+                        <m:r>
+                          <a:rPr lang="en-US" b="0" i="1" smtClean="0">
+                            <a:latin typeface="Cambria Math" panose="02040503050406030204" pitchFamily="18" charset="0"/>
+                          </a:rPr>
+                          <m:t>𝑛</m:t>
+                        </m:r>
+                      </m:sub>
+                    </m:sSub>
+                  </m:oMath>
+                </a14:m>
+                <a:endParaRPr lang="de-CH" dirty="0" smtClean="0"/>
+              </a:p>
+              <a:p>
+                <a:pPr lvl="1"/>
+                <a:r>
+                  <a:rPr lang="en-US" dirty="0" smtClean="0"/>
+                  <a:t>Dummy Weights </a:t>
+                </a:r>
+                <a14:m>
+                  <m:oMath xmlns:m="http://schemas.openxmlformats.org/officeDocument/2006/math">
+                    <m:sSub>
+                      <m:sSubPr>
+                        <m:ctrlPr>
+                          <a:rPr lang="en-US" b="0" i="1" smtClean="0">
+                            <a:latin typeface="Cambria Math" panose="02040503050406030204" pitchFamily="18" charset="0"/>
+                          </a:rPr>
+                        </m:ctrlPr>
+                      </m:sSubPr>
+                      <m:e>
+                        <m:r>
+                          <a:rPr lang="en-US" b="0" i="1" smtClean="0">
+                            <a:latin typeface="Cambria Math" panose="02040503050406030204" pitchFamily="18" charset="0"/>
+                          </a:rPr>
+                          <m:t>𝑞</m:t>
+                        </m:r>
+                      </m:e>
+                      <m:sub>
+                        <m:r>
+                          <a:rPr lang="en-US" b="0" i="1" smtClean="0">
+                            <a:latin typeface="Cambria Math" panose="02040503050406030204" pitchFamily="18" charset="0"/>
+                          </a:rPr>
+                          <m:t>0</m:t>
+                        </m:r>
+                      </m:sub>
+                    </m:sSub>
+                    <m:r>
+                      <a:rPr lang="en-US" b="0" i="1" smtClean="0">
+                        <a:latin typeface="Cambria Math" panose="02040503050406030204" pitchFamily="18" charset="0"/>
+                      </a:rPr>
+                      <m:t>,…, </m:t>
+                    </m:r>
+                    <m:sSub>
+                      <m:sSubPr>
+                        <m:ctrlPr>
+                          <a:rPr lang="en-US" b="0" i="1" smtClean="0">
+                            <a:latin typeface="Cambria Math" panose="02040503050406030204" pitchFamily="18" charset="0"/>
+                          </a:rPr>
+                        </m:ctrlPr>
+                      </m:sSubPr>
+                      <m:e>
+                        <m:r>
+                          <a:rPr lang="en-US" b="0" i="1" smtClean="0">
+                            <a:latin typeface="Cambria Math" panose="02040503050406030204" pitchFamily="18" charset="0"/>
+                          </a:rPr>
+                          <m:t>𝑞</m:t>
+                        </m:r>
+                      </m:e>
+                      <m:sub>
+                        <m:r>
+                          <a:rPr lang="en-US" b="0" i="1" smtClean="0">
+                            <a:latin typeface="Cambria Math" panose="02040503050406030204" pitchFamily="18" charset="0"/>
+                          </a:rPr>
+                          <m:t>𝑛</m:t>
+                        </m:r>
+                      </m:sub>
+                    </m:sSub>
+                  </m:oMath>
+                </a14:m>
+                <a:endParaRPr lang="en-US" b="0" dirty="0" smtClean="0"/>
+              </a:p>
+              <a:p>
+                <a:r>
+                  <a:rPr lang="en-US" dirty="0" smtClean="0"/>
+                  <a:t>Required:</a:t>
+                </a:r>
+              </a:p>
+              <a:p>
+                <a:pPr lvl="1"/>
+                <a:r>
+                  <a:rPr lang="en-US" dirty="0" smtClean="0"/>
+                  <a:t>Minimize Expected Lookup Cost</a:t>
+                </a:r>
+              </a:p>
+              <a:p>
+                <a:pPr lvl="1"/>
+                <a14:m>
+                  <m:oMath xmlns:m="http://schemas.openxmlformats.org/officeDocument/2006/math">
+                    <m:nary>
+                      <m:naryPr>
+                        <m:chr m:val="∑"/>
+                        <m:subHide m:val="on"/>
+                        <m:supHide m:val="on"/>
+                        <m:ctrlPr>
+                          <a:rPr lang="en-US" b="0" i="1" smtClean="0">
+                            <a:latin typeface="Cambria Math" panose="02040503050406030204" pitchFamily="18" charset="0"/>
+                          </a:rPr>
+                        </m:ctrlPr>
+                      </m:naryPr>
+                      <m:sub/>
+                      <m:sup/>
+                      <m:e>
+                        <m:r>
+                          <a:rPr lang="en-US" i="1">
+                            <a:latin typeface="Cambria Math" panose="02040503050406030204" pitchFamily="18" charset="0"/>
+                          </a:rPr>
+                          <m:t>h</m:t>
+                        </m:r>
+                        <m:d>
+                          <m:dPr>
+                            <m:ctrlPr>
+                              <a:rPr lang="en-US" i="1">
+                                <a:latin typeface="Cambria Math" panose="02040503050406030204" pitchFamily="18" charset="0"/>
+                              </a:rPr>
+                            </m:ctrlPr>
+                          </m:dPr>
+                          <m:e>
+                            <m:sSub>
+                              <m:sSubPr>
+                                <m:ctrlPr>
+                                  <a:rPr lang="en-US" i="1">
+                                    <a:latin typeface="Cambria Math" panose="02040503050406030204" pitchFamily="18" charset="0"/>
+                                  </a:rPr>
+                                </m:ctrlPr>
+                              </m:sSubPr>
+                              <m:e>
+                                <m:r>
+                                  <a:rPr lang="en-US" i="1">
+                                    <a:latin typeface="Cambria Math" panose="02040503050406030204" pitchFamily="18" charset="0"/>
+                                  </a:rPr>
+                                  <m:t>𝑘</m:t>
+                                </m:r>
+                              </m:e>
+                              <m:sub>
+                                <m:r>
+                                  <a:rPr lang="en-US" i="1">
+                                    <a:latin typeface="Cambria Math" panose="02040503050406030204" pitchFamily="18" charset="0"/>
+                                  </a:rPr>
+                                  <m:t>𝑖</m:t>
+                                </m:r>
+                              </m:sub>
+                            </m:sSub>
+                          </m:e>
+                        </m:d>
+                        <m:r>
+                          <a:rPr lang="en-US" i="1">
+                            <a:latin typeface="Cambria Math" panose="02040503050406030204" pitchFamily="18" charset="0"/>
+                          </a:rPr>
+                          <m:t>⋅</m:t>
+                        </m:r>
+                        <m:sSub>
+                          <m:sSubPr>
+                            <m:ctrlPr>
+                              <a:rPr lang="en-US" i="1">
+                                <a:latin typeface="Cambria Math" panose="02040503050406030204" pitchFamily="18" charset="0"/>
+                              </a:rPr>
+                            </m:ctrlPr>
+                          </m:sSubPr>
+                          <m:e>
+                            <m:r>
+                              <a:rPr lang="en-US" i="1">
+                                <a:latin typeface="Cambria Math" panose="02040503050406030204" pitchFamily="18" charset="0"/>
+                              </a:rPr>
+                              <m:t>𝑝</m:t>
+                            </m:r>
+                          </m:e>
+                          <m:sub>
+                            <m:r>
+                              <a:rPr lang="en-US" i="1">
+                                <a:latin typeface="Cambria Math" panose="02040503050406030204" pitchFamily="18" charset="0"/>
+                              </a:rPr>
+                              <m:t>𝑖</m:t>
+                            </m:r>
+                          </m:sub>
+                        </m:sSub>
+                      </m:e>
+                    </m:nary>
+                    <m:r>
+                      <a:rPr lang="en-US" b="0" i="1" smtClean="0">
+                        <a:latin typeface="Cambria Math" panose="02040503050406030204" pitchFamily="18" charset="0"/>
+                      </a:rPr>
+                      <m:t>+</m:t>
+                    </m:r>
+                    <m:nary>
+                      <m:naryPr>
+                        <m:chr m:val="∑"/>
+                        <m:subHide m:val="on"/>
+                        <m:supHide m:val="on"/>
+                        <m:ctrlPr>
+                          <a:rPr lang="en-US" b="0" i="1" smtClean="0">
+                            <a:latin typeface="Cambria Math" panose="02040503050406030204" pitchFamily="18" charset="0"/>
+                          </a:rPr>
+                        </m:ctrlPr>
+                      </m:naryPr>
+                      <m:sub/>
+                      <m:sup/>
+                      <m:e>
+                        <m:r>
+                          <a:rPr lang="en-US" i="1">
+                            <a:latin typeface="Cambria Math" panose="02040503050406030204" pitchFamily="18" charset="0"/>
+                          </a:rPr>
+                          <m:t>h</m:t>
+                        </m:r>
+                        <m:d>
+                          <m:dPr>
+                            <m:ctrlPr>
+                              <a:rPr lang="en-US" i="1">
+                                <a:latin typeface="Cambria Math" panose="02040503050406030204" pitchFamily="18" charset="0"/>
+                              </a:rPr>
+                            </m:ctrlPr>
+                          </m:dPr>
+                          <m:e>
+                            <m:sSub>
+                              <m:sSubPr>
+                                <m:ctrlPr>
+                                  <a:rPr lang="en-US" i="1">
+                                    <a:latin typeface="Cambria Math" panose="02040503050406030204" pitchFamily="18" charset="0"/>
+                                  </a:rPr>
+                                </m:ctrlPr>
+                              </m:sSubPr>
+                              <m:e>
+                                <m:r>
+                                  <a:rPr lang="en-US" i="1">
+                                    <a:latin typeface="Cambria Math" panose="02040503050406030204" pitchFamily="18" charset="0"/>
+                                  </a:rPr>
+                                  <m:t>𝑑</m:t>
+                                </m:r>
+                              </m:e>
+                              <m:sub>
+                                <m:r>
+                                  <a:rPr lang="en-US" i="1">
+                                    <a:latin typeface="Cambria Math" panose="02040503050406030204" pitchFamily="18" charset="0"/>
+                                  </a:rPr>
+                                  <m:t>𝑗</m:t>
+                                </m:r>
+                              </m:sub>
+                            </m:sSub>
+                          </m:e>
+                        </m:d>
+                        <m:r>
+                          <a:rPr lang="en-US" i="1">
+                            <a:latin typeface="Cambria Math" panose="02040503050406030204" pitchFamily="18" charset="0"/>
+                          </a:rPr>
+                          <m:t>⋅</m:t>
+                        </m:r>
+                        <m:sSub>
+                          <m:sSubPr>
+                            <m:ctrlPr>
+                              <a:rPr lang="en-US" i="1">
+                                <a:latin typeface="Cambria Math" panose="02040503050406030204" pitchFamily="18" charset="0"/>
+                              </a:rPr>
+                            </m:ctrlPr>
+                          </m:sSubPr>
+                          <m:e>
+                            <m:r>
+                              <a:rPr lang="en-US" i="1">
+                                <a:latin typeface="Cambria Math" panose="02040503050406030204" pitchFamily="18" charset="0"/>
+                              </a:rPr>
+                              <m:t>𝑞</m:t>
+                            </m:r>
+                          </m:e>
+                          <m:sub>
+                            <m:r>
+                              <a:rPr lang="en-US" i="1">
+                                <a:latin typeface="Cambria Math" panose="02040503050406030204" pitchFamily="18" charset="0"/>
+                              </a:rPr>
+                              <m:t>𝑗</m:t>
+                            </m:r>
+                          </m:sub>
+                        </m:sSub>
+                      </m:e>
+                    </m:nary>
+                  </m:oMath>
+                </a14:m>
+                <a:endParaRPr lang="de-CH" dirty="0"/>
+              </a:p>
+            </p:txBody>
+          </p:sp>
+        </mc:Choice>
+        <mc:Fallback>
+          <p:sp>
+            <p:nvSpPr>
+              <p:cNvPr id="3" name="Inhaltsplatzhalter 2"/>
+              <p:cNvSpPr>
+                <a:spLocks noGrp="1" noRot="1" noChangeAspect="1" noMove="1" noResize="1" noEditPoints="1" noAdjustHandles="1" noChangeArrowheads="1" noChangeShapeType="1" noTextEdit="1"/>
+              </p:cNvSpPr>
+              <p:nvPr>
+                <p:ph sz="half" idx="1"/>
+              </p:nvPr>
+            </p:nvSpPr>
+            <p:spPr>
+              <a:blipFill rotWithShape="0">
+                <a:blip r:embed="rId2"/>
+                <a:stretch>
+                  <a:fillRect l="-2118" t="-2241"/>
+                </a:stretch>
+              </a:blipFill>
+            </p:spPr>
+            <p:txBody>
+              <a:bodyPr/>
+              <a:lstStyle/>
+              <a:p>
+                <a:r>
+                  <a:rPr lang="de-CH">
+                    <a:noFill/>
+                  </a:rPr>
+                  <a:t> </a:t>
+                </a:r>
+              </a:p>
+            </p:txBody>
+          </p:sp>
+        </mc:Fallback>
+      </mc:AlternateContent>
+      <p:pic>
+        <p:nvPicPr>
+          <p:cNvPr id="10" name="Inhaltsplatzhalter 9"/>
+          <p:cNvPicPr>
+            <a:picLocks noGrp="1" noChangeAspect="1"/>
+          </p:cNvPicPr>
           <p:nvPr>
             <p:ph sz="half" idx="2"/>
           </p:nvPr>
-        </p:nvSpPr>
-        <p:spPr/>
-        <p:txBody>
-          <a:bodyPr/>
-          <a:lstStyle/>
-          <a:p>
+        </p:nvPicPr>
+        <p:blipFill>
+          <a:blip r:embed="rId3" cstate="print">
+            <a:extLst>
+              <a:ext uri="{28A0092B-C50C-407E-A947-70E740481C1C}">
+                <a14:useLocalDpi xmlns:a14="http://schemas.microsoft.com/office/drawing/2010/main" val="0"/>
+              </a:ext>
+            </a:extLst>
+          </a:blip>
+          <a:stretch>
+            <a:fillRect/>
+          </a:stretch>
+        </p:blipFill>
+        <p:spPr>
+          <a:xfrm>
+            <a:off x="6587331" y="1825625"/>
+            <a:ext cx="4351338" cy="4351338"/>
+          </a:xfrm>
+        </p:spPr>
+      </p:pic>
+      <p:sp>
+        <p:nvSpPr>
+          <p:cNvPr id="2" name="Datumsplatzhalter 1"/>
+          <p:cNvSpPr>
+            <a:spLocks noGrp="1"/>
+          </p:cNvSpPr>
+          <p:nvPr>
+            <p:ph type="dt" sz="half" idx="10"/>
+          </p:nvPr>
+        </p:nvSpPr>
+        <p:spPr/>
+        <p:txBody>
+          <a:bodyPr/>
+          <a:lstStyle/>
+          <a:p>
+            <a:r>
+              <a:rPr lang="de-CH" smtClean="0"/>
+              <a:t>30.05.2014</a:t>
+            </a:r>
             <a:endParaRPr lang="de-CH"/>
           </a:p>
         </p:txBody>
@@ -5673,7 +6462,7 @@
           <a:p>
             <a:r>
               <a:rPr lang="en-US" dirty="0" smtClean="0"/>
-              <a:t>Blocking</a:t>
+              <a:t>Swap Loops: Triangle</a:t>
             </a:r>
             <a:endParaRPr lang="de-CH" dirty="0"/>
           </a:p>
@@ -5773,10 +6562,63 @@
           </a:p>
         </p:txBody>
       </p:sp>
+      <p:pic>
+        <p:nvPicPr>
+          <p:cNvPr id="8" name="Inhaltsplatzhalter 2"/>
+          <p:cNvPicPr>
+            <a:picLocks noChangeAspect="1"/>
+          </p:cNvPicPr>
+          <p:nvPr/>
+        </p:nvPicPr>
+        <p:blipFill>
+          <a:blip r:embed="rId3">
+            <a:extLst>
+              <a:ext uri="{28A0092B-C50C-407E-A947-70E740481C1C}">
+                <a14:useLocalDpi xmlns:a14="http://schemas.microsoft.com/office/drawing/2010/main" val="0"/>
+              </a:ext>
+            </a:extLst>
+          </a:blip>
+          <a:stretch>
+            <a:fillRect/>
+          </a:stretch>
+        </p:blipFill>
+        <p:spPr>
+          <a:xfrm>
+            <a:off x="828357" y="1825625"/>
+            <a:ext cx="6326824" cy="4351338"/>
+          </a:xfrm>
+          <a:prstGeom prst="rect">
+            <a:avLst/>
+          </a:prstGeom>
+        </p:spPr>
+      </p:pic>
+      <p:sp>
+        <p:nvSpPr>
+          <p:cNvPr id="3" name="Datumsplatzhalter 2"/>
+          <p:cNvSpPr>
+            <a:spLocks noGrp="1"/>
+          </p:cNvSpPr>
+          <p:nvPr>
+            <p:ph type="dt" sz="half" idx="10"/>
+          </p:nvPr>
+        </p:nvSpPr>
+        <p:spPr/>
+        <p:txBody>
+          <a:bodyPr/>
+          <a:lstStyle/>
+          <a:p>
+            <a:r>
+              <a:rPr lang="de-CH" smtClean="0"/>
+              <a:t>30.05.2014</a:t>
+            </a:r>
+            <a:endParaRPr lang="de-CH"/>
+          </a:p>
+        </p:txBody>
+      </p:sp>
     </p:spTree>
     <p:extLst>
       <p:ext uri="{BB962C8B-B14F-4D97-AF65-F5344CB8AC3E}">
-        <p14:creationId xmlns:p14="http://schemas.microsoft.com/office/powerpoint/2010/main" val="2026316418"/>
+        <p14:creationId xmlns:p14="http://schemas.microsoft.com/office/powerpoint/2010/main" val="570458078"/>
       </p:ext>
     </p:extLst>
   </p:cSld>
@@ -5826,8 +6668,8 @@
           <a:lstStyle/>
           <a:p>
             <a:r>
-              <a:rPr lang="en-US" dirty="0" err="1" smtClean="0"/>
-              <a:t>Vectorization</a:t>
+              <a:rPr lang="en-US" dirty="0" smtClean="0"/>
+              <a:t>Swap Loops: Triangle</a:t>
             </a:r>
             <a:endParaRPr lang="de-CH" dirty="0"/>
           </a:p>
@@ -5927,10 +6769,63 @@
           </a:p>
         </p:txBody>
       </p:sp>
+      <p:pic>
+        <p:nvPicPr>
+          <p:cNvPr id="8" name="Inhaltsplatzhalter 2"/>
+          <p:cNvPicPr>
+            <a:picLocks noChangeAspect="1"/>
+          </p:cNvPicPr>
+          <p:nvPr/>
+        </p:nvPicPr>
+        <p:blipFill>
+          <a:blip r:embed="rId3">
+            <a:extLst>
+              <a:ext uri="{28A0092B-C50C-407E-A947-70E740481C1C}">
+                <a14:useLocalDpi xmlns:a14="http://schemas.microsoft.com/office/drawing/2010/main" val="0"/>
+              </a:ext>
+            </a:extLst>
+          </a:blip>
+          <a:stretch>
+            <a:fillRect/>
+          </a:stretch>
+        </p:blipFill>
+        <p:spPr>
+          <a:xfrm>
+            <a:off x="828357" y="1825625"/>
+            <a:ext cx="6326824" cy="4351338"/>
+          </a:xfrm>
+          <a:prstGeom prst="rect">
+            <a:avLst/>
+          </a:prstGeom>
+        </p:spPr>
+      </p:pic>
+      <p:sp>
+        <p:nvSpPr>
+          <p:cNvPr id="3" name="Datumsplatzhalter 2"/>
+          <p:cNvSpPr>
+            <a:spLocks noGrp="1"/>
+          </p:cNvSpPr>
+          <p:nvPr>
+            <p:ph type="dt" sz="half" idx="10"/>
+          </p:nvPr>
+        </p:nvSpPr>
+        <p:spPr/>
+        <p:txBody>
+          <a:bodyPr/>
+          <a:lstStyle/>
+          <a:p>
+            <a:r>
+              <a:rPr lang="de-CH" smtClean="0"/>
+              <a:t>30.05.2014</a:t>
+            </a:r>
+            <a:endParaRPr lang="de-CH"/>
+          </a:p>
+        </p:txBody>
+      </p:sp>
     </p:spTree>
     <p:extLst>
       <p:ext uri="{BB962C8B-B14F-4D97-AF65-F5344CB8AC3E}">
-        <p14:creationId xmlns:p14="http://schemas.microsoft.com/office/powerpoint/2010/main" val="3326126289"/>
+        <p14:creationId xmlns:p14="http://schemas.microsoft.com/office/powerpoint/2010/main" val="150988937"/>
       </p:ext>
     </p:extLst>
   </p:cSld>
@@ -5980,29 +6875,10 @@
           <a:lstStyle/>
           <a:p>
             <a:r>
-              <a:rPr lang="en-US" dirty="0" err="1" smtClean="0"/>
-              <a:t>Vectorization</a:t>
+              <a:rPr lang="en-US" dirty="0" smtClean="0"/>
+              <a:t>Swap Loops: Triangle</a:t>
             </a:r>
             <a:endParaRPr lang="de-CH" dirty="0"/>
-          </a:p>
-        </p:txBody>
-      </p:sp>
-      <p:sp>
-        <p:nvSpPr>
-          <p:cNvPr id="7" name="Inhaltsplatzhalter 6"/>
-          <p:cNvSpPr>
-            <a:spLocks noGrp="1"/>
-          </p:cNvSpPr>
-          <p:nvPr>
-            <p:ph sz="half" idx="1"/>
-          </p:nvPr>
-        </p:nvSpPr>
-        <p:spPr/>
-        <p:txBody>
-          <a:bodyPr/>
-          <a:lstStyle/>
-          <a:p>
-            <a:endParaRPr lang="de-CH"/>
           </a:p>
         </p:txBody>
       </p:sp>
@@ -6081,10 +6957,82 @@
           </a:p>
         </p:txBody>
       </p:sp>
+      <p:sp>
+        <p:nvSpPr>
+          <p:cNvPr id="9" name="Inhaltsplatzhalter 8"/>
+          <p:cNvSpPr>
+            <a:spLocks noGrp="1"/>
+          </p:cNvSpPr>
+          <p:nvPr>
+            <p:ph sz="half" idx="1"/>
+          </p:nvPr>
+        </p:nvSpPr>
+        <p:spPr/>
+        <p:txBody>
+          <a:bodyPr/>
+          <a:lstStyle/>
+          <a:p>
+            <a:endParaRPr lang="de-CH"/>
+          </a:p>
+        </p:txBody>
+      </p:sp>
+      <p:pic>
+        <p:nvPicPr>
+          <p:cNvPr id="10" name="Inhaltsplatzhalter 2"/>
+          <p:cNvPicPr>
+            <a:picLocks noChangeAspect="1"/>
+          </p:cNvPicPr>
+          <p:nvPr/>
+        </p:nvPicPr>
+        <p:blipFill>
+          <a:blip r:embed="rId3">
+            <a:extLst>
+              <a:ext uri="{28A0092B-C50C-407E-A947-70E740481C1C}">
+                <a14:useLocalDpi xmlns:a14="http://schemas.microsoft.com/office/drawing/2010/main" val="0"/>
+              </a:ext>
+            </a:extLst>
+          </a:blip>
+          <a:stretch>
+            <a:fillRect/>
+          </a:stretch>
+        </p:blipFill>
+        <p:spPr>
+          <a:xfrm>
+            <a:off x="828357" y="1825625"/>
+            <a:ext cx="6326824" cy="4351338"/>
+          </a:xfrm>
+          <a:prstGeom prst="rect">
+            <a:avLst/>
+          </a:prstGeom>
+        </p:spPr>
+      </p:pic>
+      <p:sp>
+        <p:nvSpPr>
+          <p:cNvPr id="11" name="Datumsplatzhalter 10"/>
+          <p:cNvSpPr>
+            <a:spLocks noGrp="1"/>
+          </p:cNvSpPr>
+          <p:nvPr>
+            <p:ph type="dt" sz="half" idx="10"/>
+          </p:nvPr>
+        </p:nvSpPr>
+        <p:spPr/>
+        <p:txBody>
+          <a:bodyPr/>
+          <a:lstStyle/>
+          <a:p>
+            <a:r>
+              <a:rPr lang="de-CH" smtClean="0"/>
+              <a:t>30.05.2014</a:t>
+            </a:r>
+            <a:endParaRPr lang="de-CH"/>
+          </a:p>
+        </p:txBody>
+      </p:sp>
     </p:spTree>
     <p:extLst>
       <p:ext uri="{BB962C8B-B14F-4D97-AF65-F5344CB8AC3E}">
-        <p14:creationId xmlns:p14="http://schemas.microsoft.com/office/powerpoint/2010/main" val="3878356557"/>
+        <p14:creationId xmlns:p14="http://schemas.microsoft.com/office/powerpoint/2010/main" val="873896086"/>
       </p:ext>
     </p:extLst>
   </p:cSld>
@@ -6134,32 +7082,42 @@
           <a:lstStyle/>
           <a:p>
             <a:r>
-              <a:rPr lang="en-US" dirty="0" err="1" smtClean="0"/>
-              <a:t>Vectorization</a:t>
+              <a:rPr lang="en-US" dirty="0" smtClean="0"/>
+              <a:t>Swap Loops: Triangle</a:t>
             </a:r>
             <a:endParaRPr lang="de-CH" dirty="0"/>
           </a:p>
         </p:txBody>
       </p:sp>
-      <p:sp>
-        <p:nvSpPr>
-          <p:cNvPr id="7" name="Inhaltsplatzhalter 6"/>
-          <p:cNvSpPr>
-            <a:spLocks noGrp="1"/>
-          </p:cNvSpPr>
+      <p:pic>
+        <p:nvPicPr>
+          <p:cNvPr id="3" name="Inhaltsplatzhalter 2"/>
+          <p:cNvPicPr>
+            <a:picLocks noGrp="1" noChangeAspect="1"/>
+          </p:cNvPicPr>
           <p:nvPr>
             <p:ph sz="half" idx="1"/>
           </p:nvPr>
-        </p:nvSpPr>
-        <p:spPr/>
-        <p:txBody>
-          <a:bodyPr/>
-          <a:lstStyle/>
-          <a:p>
-            <a:endParaRPr lang="de-CH"/>
-          </a:p>
-        </p:txBody>
-      </p:sp>
+        </p:nvPicPr>
+        <p:blipFill>
+          <a:blip r:embed="rId2">
+            <a:extLst>
+              <a:ext uri="{28A0092B-C50C-407E-A947-70E740481C1C}">
+                <a14:useLocalDpi xmlns:a14="http://schemas.microsoft.com/office/drawing/2010/main" val="0"/>
+              </a:ext>
+            </a:extLst>
+          </a:blip>
+          <a:stretch>
+            <a:fillRect/>
+          </a:stretch>
+        </p:blipFill>
+        <p:spPr>
+          <a:xfrm>
+            <a:off x="828357" y="1825625"/>
+            <a:ext cx="6326824" cy="4351338"/>
+          </a:xfrm>
+        </p:spPr>
+      </p:pic>
       <p:pic>
         <p:nvPicPr>
           <p:cNvPr id="2" name="Inhaltsplatzhalter 1"/>
@@ -6171,7 +7129,7 @@
           </p:nvPr>
         </p:nvPicPr>
         <p:blipFill>
-          <a:blip r:embed="rId2" cstate="print">
+          <a:blip r:embed="rId3" cstate="print">
             <a:extLst>
               <a:ext uri="{28A0092B-C50C-407E-A947-70E740481C1C}">
                 <a14:useLocalDpi xmlns:a14="http://schemas.microsoft.com/office/drawing/2010/main" val="0"/>
@@ -6235,10 +7193,33 @@
           </a:p>
         </p:txBody>
       </p:sp>
+      <p:sp>
+        <p:nvSpPr>
+          <p:cNvPr id="7" name="Datumsplatzhalter 6"/>
+          <p:cNvSpPr>
+            <a:spLocks noGrp="1"/>
+          </p:cNvSpPr>
+          <p:nvPr>
+            <p:ph type="dt" sz="half" idx="10"/>
+          </p:nvPr>
+        </p:nvSpPr>
+        <p:spPr/>
+        <p:txBody>
+          <a:bodyPr/>
+          <a:lstStyle/>
+          <a:p>
+            <a:r>
+              <a:rPr lang="de-CH" smtClean="0"/>
+              <a:t>30.05.2014</a:t>
+            </a:r>
+            <a:endParaRPr lang="de-CH"/>
+          </a:p>
+        </p:txBody>
+      </p:sp>
     </p:spTree>
     <p:extLst>
       <p:ext uri="{BB962C8B-B14F-4D97-AF65-F5344CB8AC3E}">
-        <p14:creationId xmlns:p14="http://schemas.microsoft.com/office/powerpoint/2010/main" val="2290122814"/>
+        <p14:creationId xmlns:p14="http://schemas.microsoft.com/office/powerpoint/2010/main" val="2425350296"/>
       </p:ext>
     </p:extLst>
   </p:cSld>
@@ -6287,6 +7268,10 @@
           <a:bodyPr/>
           <a:lstStyle/>
           <a:p>
+            <a:r>
+              <a:rPr lang="en-US" dirty="0" smtClean="0"/>
+              <a:t>Blocking</a:t>
+            </a:r>
             <a:endParaRPr lang="de-CH" dirty="0"/>
           </a:p>
         </p:txBody>
@@ -6310,25 +7295,35 @@
           </a:p>
         </p:txBody>
       </p:sp>
-      <p:sp>
-        <p:nvSpPr>
-          <p:cNvPr id="8" name="Inhaltsplatzhalter 7"/>
-          <p:cNvSpPr>
-            <a:spLocks noGrp="1"/>
-          </p:cNvSpPr>
+      <p:pic>
+        <p:nvPicPr>
+          <p:cNvPr id="2" name="Inhaltsplatzhalter 1"/>
+          <p:cNvPicPr>
+            <a:picLocks noGrp="1" noChangeAspect="1"/>
+          </p:cNvPicPr>
           <p:nvPr>
             <p:ph sz="half" idx="2"/>
           </p:nvPr>
-        </p:nvSpPr>
-        <p:spPr/>
-        <p:txBody>
-          <a:bodyPr/>
-          <a:lstStyle/>
-          <a:p>
-            <a:endParaRPr lang="de-CH"/>
-          </a:p>
-        </p:txBody>
-      </p:sp>
+        </p:nvPicPr>
+        <p:blipFill>
+          <a:blip r:embed="rId2" cstate="print">
+            <a:extLst>
+              <a:ext uri="{28A0092B-C50C-407E-A947-70E740481C1C}">
+                <a14:useLocalDpi xmlns:a14="http://schemas.microsoft.com/office/drawing/2010/main" val="0"/>
+              </a:ext>
+            </a:extLst>
+          </a:blip>
+          <a:stretch>
+            <a:fillRect/>
+          </a:stretch>
+        </p:blipFill>
+        <p:spPr>
+          <a:xfrm>
+            <a:off x="6991350" y="1825625"/>
+            <a:ext cx="4351338" cy="4351338"/>
+          </a:xfrm>
+        </p:spPr>
+      </p:pic>
       <p:sp>
         <p:nvSpPr>
           <p:cNvPr id="4" name="Fußzeilenplatzhalter 3"/>
@@ -6375,10 +7370,63 @@
           </a:p>
         </p:txBody>
       </p:sp>
+      <p:pic>
+        <p:nvPicPr>
+          <p:cNvPr id="8" name="Inhaltsplatzhalter 2"/>
+          <p:cNvPicPr>
+            <a:picLocks noChangeAspect="1"/>
+          </p:cNvPicPr>
+          <p:nvPr/>
+        </p:nvPicPr>
+        <p:blipFill>
+          <a:blip r:embed="rId3">
+            <a:extLst>
+              <a:ext uri="{28A0092B-C50C-407E-A947-70E740481C1C}">
+                <a14:useLocalDpi xmlns:a14="http://schemas.microsoft.com/office/drawing/2010/main" val="0"/>
+              </a:ext>
+            </a:extLst>
+          </a:blip>
+          <a:stretch>
+            <a:fillRect/>
+          </a:stretch>
+        </p:blipFill>
+        <p:spPr>
+          <a:xfrm>
+            <a:off x="828357" y="1825625"/>
+            <a:ext cx="6326824" cy="4351338"/>
+          </a:xfrm>
+          <a:prstGeom prst="rect">
+            <a:avLst/>
+          </a:prstGeom>
+        </p:spPr>
+      </p:pic>
+      <p:sp>
+        <p:nvSpPr>
+          <p:cNvPr id="3" name="Datumsplatzhalter 2"/>
+          <p:cNvSpPr>
+            <a:spLocks noGrp="1"/>
+          </p:cNvSpPr>
+          <p:nvPr>
+            <p:ph type="dt" sz="half" idx="10"/>
+          </p:nvPr>
+        </p:nvSpPr>
+        <p:spPr/>
+        <p:txBody>
+          <a:bodyPr/>
+          <a:lstStyle/>
+          <a:p>
+            <a:r>
+              <a:rPr lang="de-CH" smtClean="0"/>
+              <a:t>30.05.2014</a:t>
+            </a:r>
+            <a:endParaRPr lang="de-CH"/>
+          </a:p>
+        </p:txBody>
+      </p:sp>
     </p:spTree>
     <p:extLst>
       <p:ext uri="{BB962C8B-B14F-4D97-AF65-F5344CB8AC3E}">
-        <p14:creationId xmlns:p14="http://schemas.microsoft.com/office/powerpoint/2010/main" val="231079754"/>
+        <p14:creationId xmlns:p14="http://schemas.microsoft.com/office/powerpoint/2010/main" val="1932478605"/>
       </p:ext>
     </p:extLst>
   </p:cSld>
@@ -6414,7 +7462,7 @@
       </p:grpSpPr>
       <p:sp>
         <p:nvSpPr>
-          <p:cNvPr id="4" name="Titel 3"/>
+          <p:cNvPr id="6" name="Titel 5"/>
           <p:cNvSpPr>
             <a:spLocks noGrp="1"/>
           </p:cNvSpPr>
@@ -6428,57 +7476,117 @@
           <a:lstStyle/>
           <a:p>
             <a:r>
-              <a:rPr lang="en-US" dirty="0" err="1" smtClean="0"/>
-              <a:t>Testfolie</a:t>
-            </a:r>
-            <a:r>
               <a:rPr lang="en-US" dirty="0" smtClean="0"/>
-              <a:t> so </a:t>
-            </a:r>
-            <a:r>
-              <a:rPr lang="en-US" dirty="0" err="1" smtClean="0"/>
-              <a:t>lang</a:t>
-            </a:r>
-            <a:r>
-              <a:rPr lang="en-US" dirty="0" smtClean="0"/>
-              <a:t> </a:t>
-            </a:r>
-            <a:r>
-              <a:rPr lang="en-US" dirty="0" err="1" smtClean="0"/>
-              <a:t>wie</a:t>
-            </a:r>
-            <a:r>
-              <a:rPr lang="en-US" dirty="0" smtClean="0"/>
-              <a:t> </a:t>
-            </a:r>
-            <a:r>
-              <a:rPr lang="en-US" dirty="0" err="1" smtClean="0"/>
-              <a:t>moeglich</a:t>
-            </a:r>
-            <a:r>
-              <a:rPr lang="en-US" dirty="0" smtClean="0"/>
-              <a:t> </a:t>
-            </a:r>
-            <a:r>
-              <a:rPr lang="en-US" dirty="0" err="1" smtClean="0"/>
-              <a:t>iiiiiiiiiiiiiiiiiiiiiiiiiiii</a:t>
+              <a:t>Blocking</a:t>
             </a:r>
             <a:endParaRPr lang="de-CH" dirty="0"/>
+          </a:p>
+        </p:txBody>
+      </p:sp>
+      <p:sp>
+        <p:nvSpPr>
+          <p:cNvPr id="7" name="Inhaltsplatzhalter 6"/>
+          <p:cNvSpPr>
+            <a:spLocks noGrp="1"/>
+          </p:cNvSpPr>
+          <p:nvPr>
+            <p:ph sz="half" idx="1"/>
+          </p:nvPr>
+        </p:nvSpPr>
+        <p:spPr/>
+        <p:txBody>
+          <a:bodyPr/>
+          <a:lstStyle/>
+          <a:p>
+            <a:endParaRPr lang="de-CH"/>
           </a:p>
         </p:txBody>
       </p:sp>
       <p:pic>
         <p:nvPicPr>
-          <p:cNvPr id="10" name="Inhaltsplatzhalter 9"/>
+          <p:cNvPr id="2" name="Inhaltsplatzhalter 1"/>
           <p:cNvPicPr>
             <a:picLocks noGrp="1" noChangeAspect="1"/>
           </p:cNvPicPr>
           <p:nvPr>
-            <p:ph sz="half" idx="1"/>
+            <p:ph sz="half" idx="2"/>
           </p:nvPr>
         </p:nvPicPr>
         <p:blipFill>
-          <a:blip r:embed="rId2">
+          <a:blip r:embed="rId2" cstate="print">
+            <a:extLst>
+              <a:ext uri="{28A0092B-C50C-407E-A947-70E740481C1C}">
+                <a14:useLocalDpi xmlns:a14="http://schemas.microsoft.com/office/drawing/2010/main" val="0"/>
+              </a:ext>
+            </a:extLst>
+          </a:blip>
+          <a:stretch>
+            <a:fillRect/>
+          </a:stretch>
+        </p:blipFill>
+        <p:spPr>
+          <a:xfrm>
+            <a:off x="6991350" y="1825625"/>
+            <a:ext cx="4351338" cy="4351338"/>
+          </a:xfrm>
+        </p:spPr>
+      </p:pic>
+      <p:sp>
+        <p:nvSpPr>
+          <p:cNvPr id="4" name="Fußzeilenplatzhalter 3"/>
+          <p:cNvSpPr>
+            <a:spLocks noGrp="1"/>
+          </p:cNvSpPr>
+          <p:nvPr>
+            <p:ph type="ftr" sz="quarter" idx="11"/>
+          </p:nvPr>
+        </p:nvSpPr>
+        <p:spPr/>
+        <p:txBody>
+          <a:bodyPr/>
+          <a:lstStyle/>
+          <a:p>
+            <a:r>
+              <a:rPr lang="en-US" smtClean="0"/>
+              <a:t>Fast Numerical Code: Optimal Binary Search Trees</a:t>
+            </a:r>
+            <a:endParaRPr lang="de-CH"/>
+          </a:p>
+        </p:txBody>
+      </p:sp>
+      <p:sp>
+        <p:nvSpPr>
+          <p:cNvPr id="5" name="Foliennummernplatzhalter 4"/>
+          <p:cNvSpPr>
+            <a:spLocks noGrp="1"/>
+          </p:cNvSpPr>
+          <p:nvPr>
+            <p:ph type="sldNum" sz="quarter" idx="12"/>
+          </p:nvPr>
+        </p:nvSpPr>
+        <p:spPr/>
+        <p:txBody>
+          <a:bodyPr/>
+          <a:lstStyle/>
+          <a:p>
+            <a:fld id="{2D8749EF-89F5-4D06-B99F-6591C5814168}" type="slidenum">
+              <a:rPr lang="de-CH" smtClean="0"/>
+              <a:t>25</a:t>
+            </a:fld>
+            <a:endParaRPr lang="de-CH"/>
+          </a:p>
+        </p:txBody>
+      </p:sp>
+      <p:pic>
+        <p:nvPicPr>
+          <p:cNvPr id="8" name="Inhaltsplatzhalter 2"/>
+          <p:cNvPicPr>
+            <a:picLocks noChangeAspect="1"/>
+          </p:cNvPicPr>
+          <p:nvPr/>
+        </p:nvPicPr>
+        <p:blipFill>
+          <a:blip r:embed="rId3">
             <a:extLst>
               <a:ext uri="{28A0092B-C50C-407E-A947-70E740481C1C}">
                 <a14:useLocalDpi xmlns:a14="http://schemas.microsoft.com/office/drawing/2010/main" val="0"/>
@@ -6494,79 +7602,30 @@
             <a:off x="828357" y="1825625"/>
             <a:ext cx="6326824" cy="4351338"/>
           </a:xfrm>
+          <a:prstGeom prst="rect">
+            <a:avLst/>
+          </a:prstGeom>
         </p:spPr>
       </p:pic>
-      <p:pic>
-        <p:nvPicPr>
-          <p:cNvPr id="8" name="Inhaltsplatzhalter 7"/>
-          <p:cNvPicPr>
-            <a:picLocks noGrp="1" noChangeAspect="1"/>
-          </p:cNvPicPr>
-          <p:nvPr>
-            <p:ph sz="half" idx="2"/>
-          </p:nvPr>
-        </p:nvPicPr>
-        <p:blipFill>
-          <a:blip r:embed="rId3" cstate="print">
-            <a:extLst>
-              <a:ext uri="{28A0092B-C50C-407E-A947-70E740481C1C}">
-                <a14:useLocalDpi xmlns:a14="http://schemas.microsoft.com/office/drawing/2010/main" val="0"/>
-              </a:ext>
-            </a:extLst>
-          </a:blip>
-          <a:stretch>
-            <a:fillRect/>
-          </a:stretch>
-        </p:blipFill>
-        <p:spPr>
-          <a:xfrm>
-            <a:off x="7412949" y="2247224"/>
-            <a:ext cx="3508140" cy="3508140"/>
-          </a:xfrm>
-        </p:spPr>
-      </p:pic>
-      <p:sp>
-        <p:nvSpPr>
-          <p:cNvPr id="16" name="Fußzeilenplatzhalter 15"/>
-          <p:cNvSpPr>
-            <a:spLocks noGrp="1"/>
-          </p:cNvSpPr>
-          <p:nvPr>
-            <p:ph type="ftr" sz="quarter" idx="11"/>
-          </p:nvPr>
-        </p:nvSpPr>
-        <p:spPr/>
-        <p:txBody>
-          <a:bodyPr/>
-          <a:lstStyle/>
-          <a:p>
-            <a:r>
-              <a:rPr lang="en-US" smtClean="0"/>
-              <a:t>Fast Numerical Code: Optimal Binary Search Trees</a:t>
-            </a:r>
-            <a:endParaRPr lang="de-CH"/>
-          </a:p>
-        </p:txBody>
-      </p:sp>
-      <p:sp>
-        <p:nvSpPr>
-          <p:cNvPr id="17" name="Foliennummernplatzhalter 16"/>
-          <p:cNvSpPr>
-            <a:spLocks noGrp="1"/>
-          </p:cNvSpPr>
-          <p:nvPr>
-            <p:ph type="sldNum" sz="quarter" idx="12"/>
-          </p:nvPr>
-        </p:nvSpPr>
-        <p:spPr/>
-        <p:txBody>
-          <a:bodyPr/>
-          <a:lstStyle/>
-          <a:p>
-            <a:fld id="{2D8749EF-89F5-4D06-B99F-6591C5814168}" type="slidenum">
+      <p:sp>
+        <p:nvSpPr>
+          <p:cNvPr id="3" name="Datumsplatzhalter 2"/>
+          <p:cNvSpPr>
+            <a:spLocks noGrp="1"/>
+          </p:cNvSpPr>
+          <p:nvPr>
+            <p:ph type="dt" sz="half" idx="10"/>
+          </p:nvPr>
+        </p:nvSpPr>
+        <p:spPr/>
+        <p:txBody>
+          <a:bodyPr/>
+          <a:lstStyle/>
+          <a:p>
+            <a:r>
               <a:rPr lang="de-CH" smtClean="0"/>
-              <a:t>25</a:t>
-            </a:fld>
+              <a:t>30.05.2014</a:t>
+            </a:r>
             <a:endParaRPr lang="de-CH"/>
           </a:p>
         </p:txBody>
@@ -6574,7 +7633,7 @@
     </p:spTree>
     <p:extLst>
       <p:ext uri="{BB962C8B-B14F-4D97-AF65-F5344CB8AC3E}">
-        <p14:creationId xmlns:p14="http://schemas.microsoft.com/office/powerpoint/2010/main" val="810509010"/>
+        <p14:creationId xmlns:p14="http://schemas.microsoft.com/office/powerpoint/2010/main" val="2026316418"/>
       </p:ext>
     </p:extLst>
   </p:cSld>
@@ -6610,7 +7669,7 @@
       </p:grpSpPr>
       <p:sp>
         <p:nvSpPr>
-          <p:cNvPr id="5" name="Titel 4"/>
+          <p:cNvPr id="6" name="Titel 5"/>
           <p:cNvSpPr>
             <a:spLocks noGrp="1"/>
           </p:cNvSpPr>
@@ -6624,16 +7683,3946 @@
           <a:lstStyle/>
           <a:p>
             <a:r>
-              <a:rPr lang="en-US" dirty="0" smtClean="0"/>
-              <a:t>Test</a:t>
+              <a:rPr lang="en-US" dirty="0" err="1" smtClean="0"/>
+              <a:t>Vectorization</a:t>
             </a:r>
             <a:endParaRPr lang="de-CH" dirty="0"/>
+          </a:p>
+        </p:txBody>
+      </p:sp>
+      <p:sp>
+        <p:nvSpPr>
+          <p:cNvPr id="7" name="Inhaltsplatzhalter 6"/>
+          <p:cNvSpPr>
+            <a:spLocks noGrp="1"/>
+          </p:cNvSpPr>
+          <p:nvPr>
+            <p:ph sz="half" idx="1"/>
+          </p:nvPr>
+        </p:nvSpPr>
+        <p:spPr/>
+        <p:txBody>
+          <a:bodyPr/>
+          <a:lstStyle/>
+          <a:p>
+            <a:endParaRPr lang="de-CH"/>
           </a:p>
         </p:txBody>
       </p:sp>
       <p:pic>
         <p:nvPicPr>
+          <p:cNvPr id="2" name="Inhaltsplatzhalter 1"/>
+          <p:cNvPicPr>
+            <a:picLocks noGrp="1" noChangeAspect="1"/>
+          </p:cNvPicPr>
+          <p:nvPr>
+            <p:ph sz="half" idx="2"/>
+          </p:nvPr>
+        </p:nvPicPr>
+        <p:blipFill>
+          <a:blip r:embed="rId2" cstate="print">
+            <a:extLst>
+              <a:ext uri="{28A0092B-C50C-407E-A947-70E740481C1C}">
+                <a14:useLocalDpi xmlns:a14="http://schemas.microsoft.com/office/drawing/2010/main" val="0"/>
+              </a:ext>
+            </a:extLst>
+          </a:blip>
+          <a:stretch>
+            <a:fillRect/>
+          </a:stretch>
+        </p:blipFill>
+        <p:spPr>
+          <a:xfrm>
+            <a:off x="6991350" y="1825625"/>
+            <a:ext cx="4351338" cy="4351338"/>
+          </a:xfrm>
+        </p:spPr>
+      </p:pic>
+      <p:sp>
+        <p:nvSpPr>
+          <p:cNvPr id="4" name="Fußzeilenplatzhalter 3"/>
+          <p:cNvSpPr>
+            <a:spLocks noGrp="1"/>
+          </p:cNvSpPr>
+          <p:nvPr>
+            <p:ph type="ftr" sz="quarter" idx="11"/>
+          </p:nvPr>
+        </p:nvSpPr>
+        <p:spPr/>
+        <p:txBody>
+          <a:bodyPr/>
+          <a:lstStyle/>
+          <a:p>
+            <a:r>
+              <a:rPr lang="en-US" smtClean="0"/>
+              <a:t>Fast Numerical Code: Optimal Binary Search Trees</a:t>
+            </a:r>
+            <a:endParaRPr lang="de-CH"/>
+          </a:p>
+        </p:txBody>
+      </p:sp>
+      <p:sp>
+        <p:nvSpPr>
+          <p:cNvPr id="5" name="Foliennummernplatzhalter 4"/>
+          <p:cNvSpPr>
+            <a:spLocks noGrp="1"/>
+          </p:cNvSpPr>
+          <p:nvPr>
+            <p:ph type="sldNum" sz="quarter" idx="12"/>
+          </p:nvPr>
+        </p:nvSpPr>
+        <p:spPr/>
+        <p:txBody>
+          <a:bodyPr/>
+          <a:lstStyle/>
+          <a:p>
+            <a:fld id="{2D8749EF-89F5-4D06-B99F-6591C5814168}" type="slidenum">
+              <a:rPr lang="de-CH" smtClean="0"/>
+              <a:t>26</a:t>
+            </a:fld>
+            <a:endParaRPr lang="de-CH"/>
+          </a:p>
+        </p:txBody>
+      </p:sp>
+      <p:pic>
+        <p:nvPicPr>
+          <p:cNvPr id="8" name="Inhaltsplatzhalter 2"/>
+          <p:cNvPicPr>
+            <a:picLocks noChangeAspect="1"/>
+          </p:cNvPicPr>
+          <p:nvPr/>
+        </p:nvPicPr>
+        <p:blipFill>
+          <a:blip r:embed="rId3">
+            <a:extLst>
+              <a:ext uri="{28A0092B-C50C-407E-A947-70E740481C1C}">
+                <a14:useLocalDpi xmlns:a14="http://schemas.microsoft.com/office/drawing/2010/main" val="0"/>
+              </a:ext>
+            </a:extLst>
+          </a:blip>
+          <a:stretch>
+            <a:fillRect/>
+          </a:stretch>
+        </p:blipFill>
+        <p:spPr>
+          <a:xfrm>
+            <a:off x="828357" y="1825625"/>
+            <a:ext cx="6326824" cy="4351338"/>
+          </a:xfrm>
+          <a:prstGeom prst="rect">
+            <a:avLst/>
+          </a:prstGeom>
+        </p:spPr>
+      </p:pic>
+      <p:sp>
+        <p:nvSpPr>
+          <p:cNvPr id="3" name="Datumsplatzhalter 2"/>
+          <p:cNvSpPr>
+            <a:spLocks noGrp="1"/>
+          </p:cNvSpPr>
+          <p:nvPr>
+            <p:ph type="dt" sz="half" idx="10"/>
+          </p:nvPr>
+        </p:nvSpPr>
+        <p:spPr/>
+        <p:txBody>
+          <a:bodyPr/>
+          <a:lstStyle/>
+          <a:p>
+            <a:r>
+              <a:rPr lang="de-CH" smtClean="0"/>
+              <a:t>30.05.2014</a:t>
+            </a:r>
+            <a:endParaRPr lang="de-CH"/>
+          </a:p>
+        </p:txBody>
+      </p:sp>
+    </p:spTree>
+    <p:extLst>
+      <p:ext uri="{BB962C8B-B14F-4D97-AF65-F5344CB8AC3E}">
+        <p14:creationId xmlns:p14="http://schemas.microsoft.com/office/powerpoint/2010/main" val="3326126289"/>
+      </p:ext>
+    </p:extLst>
+  </p:cSld>
+  <p:clrMapOvr>
+    <a:masterClrMapping/>
+  </p:clrMapOvr>
+  <p:timing>
+    <p:tnLst>
+      <p:par>
+        <p:cTn id="1" dur="indefinite" restart="never" nodeType="tmRoot"/>
+      </p:par>
+    </p:tnLst>
+  </p:timing>
+</p:sld>
+</file>
+
+<file path=ppt/slides/slide27.xml><?xml version="1.0" encoding="utf-8"?>
+<p:sld xmlns:a="http://schemas.openxmlformats.org/drawingml/2006/main" xmlns:r="http://schemas.openxmlformats.org/officeDocument/2006/relationships" xmlns:p="http://schemas.openxmlformats.org/presentationml/2006/main">
+  <p:cSld>
+    <p:spTree>
+      <p:nvGrpSpPr>
+        <p:cNvPr id="1" name=""/>
+        <p:cNvGrpSpPr/>
+        <p:nvPr/>
+      </p:nvGrpSpPr>
+      <p:grpSpPr>
+        <a:xfrm>
+          <a:off x="0" y="0"/>
+          <a:ext cx="0" cy="0"/>
+          <a:chOff x="0" y="0"/>
+          <a:chExt cx="0" cy="0"/>
+        </a:xfrm>
+      </p:grpSpPr>
+      <p:sp>
+        <p:nvSpPr>
+          <p:cNvPr id="6" name="Titel 5"/>
+          <p:cNvSpPr>
+            <a:spLocks noGrp="1"/>
+          </p:cNvSpPr>
+          <p:nvPr>
+            <p:ph type="title"/>
+          </p:nvPr>
+        </p:nvSpPr>
+        <p:spPr/>
+        <p:txBody>
+          <a:bodyPr/>
+          <a:lstStyle/>
+          <a:p>
+            <a:r>
+              <a:rPr lang="en-US" dirty="0" err="1" smtClean="0"/>
+              <a:t>Vectorization</a:t>
+            </a:r>
+            <a:endParaRPr lang="de-CH" dirty="0"/>
+          </a:p>
+        </p:txBody>
+      </p:sp>
+      <p:sp>
+        <p:nvSpPr>
           <p:cNvPr id="7" name="Inhaltsplatzhalter 6"/>
+          <p:cNvSpPr>
+            <a:spLocks noGrp="1"/>
+          </p:cNvSpPr>
+          <p:nvPr>
+            <p:ph sz="half" idx="1"/>
+          </p:nvPr>
+        </p:nvSpPr>
+        <p:spPr/>
+        <p:txBody>
+          <a:bodyPr/>
+          <a:lstStyle/>
+          <a:p>
+            <a:endParaRPr lang="de-CH"/>
+          </a:p>
+        </p:txBody>
+      </p:sp>
+      <p:pic>
+        <p:nvPicPr>
+          <p:cNvPr id="2" name="Inhaltsplatzhalter 1"/>
+          <p:cNvPicPr>
+            <a:picLocks noGrp="1" noChangeAspect="1"/>
+          </p:cNvPicPr>
+          <p:nvPr>
+            <p:ph sz="half" idx="2"/>
+          </p:nvPr>
+        </p:nvPicPr>
+        <p:blipFill>
+          <a:blip r:embed="rId2" cstate="print">
+            <a:extLst>
+              <a:ext uri="{28A0092B-C50C-407E-A947-70E740481C1C}">
+                <a14:useLocalDpi xmlns:a14="http://schemas.microsoft.com/office/drawing/2010/main" val="0"/>
+              </a:ext>
+            </a:extLst>
+          </a:blip>
+          <a:stretch>
+            <a:fillRect/>
+          </a:stretch>
+        </p:blipFill>
+        <p:spPr>
+          <a:xfrm>
+            <a:off x="6991350" y="1825625"/>
+            <a:ext cx="4351338" cy="4351338"/>
+          </a:xfrm>
+        </p:spPr>
+      </p:pic>
+      <p:sp>
+        <p:nvSpPr>
+          <p:cNvPr id="4" name="Fußzeilenplatzhalter 3"/>
+          <p:cNvSpPr>
+            <a:spLocks noGrp="1"/>
+          </p:cNvSpPr>
+          <p:nvPr>
+            <p:ph type="ftr" sz="quarter" idx="11"/>
+          </p:nvPr>
+        </p:nvSpPr>
+        <p:spPr/>
+        <p:txBody>
+          <a:bodyPr/>
+          <a:lstStyle/>
+          <a:p>
+            <a:r>
+              <a:rPr lang="en-US" smtClean="0"/>
+              <a:t>Fast Numerical Code: Optimal Binary Search Trees</a:t>
+            </a:r>
+            <a:endParaRPr lang="de-CH"/>
+          </a:p>
+        </p:txBody>
+      </p:sp>
+      <p:sp>
+        <p:nvSpPr>
+          <p:cNvPr id="5" name="Foliennummernplatzhalter 4"/>
+          <p:cNvSpPr>
+            <a:spLocks noGrp="1"/>
+          </p:cNvSpPr>
+          <p:nvPr>
+            <p:ph type="sldNum" sz="quarter" idx="12"/>
+          </p:nvPr>
+        </p:nvSpPr>
+        <p:spPr/>
+        <p:txBody>
+          <a:bodyPr/>
+          <a:lstStyle/>
+          <a:p>
+            <a:fld id="{2D8749EF-89F5-4D06-B99F-6591C5814168}" type="slidenum">
+              <a:rPr lang="de-CH" smtClean="0"/>
+              <a:t>27</a:t>
+            </a:fld>
+            <a:endParaRPr lang="de-CH"/>
+          </a:p>
+        </p:txBody>
+      </p:sp>
+      <p:pic>
+        <p:nvPicPr>
+          <p:cNvPr id="8" name="Inhaltsplatzhalter 2"/>
+          <p:cNvPicPr>
+            <a:picLocks noChangeAspect="1"/>
+          </p:cNvPicPr>
+          <p:nvPr/>
+        </p:nvPicPr>
+        <p:blipFill>
+          <a:blip r:embed="rId3">
+            <a:extLst>
+              <a:ext uri="{28A0092B-C50C-407E-A947-70E740481C1C}">
+                <a14:useLocalDpi xmlns:a14="http://schemas.microsoft.com/office/drawing/2010/main" val="0"/>
+              </a:ext>
+            </a:extLst>
+          </a:blip>
+          <a:stretch>
+            <a:fillRect/>
+          </a:stretch>
+        </p:blipFill>
+        <p:spPr>
+          <a:xfrm>
+            <a:off x="828357" y="1825625"/>
+            <a:ext cx="6326824" cy="4351338"/>
+          </a:xfrm>
+          <a:prstGeom prst="rect">
+            <a:avLst/>
+          </a:prstGeom>
+        </p:spPr>
+      </p:pic>
+      <p:sp>
+        <p:nvSpPr>
+          <p:cNvPr id="3" name="Datumsplatzhalter 2"/>
+          <p:cNvSpPr>
+            <a:spLocks noGrp="1"/>
+          </p:cNvSpPr>
+          <p:nvPr>
+            <p:ph type="dt" sz="half" idx="10"/>
+          </p:nvPr>
+        </p:nvSpPr>
+        <p:spPr/>
+        <p:txBody>
+          <a:bodyPr/>
+          <a:lstStyle/>
+          <a:p>
+            <a:r>
+              <a:rPr lang="de-CH" smtClean="0"/>
+              <a:t>30.05.2014</a:t>
+            </a:r>
+            <a:endParaRPr lang="de-CH"/>
+          </a:p>
+        </p:txBody>
+      </p:sp>
+    </p:spTree>
+    <p:extLst>
+      <p:ext uri="{BB962C8B-B14F-4D97-AF65-F5344CB8AC3E}">
+        <p14:creationId xmlns:p14="http://schemas.microsoft.com/office/powerpoint/2010/main" val="2290122814"/>
+      </p:ext>
+    </p:extLst>
+  </p:cSld>
+  <p:clrMapOvr>
+    <a:masterClrMapping/>
+  </p:clrMapOvr>
+  <p:timing>
+    <p:tnLst>
+      <p:par>
+        <p:cTn id="1" dur="indefinite" restart="never" nodeType="tmRoot"/>
+      </p:par>
+    </p:tnLst>
+  </p:timing>
+</p:sld>
+</file>
+
+<file path=ppt/slides/slide28.xml><?xml version="1.0" encoding="utf-8"?>
+<p:sld xmlns:a="http://schemas.openxmlformats.org/drawingml/2006/main" xmlns:r="http://schemas.openxmlformats.org/officeDocument/2006/relationships" xmlns:p="http://schemas.openxmlformats.org/presentationml/2006/main">
+  <p:cSld>
+    <p:spTree>
+      <p:nvGrpSpPr>
+        <p:cNvPr id="1" name=""/>
+        <p:cNvGrpSpPr/>
+        <p:nvPr/>
+      </p:nvGrpSpPr>
+      <p:grpSpPr>
+        <a:xfrm>
+          <a:off x="0" y="0"/>
+          <a:ext cx="0" cy="0"/>
+          <a:chOff x="0" y="0"/>
+          <a:chExt cx="0" cy="0"/>
+        </a:xfrm>
+      </p:grpSpPr>
+      <p:sp>
+        <p:nvSpPr>
+          <p:cNvPr id="6" name="Titel 5"/>
+          <p:cNvSpPr>
+            <a:spLocks noGrp="1"/>
+          </p:cNvSpPr>
+          <p:nvPr>
+            <p:ph type="title"/>
+          </p:nvPr>
+        </p:nvSpPr>
+        <p:spPr/>
+        <p:txBody>
+          <a:bodyPr/>
+          <a:lstStyle/>
+          <a:p>
+            <a:r>
+              <a:rPr lang="en-US" dirty="0" err="1" smtClean="0"/>
+              <a:t>Vectorization</a:t>
+            </a:r>
+            <a:endParaRPr lang="de-CH" dirty="0"/>
+          </a:p>
+        </p:txBody>
+      </p:sp>
+      <p:sp>
+        <p:nvSpPr>
+          <p:cNvPr id="7" name="Inhaltsplatzhalter 6"/>
+          <p:cNvSpPr>
+            <a:spLocks noGrp="1"/>
+          </p:cNvSpPr>
+          <p:nvPr>
+            <p:ph sz="half" idx="1"/>
+          </p:nvPr>
+        </p:nvSpPr>
+        <p:spPr/>
+        <p:txBody>
+          <a:bodyPr/>
+          <a:lstStyle/>
+          <a:p>
+            <a:endParaRPr lang="de-CH"/>
+          </a:p>
+        </p:txBody>
+      </p:sp>
+      <p:pic>
+        <p:nvPicPr>
+          <p:cNvPr id="2" name="Inhaltsplatzhalter 1"/>
+          <p:cNvPicPr>
+            <a:picLocks noGrp="1" noChangeAspect="1"/>
+          </p:cNvPicPr>
+          <p:nvPr>
+            <p:ph sz="half" idx="2"/>
+          </p:nvPr>
+        </p:nvPicPr>
+        <p:blipFill>
+          <a:blip r:embed="rId2" cstate="print">
+            <a:extLst>
+              <a:ext uri="{28A0092B-C50C-407E-A947-70E740481C1C}">
+                <a14:useLocalDpi xmlns:a14="http://schemas.microsoft.com/office/drawing/2010/main" val="0"/>
+              </a:ext>
+            </a:extLst>
+          </a:blip>
+          <a:stretch>
+            <a:fillRect/>
+          </a:stretch>
+        </p:blipFill>
+        <p:spPr>
+          <a:xfrm>
+            <a:off x="6991350" y="1825625"/>
+            <a:ext cx="4351338" cy="4351338"/>
+          </a:xfrm>
+        </p:spPr>
+      </p:pic>
+      <p:sp>
+        <p:nvSpPr>
+          <p:cNvPr id="4" name="Fußzeilenplatzhalter 3"/>
+          <p:cNvSpPr>
+            <a:spLocks noGrp="1"/>
+          </p:cNvSpPr>
+          <p:nvPr>
+            <p:ph type="ftr" sz="quarter" idx="11"/>
+          </p:nvPr>
+        </p:nvSpPr>
+        <p:spPr/>
+        <p:txBody>
+          <a:bodyPr/>
+          <a:lstStyle/>
+          <a:p>
+            <a:r>
+              <a:rPr lang="en-US" smtClean="0"/>
+              <a:t>Fast Numerical Code: Optimal Binary Search Trees</a:t>
+            </a:r>
+            <a:endParaRPr lang="de-CH"/>
+          </a:p>
+        </p:txBody>
+      </p:sp>
+      <p:sp>
+        <p:nvSpPr>
+          <p:cNvPr id="5" name="Foliennummernplatzhalter 4"/>
+          <p:cNvSpPr>
+            <a:spLocks noGrp="1"/>
+          </p:cNvSpPr>
+          <p:nvPr>
+            <p:ph type="sldNum" sz="quarter" idx="12"/>
+          </p:nvPr>
+        </p:nvSpPr>
+        <p:spPr/>
+        <p:txBody>
+          <a:bodyPr/>
+          <a:lstStyle/>
+          <a:p>
+            <a:fld id="{2D8749EF-89F5-4D06-B99F-6591C5814168}" type="slidenum">
+              <a:rPr lang="de-CH" smtClean="0"/>
+              <a:t>28</a:t>
+            </a:fld>
+            <a:endParaRPr lang="de-CH"/>
+          </a:p>
+        </p:txBody>
+      </p:sp>
+      <p:sp>
+        <p:nvSpPr>
+          <p:cNvPr id="3" name="Datumsplatzhalter 2"/>
+          <p:cNvSpPr>
+            <a:spLocks noGrp="1"/>
+          </p:cNvSpPr>
+          <p:nvPr>
+            <p:ph type="dt" sz="half" idx="10"/>
+          </p:nvPr>
+        </p:nvSpPr>
+        <p:spPr/>
+        <p:txBody>
+          <a:bodyPr/>
+          <a:lstStyle/>
+          <a:p>
+            <a:r>
+              <a:rPr lang="de-CH" smtClean="0"/>
+              <a:t>30.05.2014</a:t>
+            </a:r>
+            <a:endParaRPr lang="de-CH"/>
+          </a:p>
+        </p:txBody>
+      </p:sp>
+    </p:spTree>
+    <p:extLst>
+      <p:ext uri="{BB962C8B-B14F-4D97-AF65-F5344CB8AC3E}">
+        <p14:creationId xmlns:p14="http://schemas.microsoft.com/office/powerpoint/2010/main" val="874084278"/>
+      </p:ext>
+    </p:extLst>
+  </p:cSld>
+  <p:clrMapOvr>
+    <a:masterClrMapping/>
+  </p:clrMapOvr>
+  <p:timing>
+    <p:tnLst>
+      <p:par>
+        <p:cTn id="1" dur="indefinite" restart="never" nodeType="tmRoot"/>
+      </p:par>
+    </p:tnLst>
+  </p:timing>
+</p:sld>
+</file>
+
+<file path=ppt/slides/slide29.xml><?xml version="1.0" encoding="utf-8"?>
+<p:sld xmlns:a="http://schemas.openxmlformats.org/drawingml/2006/main" xmlns:r="http://schemas.openxmlformats.org/officeDocument/2006/relationships" xmlns:p="http://schemas.openxmlformats.org/presentationml/2006/main">
+  <p:cSld>
+    <p:spTree>
+      <p:nvGrpSpPr>
+        <p:cNvPr id="1" name=""/>
+        <p:cNvGrpSpPr/>
+        <p:nvPr/>
+      </p:nvGrpSpPr>
+      <p:grpSpPr>
+        <a:xfrm>
+          <a:off x="0" y="0"/>
+          <a:ext cx="0" cy="0"/>
+          <a:chOff x="0" y="0"/>
+          <a:chExt cx="0" cy="0"/>
+        </a:xfrm>
+      </p:grpSpPr>
+      <p:sp>
+        <p:nvSpPr>
+          <p:cNvPr id="6" name="Titel 5"/>
+          <p:cNvSpPr>
+            <a:spLocks noGrp="1"/>
+          </p:cNvSpPr>
+          <p:nvPr>
+            <p:ph type="title"/>
+          </p:nvPr>
+        </p:nvSpPr>
+        <p:spPr/>
+        <p:txBody>
+          <a:bodyPr/>
+          <a:lstStyle/>
+          <a:p>
+            <a:r>
+              <a:rPr lang="en-US" dirty="0" err="1" smtClean="0"/>
+              <a:t>Vectorization</a:t>
+            </a:r>
+            <a:r>
+              <a:rPr lang="en-US" dirty="0" smtClean="0"/>
+              <a:t> Issues: Scheduling</a:t>
+            </a:r>
+            <a:endParaRPr lang="de-CH" dirty="0"/>
+          </a:p>
+        </p:txBody>
+      </p:sp>
+      <p:sp>
+        <p:nvSpPr>
+          <p:cNvPr id="3" name="Textplatzhalter 2"/>
+          <p:cNvSpPr>
+            <a:spLocks noGrp="1"/>
+          </p:cNvSpPr>
+          <p:nvPr>
+            <p:ph type="body" idx="1"/>
+          </p:nvPr>
+        </p:nvSpPr>
+        <p:spPr>
+          <a:xfrm>
+            <a:off x="839788" y="1508633"/>
+            <a:ext cx="2084567" cy="823912"/>
+          </a:xfrm>
+        </p:spPr>
+        <p:txBody>
+          <a:bodyPr/>
+          <a:lstStyle/>
+          <a:p>
+            <a:r>
+              <a:rPr lang="en-US" sz="2150" dirty="0" smtClean="0"/>
+              <a:t>Standard</a:t>
+            </a:r>
+            <a:endParaRPr lang="de-CH" sz="2150" dirty="0"/>
+          </a:p>
+        </p:txBody>
+      </p:sp>
+      <p:sp>
+        <p:nvSpPr>
+          <p:cNvPr id="9" name="Inhaltsplatzhalter 8"/>
+          <p:cNvSpPr>
+            <a:spLocks noGrp="1"/>
+          </p:cNvSpPr>
+          <p:nvPr>
+            <p:ph sz="half" idx="2"/>
+          </p:nvPr>
+        </p:nvSpPr>
+        <p:spPr>
+          <a:xfrm>
+            <a:off x="839788" y="2332545"/>
+            <a:ext cx="5157787" cy="3684588"/>
+          </a:xfrm>
+        </p:spPr>
+        <p:txBody>
+          <a:bodyPr>
+            <a:normAutofit fontScale="92500" lnSpcReduction="10000"/>
+          </a:bodyPr>
+          <a:lstStyle/>
+          <a:p>
+            <a:pPr marL="0" indent="0">
+              <a:buNone/>
+            </a:pPr>
+            <a:r>
+              <a:rPr lang="en-US" sz="2000" dirty="0" smtClean="0">
+                <a:solidFill>
+                  <a:schemeClr val="accent6">
+                    <a:lumMod val="75000"/>
+                  </a:schemeClr>
+                </a:solidFill>
+                <a:latin typeface="Consolas" panose="020B0609020204030204" pitchFamily="49" charset="0"/>
+                <a:cs typeface="Consolas" panose="020B0609020204030204" pitchFamily="49" charset="0"/>
+              </a:rPr>
+              <a:t>a = load()</a:t>
+            </a:r>
+          </a:p>
+          <a:p>
+            <a:pPr marL="0" indent="0">
+              <a:buNone/>
+            </a:pPr>
+            <a:r>
+              <a:rPr lang="en-US" sz="2000" dirty="0" smtClean="0">
+                <a:solidFill>
+                  <a:schemeClr val="accent6">
+                    <a:lumMod val="75000"/>
+                  </a:schemeClr>
+                </a:solidFill>
+                <a:latin typeface="Consolas" panose="020B0609020204030204" pitchFamily="49" charset="0"/>
+                <a:cs typeface="Consolas" panose="020B0609020204030204" pitchFamily="49" charset="0"/>
+              </a:rPr>
+              <a:t>b = load()</a:t>
+            </a:r>
+          </a:p>
+          <a:p>
+            <a:pPr marL="0" indent="0">
+              <a:buNone/>
+            </a:pPr>
+            <a:r>
+              <a:rPr lang="en-US" sz="2000" dirty="0" smtClean="0">
+                <a:solidFill>
+                  <a:schemeClr val="accent6">
+                    <a:lumMod val="75000"/>
+                  </a:schemeClr>
+                </a:solidFill>
+                <a:latin typeface="Consolas" panose="020B0609020204030204" pitchFamily="49" charset="0"/>
+                <a:cs typeface="Consolas" panose="020B0609020204030204" pitchFamily="49" charset="0"/>
+              </a:rPr>
+              <a:t>c = load()</a:t>
+            </a:r>
+          </a:p>
+          <a:p>
+            <a:pPr marL="0" indent="0">
+              <a:buNone/>
+            </a:pPr>
+            <a:r>
+              <a:rPr lang="en-US" sz="2000" dirty="0" smtClean="0">
+                <a:solidFill>
+                  <a:schemeClr val="accent6">
+                    <a:lumMod val="75000"/>
+                  </a:schemeClr>
+                </a:solidFill>
+                <a:latin typeface="Consolas" panose="020B0609020204030204" pitchFamily="49" charset="0"/>
+                <a:cs typeface="Consolas" panose="020B0609020204030204" pitchFamily="49" charset="0"/>
+              </a:rPr>
+              <a:t>d = load()</a:t>
+            </a:r>
+          </a:p>
+          <a:p>
+            <a:pPr marL="0" indent="0">
+              <a:buNone/>
+            </a:pPr>
+            <a:endParaRPr lang="en-US" sz="2000" dirty="0" smtClean="0">
+              <a:latin typeface="Consolas" panose="020B0609020204030204" pitchFamily="49" charset="0"/>
+              <a:cs typeface="Consolas" panose="020B0609020204030204" pitchFamily="49" charset="0"/>
+            </a:endParaRPr>
+          </a:p>
+          <a:p>
+            <a:pPr marL="0" indent="0">
+              <a:buNone/>
+            </a:pPr>
+            <a:r>
+              <a:rPr lang="en-US" sz="2000" dirty="0" smtClean="0">
+                <a:solidFill>
+                  <a:schemeClr val="accent2">
+                    <a:lumMod val="75000"/>
+                  </a:schemeClr>
+                </a:solidFill>
+                <a:latin typeface="Consolas" panose="020B0609020204030204" pitchFamily="49" charset="0"/>
+                <a:cs typeface="Consolas" panose="020B0609020204030204" pitchFamily="49" charset="0"/>
+              </a:rPr>
+              <a:t>e = add(</a:t>
+            </a:r>
+            <a:r>
+              <a:rPr lang="en-US" sz="2000" dirty="0" err="1" smtClean="0">
+                <a:solidFill>
+                  <a:schemeClr val="accent2">
+                    <a:lumMod val="75000"/>
+                  </a:schemeClr>
+                </a:solidFill>
+                <a:latin typeface="Consolas" panose="020B0609020204030204" pitchFamily="49" charset="0"/>
+                <a:cs typeface="Consolas" panose="020B0609020204030204" pitchFamily="49" charset="0"/>
+              </a:rPr>
+              <a:t>a,b</a:t>
+            </a:r>
+            <a:r>
+              <a:rPr lang="en-US" sz="2000" dirty="0" smtClean="0">
+                <a:solidFill>
+                  <a:schemeClr val="accent2">
+                    <a:lumMod val="75000"/>
+                  </a:schemeClr>
+                </a:solidFill>
+                <a:latin typeface="Consolas" panose="020B0609020204030204" pitchFamily="49" charset="0"/>
+                <a:cs typeface="Consolas" panose="020B0609020204030204" pitchFamily="49" charset="0"/>
+              </a:rPr>
+              <a:t>)</a:t>
+            </a:r>
+          </a:p>
+          <a:p>
+            <a:pPr marL="0" indent="0">
+              <a:buNone/>
+            </a:pPr>
+            <a:r>
+              <a:rPr lang="en-US" sz="2000" dirty="0" smtClean="0">
+                <a:solidFill>
+                  <a:schemeClr val="accent2">
+                    <a:lumMod val="75000"/>
+                  </a:schemeClr>
+                </a:solidFill>
+                <a:latin typeface="Consolas" panose="020B0609020204030204" pitchFamily="49" charset="0"/>
+                <a:cs typeface="Consolas" panose="020B0609020204030204" pitchFamily="49" charset="0"/>
+              </a:rPr>
+              <a:t>f = add(</a:t>
+            </a:r>
+            <a:r>
+              <a:rPr lang="en-US" sz="2000" dirty="0" err="1" smtClean="0">
+                <a:solidFill>
+                  <a:schemeClr val="accent2">
+                    <a:lumMod val="75000"/>
+                  </a:schemeClr>
+                </a:solidFill>
+                <a:latin typeface="Consolas" panose="020B0609020204030204" pitchFamily="49" charset="0"/>
+                <a:cs typeface="Consolas" panose="020B0609020204030204" pitchFamily="49" charset="0"/>
+              </a:rPr>
+              <a:t>c,d</a:t>
+            </a:r>
+            <a:r>
+              <a:rPr lang="en-US" sz="2000" dirty="0" smtClean="0">
+                <a:solidFill>
+                  <a:schemeClr val="accent2">
+                    <a:lumMod val="75000"/>
+                  </a:schemeClr>
+                </a:solidFill>
+                <a:latin typeface="Consolas" panose="020B0609020204030204" pitchFamily="49" charset="0"/>
+                <a:cs typeface="Consolas" panose="020B0609020204030204" pitchFamily="49" charset="0"/>
+              </a:rPr>
+              <a:t>)</a:t>
+            </a:r>
+          </a:p>
+          <a:p>
+            <a:pPr marL="0" indent="0">
+              <a:buNone/>
+            </a:pPr>
+            <a:r>
+              <a:rPr lang="en-US" sz="2000" dirty="0" smtClean="0">
+                <a:solidFill>
+                  <a:schemeClr val="accent2">
+                    <a:lumMod val="75000"/>
+                  </a:schemeClr>
+                </a:solidFill>
+                <a:latin typeface="Consolas" panose="020B0609020204030204" pitchFamily="49" charset="0"/>
+                <a:cs typeface="Consolas" panose="020B0609020204030204" pitchFamily="49" charset="0"/>
+              </a:rPr>
+              <a:t>g = add(</a:t>
+            </a:r>
+            <a:r>
+              <a:rPr lang="en-US" sz="2000" dirty="0" err="1" smtClean="0">
+                <a:solidFill>
+                  <a:schemeClr val="accent2">
+                    <a:lumMod val="75000"/>
+                  </a:schemeClr>
+                </a:solidFill>
+                <a:latin typeface="Consolas" panose="020B0609020204030204" pitchFamily="49" charset="0"/>
+                <a:cs typeface="Consolas" panose="020B0609020204030204" pitchFamily="49" charset="0"/>
+              </a:rPr>
+              <a:t>e,f</a:t>
+            </a:r>
+            <a:r>
+              <a:rPr lang="en-US" sz="2000" dirty="0" smtClean="0">
+                <a:solidFill>
+                  <a:schemeClr val="accent2">
+                    <a:lumMod val="75000"/>
+                  </a:schemeClr>
+                </a:solidFill>
+                <a:latin typeface="Consolas" panose="020B0609020204030204" pitchFamily="49" charset="0"/>
+                <a:cs typeface="Consolas" panose="020B0609020204030204" pitchFamily="49" charset="0"/>
+              </a:rPr>
+              <a:t>)</a:t>
+            </a:r>
+          </a:p>
+          <a:p>
+            <a:pPr marL="0" indent="0">
+              <a:buNone/>
+            </a:pPr>
+            <a:endParaRPr lang="en-US" sz="2000" dirty="0" smtClean="0">
+              <a:latin typeface="Consolas" panose="020B0609020204030204" pitchFamily="49" charset="0"/>
+              <a:cs typeface="Consolas" panose="020B0609020204030204" pitchFamily="49" charset="0"/>
+            </a:endParaRPr>
+          </a:p>
+          <a:p>
+            <a:pPr marL="0" indent="0">
+              <a:buNone/>
+            </a:pPr>
+            <a:r>
+              <a:rPr lang="en-US" sz="2000" dirty="0" smtClean="0">
+                <a:solidFill>
+                  <a:schemeClr val="accent5">
+                    <a:lumMod val="75000"/>
+                  </a:schemeClr>
+                </a:solidFill>
+                <a:latin typeface="Consolas" panose="020B0609020204030204" pitchFamily="49" charset="0"/>
+                <a:cs typeface="Consolas" panose="020B0609020204030204" pitchFamily="49" charset="0"/>
+              </a:rPr>
+              <a:t>store(g)</a:t>
+            </a:r>
+            <a:endParaRPr lang="de-CH" sz="2000" dirty="0">
+              <a:solidFill>
+                <a:schemeClr val="accent5">
+                  <a:lumMod val="75000"/>
+                </a:schemeClr>
+              </a:solidFill>
+              <a:latin typeface="Consolas" panose="020B0609020204030204" pitchFamily="49" charset="0"/>
+              <a:cs typeface="Consolas" panose="020B0609020204030204" pitchFamily="49" charset="0"/>
+            </a:endParaRPr>
+          </a:p>
+        </p:txBody>
+      </p:sp>
+      <p:sp>
+        <p:nvSpPr>
+          <p:cNvPr id="2" name="Datumsplatzhalter 1"/>
+          <p:cNvSpPr>
+            <a:spLocks noGrp="1"/>
+          </p:cNvSpPr>
+          <p:nvPr>
+            <p:ph type="dt" sz="half" idx="10"/>
+          </p:nvPr>
+        </p:nvSpPr>
+        <p:spPr/>
+        <p:txBody>
+          <a:bodyPr/>
+          <a:lstStyle/>
+          <a:p>
+            <a:r>
+              <a:rPr lang="de-CH" smtClean="0"/>
+              <a:t>30.05.2014</a:t>
+            </a:r>
+            <a:endParaRPr lang="de-CH"/>
+          </a:p>
+        </p:txBody>
+      </p:sp>
+      <p:sp>
+        <p:nvSpPr>
+          <p:cNvPr id="4" name="Fußzeilenplatzhalter 3"/>
+          <p:cNvSpPr>
+            <a:spLocks noGrp="1"/>
+          </p:cNvSpPr>
+          <p:nvPr>
+            <p:ph type="ftr" sz="quarter" idx="11"/>
+          </p:nvPr>
+        </p:nvSpPr>
+        <p:spPr/>
+        <p:txBody>
+          <a:bodyPr/>
+          <a:lstStyle/>
+          <a:p>
+            <a:r>
+              <a:rPr lang="en-US" smtClean="0"/>
+              <a:t>Fast Numerical Code: Optimal Binary Search Trees</a:t>
+            </a:r>
+            <a:endParaRPr lang="de-CH"/>
+          </a:p>
+        </p:txBody>
+      </p:sp>
+      <p:sp>
+        <p:nvSpPr>
+          <p:cNvPr id="5" name="Foliennummernplatzhalter 4"/>
+          <p:cNvSpPr>
+            <a:spLocks noGrp="1"/>
+          </p:cNvSpPr>
+          <p:nvPr>
+            <p:ph type="sldNum" sz="quarter" idx="12"/>
+          </p:nvPr>
+        </p:nvSpPr>
+        <p:spPr/>
+        <p:txBody>
+          <a:bodyPr/>
+          <a:lstStyle/>
+          <a:p>
+            <a:fld id="{2D8749EF-89F5-4D06-B99F-6591C5814168}" type="slidenum">
+              <a:rPr lang="de-CH" smtClean="0"/>
+              <a:t>29</a:t>
+            </a:fld>
+            <a:endParaRPr lang="de-CH"/>
+          </a:p>
+        </p:txBody>
+      </p:sp>
+      <p:sp>
+        <p:nvSpPr>
+          <p:cNvPr id="13" name="Inhaltsplatzhalter 12"/>
+          <p:cNvSpPr>
+            <a:spLocks noGrp="1"/>
+          </p:cNvSpPr>
+          <p:nvPr>
+            <p:ph sz="quarter" idx="4"/>
+          </p:nvPr>
+        </p:nvSpPr>
+        <p:spPr/>
+        <p:txBody>
+          <a:bodyPr/>
+          <a:lstStyle/>
+          <a:p>
+            <a:endParaRPr lang="de-CH"/>
+          </a:p>
+        </p:txBody>
+      </p:sp>
+      <p:sp>
+        <p:nvSpPr>
+          <p:cNvPr id="14" name="Textplatzhalter 13"/>
+          <p:cNvSpPr>
+            <a:spLocks noGrp="1"/>
+          </p:cNvSpPr>
+          <p:nvPr>
+            <p:ph type="body" sz="quarter" idx="3"/>
+          </p:nvPr>
+        </p:nvSpPr>
+        <p:spPr/>
+        <p:txBody>
+          <a:bodyPr/>
+          <a:lstStyle/>
+          <a:p>
+            <a:endParaRPr lang="de-CH"/>
+          </a:p>
+        </p:txBody>
+      </p:sp>
+    </p:spTree>
+    <p:extLst>
+      <p:ext uri="{BB962C8B-B14F-4D97-AF65-F5344CB8AC3E}">
+        <p14:creationId xmlns:p14="http://schemas.microsoft.com/office/powerpoint/2010/main" val="231079754"/>
+      </p:ext>
+    </p:extLst>
+  </p:cSld>
+  <p:clrMapOvr>
+    <a:masterClrMapping/>
+  </p:clrMapOvr>
+  <p:timing>
+    <p:tnLst>
+      <p:par>
+        <p:cTn id="1" dur="indefinite" restart="never" nodeType="tmRoot"/>
+      </p:par>
+    </p:tnLst>
+  </p:timing>
+</p:sld>
+</file>
+
+<file path=ppt/slides/slide3.xml><?xml version="1.0" encoding="utf-8"?>
+<p:sld xmlns:a="http://schemas.openxmlformats.org/drawingml/2006/main" xmlns:r="http://schemas.openxmlformats.org/officeDocument/2006/relationships" xmlns:p="http://schemas.openxmlformats.org/presentationml/2006/main">
+  <p:cSld>
+    <p:spTree>
+      <p:nvGrpSpPr>
+        <p:cNvPr id="1" name=""/>
+        <p:cNvGrpSpPr/>
+        <p:nvPr/>
+      </p:nvGrpSpPr>
+      <p:grpSpPr>
+        <a:xfrm>
+          <a:off x="0" y="0"/>
+          <a:ext cx="0" cy="0"/>
+          <a:chOff x="0" y="0"/>
+          <a:chExt cx="0" cy="0"/>
+        </a:xfrm>
+      </p:grpSpPr>
+      <p:sp>
+        <p:nvSpPr>
+          <p:cNvPr id="2" name="Titel 1"/>
+          <p:cNvSpPr>
+            <a:spLocks noGrp="1"/>
+          </p:cNvSpPr>
+          <p:nvPr>
+            <p:ph type="title"/>
+          </p:nvPr>
+        </p:nvSpPr>
+        <p:spPr/>
+        <p:txBody>
+          <a:bodyPr/>
+          <a:lstStyle/>
+          <a:p>
+            <a:r>
+              <a:rPr lang="en-US" dirty="0" smtClean="0"/>
+              <a:t>Algorithm: Dynamic Programming</a:t>
+            </a:r>
+            <a:endParaRPr lang="de-CH" dirty="0"/>
+          </a:p>
+        </p:txBody>
+      </p:sp>
+      <p:pic>
+        <p:nvPicPr>
+          <p:cNvPr id="12" name="Inhaltsplatzhalter 11"/>
+          <p:cNvPicPr>
+            <a:picLocks noGrp="1" noChangeAspect="1"/>
+          </p:cNvPicPr>
+          <p:nvPr>
+            <p:ph sz="half" idx="2"/>
+          </p:nvPr>
+        </p:nvPicPr>
+        <p:blipFill>
+          <a:blip r:embed="rId3" cstate="print">
+            <a:extLst>
+              <a:ext uri="{28A0092B-C50C-407E-A947-70E740481C1C}">
+                <a14:useLocalDpi xmlns:a14="http://schemas.microsoft.com/office/drawing/2010/main" val="0"/>
+              </a:ext>
+            </a:extLst>
+          </a:blip>
+          <a:stretch>
+            <a:fillRect/>
+          </a:stretch>
+        </p:blipFill>
+        <p:spPr>
+          <a:xfrm>
+            <a:off x="6991350" y="1825625"/>
+            <a:ext cx="4351338" cy="4351338"/>
+          </a:xfrm>
+        </p:spPr>
+      </p:pic>
+      <p:sp>
+        <p:nvSpPr>
+          <p:cNvPr id="10" name="Fußzeilenplatzhalter 9"/>
+          <p:cNvSpPr>
+            <a:spLocks noGrp="1"/>
+          </p:cNvSpPr>
+          <p:nvPr>
+            <p:ph type="ftr" sz="quarter" idx="11"/>
+          </p:nvPr>
+        </p:nvSpPr>
+        <p:spPr/>
+        <p:txBody>
+          <a:bodyPr/>
+          <a:lstStyle/>
+          <a:p>
+            <a:r>
+              <a:rPr lang="en-US" smtClean="0"/>
+              <a:t>Fast Numerical Code: Optimal Binary Search Trees</a:t>
+            </a:r>
+            <a:endParaRPr lang="de-CH"/>
+          </a:p>
+        </p:txBody>
+      </p:sp>
+      <p:sp>
+        <p:nvSpPr>
+          <p:cNvPr id="11" name="Foliennummernplatzhalter 10"/>
+          <p:cNvSpPr>
+            <a:spLocks noGrp="1"/>
+          </p:cNvSpPr>
+          <p:nvPr>
+            <p:ph type="sldNum" sz="quarter" idx="12"/>
+          </p:nvPr>
+        </p:nvSpPr>
+        <p:spPr/>
+        <p:txBody>
+          <a:bodyPr/>
+          <a:lstStyle/>
+          <a:p>
+            <a:fld id="{2D8749EF-89F5-4D06-B99F-6591C5814168}" type="slidenum">
+              <a:rPr lang="de-CH" smtClean="0"/>
+              <a:t>3</a:t>
+            </a:fld>
+            <a:endParaRPr lang="de-CH"/>
+          </a:p>
+        </p:txBody>
+      </p:sp>
+      <p:sp>
+        <p:nvSpPr>
+          <p:cNvPr id="4" name="Datumsplatzhalter 3"/>
+          <p:cNvSpPr>
+            <a:spLocks noGrp="1"/>
+          </p:cNvSpPr>
+          <p:nvPr>
+            <p:ph type="dt" sz="half" idx="10"/>
+          </p:nvPr>
+        </p:nvSpPr>
+        <p:spPr/>
+        <p:txBody>
+          <a:bodyPr/>
+          <a:lstStyle/>
+          <a:p>
+            <a:r>
+              <a:rPr lang="de-CH" smtClean="0"/>
+              <a:t>30.05.2014</a:t>
+            </a:r>
+            <a:endParaRPr lang="de-CH"/>
+          </a:p>
+        </p:txBody>
+      </p:sp>
+      <p:sp>
+        <p:nvSpPr>
+          <p:cNvPr id="3" name="Inhaltsplatzhalter 2"/>
+          <p:cNvSpPr>
+            <a:spLocks noGrp="1"/>
+          </p:cNvSpPr>
+          <p:nvPr>
+            <p:ph sz="half" idx="1"/>
+          </p:nvPr>
+        </p:nvSpPr>
+        <p:spPr/>
+        <p:txBody>
+          <a:bodyPr/>
+          <a:lstStyle/>
+          <a:p>
+            <a:endParaRPr lang="de-CH"/>
+          </a:p>
+        </p:txBody>
+      </p:sp>
+    </p:spTree>
+    <p:extLst>
+      <p:ext uri="{BB962C8B-B14F-4D97-AF65-F5344CB8AC3E}">
+        <p14:creationId xmlns:p14="http://schemas.microsoft.com/office/powerpoint/2010/main" val="3252657669"/>
+      </p:ext>
+    </p:extLst>
+  </p:cSld>
+  <p:clrMapOvr>
+    <a:masterClrMapping/>
+  </p:clrMapOvr>
+  <p:timing>
+    <p:tnLst>
+      <p:par>
+        <p:cTn id="1" dur="indefinite" restart="never" nodeType="tmRoot"/>
+      </p:par>
+    </p:tnLst>
+  </p:timing>
+</p:sld>
+</file>
+
+<file path=ppt/slides/slide30.xml><?xml version="1.0" encoding="utf-8"?>
+<p:sld xmlns:a="http://schemas.openxmlformats.org/drawingml/2006/main" xmlns:r="http://schemas.openxmlformats.org/officeDocument/2006/relationships" xmlns:p="http://schemas.openxmlformats.org/presentationml/2006/main">
+  <p:cSld>
+    <p:spTree>
+      <p:nvGrpSpPr>
+        <p:cNvPr id="1" name=""/>
+        <p:cNvGrpSpPr/>
+        <p:nvPr/>
+      </p:nvGrpSpPr>
+      <p:grpSpPr>
+        <a:xfrm>
+          <a:off x="0" y="0"/>
+          <a:ext cx="0" cy="0"/>
+          <a:chOff x="0" y="0"/>
+          <a:chExt cx="0" cy="0"/>
+        </a:xfrm>
+      </p:grpSpPr>
+      <p:pic>
+        <p:nvPicPr>
+          <p:cNvPr id="12" name="Inhaltsplatzhalter 11"/>
+          <p:cNvPicPr>
+            <a:picLocks noChangeAspect="1"/>
+          </p:cNvPicPr>
+          <p:nvPr/>
+        </p:nvPicPr>
+        <p:blipFill>
+          <a:blip r:embed="rId2">
+            <a:extLst>
+              <a:ext uri="{28A0092B-C50C-407E-A947-70E740481C1C}">
+                <a14:useLocalDpi xmlns:a14="http://schemas.microsoft.com/office/drawing/2010/main" val="0"/>
+              </a:ext>
+            </a:extLst>
+          </a:blip>
+          <a:stretch>
+            <a:fillRect/>
+          </a:stretch>
+        </p:blipFill>
+        <p:spPr>
+          <a:xfrm>
+            <a:off x="4947746" y="1825625"/>
+            <a:ext cx="6816745" cy="4351337"/>
+          </a:xfrm>
+          <a:prstGeom prst="rect">
+            <a:avLst/>
+          </a:prstGeom>
+        </p:spPr>
+      </p:pic>
+      <p:sp>
+        <p:nvSpPr>
+          <p:cNvPr id="6" name="Titel 5"/>
+          <p:cNvSpPr>
+            <a:spLocks noGrp="1"/>
+          </p:cNvSpPr>
+          <p:nvPr>
+            <p:ph type="title"/>
+          </p:nvPr>
+        </p:nvSpPr>
+        <p:spPr/>
+        <p:txBody>
+          <a:bodyPr/>
+          <a:lstStyle/>
+          <a:p>
+            <a:r>
+              <a:rPr lang="en-US" dirty="0" err="1" smtClean="0"/>
+              <a:t>Vectorization</a:t>
+            </a:r>
+            <a:r>
+              <a:rPr lang="en-US" dirty="0" smtClean="0"/>
+              <a:t> Issues: Scheduling</a:t>
+            </a:r>
+            <a:endParaRPr lang="de-CH" dirty="0"/>
+          </a:p>
+        </p:txBody>
+      </p:sp>
+      <p:sp>
+        <p:nvSpPr>
+          <p:cNvPr id="3" name="Textplatzhalter 2"/>
+          <p:cNvSpPr>
+            <a:spLocks noGrp="1"/>
+          </p:cNvSpPr>
+          <p:nvPr>
+            <p:ph type="body" idx="1"/>
+          </p:nvPr>
+        </p:nvSpPr>
+        <p:spPr>
+          <a:xfrm>
+            <a:off x="839788" y="1508633"/>
+            <a:ext cx="2084567" cy="823912"/>
+          </a:xfrm>
+        </p:spPr>
+        <p:txBody>
+          <a:bodyPr/>
+          <a:lstStyle/>
+          <a:p>
+            <a:r>
+              <a:rPr lang="en-US" sz="2150" dirty="0" smtClean="0"/>
+              <a:t>Standard</a:t>
+            </a:r>
+            <a:endParaRPr lang="de-CH" sz="2150" dirty="0"/>
+          </a:p>
+        </p:txBody>
+      </p:sp>
+      <p:sp>
+        <p:nvSpPr>
+          <p:cNvPr id="9" name="Inhaltsplatzhalter 8"/>
+          <p:cNvSpPr>
+            <a:spLocks noGrp="1"/>
+          </p:cNvSpPr>
+          <p:nvPr>
+            <p:ph sz="half" idx="2"/>
+          </p:nvPr>
+        </p:nvSpPr>
+        <p:spPr>
+          <a:xfrm>
+            <a:off x="839788" y="2332545"/>
+            <a:ext cx="5157787" cy="3684588"/>
+          </a:xfrm>
+        </p:spPr>
+        <p:txBody>
+          <a:bodyPr>
+            <a:normAutofit fontScale="92500" lnSpcReduction="10000"/>
+          </a:bodyPr>
+          <a:lstStyle/>
+          <a:p>
+            <a:pPr marL="0" indent="0">
+              <a:buNone/>
+            </a:pPr>
+            <a:r>
+              <a:rPr lang="en-US" sz="2000" dirty="0" smtClean="0">
+                <a:solidFill>
+                  <a:schemeClr val="accent6">
+                    <a:lumMod val="75000"/>
+                  </a:schemeClr>
+                </a:solidFill>
+                <a:latin typeface="Consolas" panose="020B0609020204030204" pitchFamily="49" charset="0"/>
+                <a:cs typeface="Consolas" panose="020B0609020204030204" pitchFamily="49" charset="0"/>
+              </a:rPr>
+              <a:t>a = load()</a:t>
+            </a:r>
+          </a:p>
+          <a:p>
+            <a:pPr marL="0" indent="0">
+              <a:buNone/>
+            </a:pPr>
+            <a:r>
+              <a:rPr lang="en-US" sz="2000" dirty="0" smtClean="0">
+                <a:solidFill>
+                  <a:schemeClr val="accent6">
+                    <a:lumMod val="75000"/>
+                  </a:schemeClr>
+                </a:solidFill>
+                <a:latin typeface="Consolas" panose="020B0609020204030204" pitchFamily="49" charset="0"/>
+                <a:cs typeface="Consolas" panose="020B0609020204030204" pitchFamily="49" charset="0"/>
+              </a:rPr>
+              <a:t>b = load()</a:t>
+            </a:r>
+          </a:p>
+          <a:p>
+            <a:pPr marL="0" indent="0">
+              <a:buNone/>
+            </a:pPr>
+            <a:r>
+              <a:rPr lang="en-US" sz="2000" dirty="0" smtClean="0">
+                <a:solidFill>
+                  <a:schemeClr val="accent6">
+                    <a:lumMod val="75000"/>
+                  </a:schemeClr>
+                </a:solidFill>
+                <a:latin typeface="Consolas" panose="020B0609020204030204" pitchFamily="49" charset="0"/>
+                <a:cs typeface="Consolas" panose="020B0609020204030204" pitchFamily="49" charset="0"/>
+              </a:rPr>
+              <a:t>c = load()</a:t>
+            </a:r>
+          </a:p>
+          <a:p>
+            <a:pPr marL="0" indent="0">
+              <a:buNone/>
+            </a:pPr>
+            <a:r>
+              <a:rPr lang="en-US" sz="2000" dirty="0" smtClean="0">
+                <a:solidFill>
+                  <a:schemeClr val="accent6">
+                    <a:lumMod val="75000"/>
+                  </a:schemeClr>
+                </a:solidFill>
+                <a:latin typeface="Consolas" panose="020B0609020204030204" pitchFamily="49" charset="0"/>
+                <a:cs typeface="Consolas" panose="020B0609020204030204" pitchFamily="49" charset="0"/>
+              </a:rPr>
+              <a:t>d = load()</a:t>
+            </a:r>
+          </a:p>
+          <a:p>
+            <a:pPr marL="0" indent="0">
+              <a:buNone/>
+            </a:pPr>
+            <a:endParaRPr lang="en-US" sz="2000" dirty="0" smtClean="0">
+              <a:latin typeface="Consolas" panose="020B0609020204030204" pitchFamily="49" charset="0"/>
+              <a:cs typeface="Consolas" panose="020B0609020204030204" pitchFamily="49" charset="0"/>
+            </a:endParaRPr>
+          </a:p>
+          <a:p>
+            <a:pPr marL="0" indent="0">
+              <a:buNone/>
+            </a:pPr>
+            <a:r>
+              <a:rPr lang="en-US" sz="2000" dirty="0" smtClean="0">
+                <a:solidFill>
+                  <a:schemeClr val="accent2">
+                    <a:lumMod val="75000"/>
+                  </a:schemeClr>
+                </a:solidFill>
+                <a:latin typeface="Consolas" panose="020B0609020204030204" pitchFamily="49" charset="0"/>
+                <a:cs typeface="Consolas" panose="020B0609020204030204" pitchFamily="49" charset="0"/>
+              </a:rPr>
+              <a:t>e = add(</a:t>
+            </a:r>
+            <a:r>
+              <a:rPr lang="en-US" sz="2000" dirty="0" err="1" smtClean="0">
+                <a:solidFill>
+                  <a:schemeClr val="accent2">
+                    <a:lumMod val="75000"/>
+                  </a:schemeClr>
+                </a:solidFill>
+                <a:latin typeface="Consolas" panose="020B0609020204030204" pitchFamily="49" charset="0"/>
+                <a:cs typeface="Consolas" panose="020B0609020204030204" pitchFamily="49" charset="0"/>
+              </a:rPr>
+              <a:t>a,b</a:t>
+            </a:r>
+            <a:r>
+              <a:rPr lang="en-US" sz="2000" dirty="0" smtClean="0">
+                <a:solidFill>
+                  <a:schemeClr val="accent2">
+                    <a:lumMod val="75000"/>
+                  </a:schemeClr>
+                </a:solidFill>
+                <a:latin typeface="Consolas" panose="020B0609020204030204" pitchFamily="49" charset="0"/>
+                <a:cs typeface="Consolas" panose="020B0609020204030204" pitchFamily="49" charset="0"/>
+              </a:rPr>
+              <a:t>)</a:t>
+            </a:r>
+          </a:p>
+          <a:p>
+            <a:pPr marL="0" indent="0">
+              <a:buNone/>
+            </a:pPr>
+            <a:r>
+              <a:rPr lang="en-US" sz="2000" dirty="0" smtClean="0">
+                <a:solidFill>
+                  <a:schemeClr val="accent2">
+                    <a:lumMod val="75000"/>
+                  </a:schemeClr>
+                </a:solidFill>
+                <a:latin typeface="Consolas" panose="020B0609020204030204" pitchFamily="49" charset="0"/>
+                <a:cs typeface="Consolas" panose="020B0609020204030204" pitchFamily="49" charset="0"/>
+              </a:rPr>
+              <a:t>f = add(</a:t>
+            </a:r>
+            <a:r>
+              <a:rPr lang="en-US" sz="2000" dirty="0" err="1" smtClean="0">
+                <a:solidFill>
+                  <a:schemeClr val="accent2">
+                    <a:lumMod val="75000"/>
+                  </a:schemeClr>
+                </a:solidFill>
+                <a:latin typeface="Consolas" panose="020B0609020204030204" pitchFamily="49" charset="0"/>
+                <a:cs typeface="Consolas" panose="020B0609020204030204" pitchFamily="49" charset="0"/>
+              </a:rPr>
+              <a:t>c,d</a:t>
+            </a:r>
+            <a:r>
+              <a:rPr lang="en-US" sz="2000" dirty="0" smtClean="0">
+                <a:solidFill>
+                  <a:schemeClr val="accent2">
+                    <a:lumMod val="75000"/>
+                  </a:schemeClr>
+                </a:solidFill>
+                <a:latin typeface="Consolas" panose="020B0609020204030204" pitchFamily="49" charset="0"/>
+                <a:cs typeface="Consolas" panose="020B0609020204030204" pitchFamily="49" charset="0"/>
+              </a:rPr>
+              <a:t>)</a:t>
+            </a:r>
+          </a:p>
+          <a:p>
+            <a:pPr marL="0" indent="0">
+              <a:buNone/>
+            </a:pPr>
+            <a:r>
+              <a:rPr lang="en-US" sz="2000" dirty="0" smtClean="0">
+                <a:solidFill>
+                  <a:schemeClr val="accent2">
+                    <a:lumMod val="75000"/>
+                  </a:schemeClr>
+                </a:solidFill>
+                <a:latin typeface="Consolas" panose="020B0609020204030204" pitchFamily="49" charset="0"/>
+                <a:cs typeface="Consolas" panose="020B0609020204030204" pitchFamily="49" charset="0"/>
+              </a:rPr>
+              <a:t>g = add(</a:t>
+            </a:r>
+            <a:r>
+              <a:rPr lang="en-US" sz="2000" dirty="0" err="1" smtClean="0">
+                <a:solidFill>
+                  <a:schemeClr val="accent2">
+                    <a:lumMod val="75000"/>
+                  </a:schemeClr>
+                </a:solidFill>
+                <a:latin typeface="Consolas" panose="020B0609020204030204" pitchFamily="49" charset="0"/>
+                <a:cs typeface="Consolas" panose="020B0609020204030204" pitchFamily="49" charset="0"/>
+              </a:rPr>
+              <a:t>e,f</a:t>
+            </a:r>
+            <a:r>
+              <a:rPr lang="en-US" sz="2000" dirty="0" smtClean="0">
+                <a:solidFill>
+                  <a:schemeClr val="accent2">
+                    <a:lumMod val="75000"/>
+                  </a:schemeClr>
+                </a:solidFill>
+                <a:latin typeface="Consolas" panose="020B0609020204030204" pitchFamily="49" charset="0"/>
+                <a:cs typeface="Consolas" panose="020B0609020204030204" pitchFamily="49" charset="0"/>
+              </a:rPr>
+              <a:t>)</a:t>
+            </a:r>
+          </a:p>
+          <a:p>
+            <a:pPr marL="0" indent="0">
+              <a:buNone/>
+            </a:pPr>
+            <a:endParaRPr lang="en-US" sz="2000" dirty="0" smtClean="0">
+              <a:latin typeface="Consolas" panose="020B0609020204030204" pitchFamily="49" charset="0"/>
+              <a:cs typeface="Consolas" panose="020B0609020204030204" pitchFamily="49" charset="0"/>
+            </a:endParaRPr>
+          </a:p>
+          <a:p>
+            <a:pPr marL="0" indent="0">
+              <a:buNone/>
+            </a:pPr>
+            <a:r>
+              <a:rPr lang="en-US" sz="2000" dirty="0" smtClean="0">
+                <a:solidFill>
+                  <a:schemeClr val="accent5">
+                    <a:lumMod val="75000"/>
+                  </a:schemeClr>
+                </a:solidFill>
+                <a:latin typeface="Consolas" panose="020B0609020204030204" pitchFamily="49" charset="0"/>
+                <a:cs typeface="Consolas" panose="020B0609020204030204" pitchFamily="49" charset="0"/>
+              </a:rPr>
+              <a:t>store(g)</a:t>
+            </a:r>
+            <a:endParaRPr lang="de-CH" sz="2000" dirty="0">
+              <a:solidFill>
+                <a:schemeClr val="accent5">
+                  <a:lumMod val="75000"/>
+                </a:schemeClr>
+              </a:solidFill>
+              <a:latin typeface="Consolas" panose="020B0609020204030204" pitchFamily="49" charset="0"/>
+              <a:cs typeface="Consolas" panose="020B0609020204030204" pitchFamily="49" charset="0"/>
+            </a:endParaRPr>
+          </a:p>
+        </p:txBody>
+      </p:sp>
+      <p:sp>
+        <p:nvSpPr>
+          <p:cNvPr id="2" name="Datumsplatzhalter 1"/>
+          <p:cNvSpPr>
+            <a:spLocks noGrp="1"/>
+          </p:cNvSpPr>
+          <p:nvPr>
+            <p:ph type="dt" sz="half" idx="10"/>
+          </p:nvPr>
+        </p:nvSpPr>
+        <p:spPr/>
+        <p:txBody>
+          <a:bodyPr/>
+          <a:lstStyle/>
+          <a:p>
+            <a:r>
+              <a:rPr lang="de-CH" smtClean="0"/>
+              <a:t>30.05.2014</a:t>
+            </a:r>
+            <a:endParaRPr lang="de-CH"/>
+          </a:p>
+        </p:txBody>
+      </p:sp>
+      <p:sp>
+        <p:nvSpPr>
+          <p:cNvPr id="4" name="Fußzeilenplatzhalter 3"/>
+          <p:cNvSpPr>
+            <a:spLocks noGrp="1"/>
+          </p:cNvSpPr>
+          <p:nvPr>
+            <p:ph type="ftr" sz="quarter" idx="11"/>
+          </p:nvPr>
+        </p:nvSpPr>
+        <p:spPr/>
+        <p:txBody>
+          <a:bodyPr/>
+          <a:lstStyle/>
+          <a:p>
+            <a:r>
+              <a:rPr lang="en-US" smtClean="0"/>
+              <a:t>Fast Numerical Code: Optimal Binary Search Trees</a:t>
+            </a:r>
+            <a:endParaRPr lang="de-CH"/>
+          </a:p>
+        </p:txBody>
+      </p:sp>
+      <p:sp>
+        <p:nvSpPr>
+          <p:cNvPr id="5" name="Foliennummernplatzhalter 4"/>
+          <p:cNvSpPr>
+            <a:spLocks noGrp="1"/>
+          </p:cNvSpPr>
+          <p:nvPr>
+            <p:ph type="sldNum" sz="quarter" idx="12"/>
+          </p:nvPr>
+        </p:nvSpPr>
+        <p:spPr/>
+        <p:txBody>
+          <a:bodyPr/>
+          <a:lstStyle/>
+          <a:p>
+            <a:fld id="{2D8749EF-89F5-4D06-B99F-6591C5814168}" type="slidenum">
+              <a:rPr lang="de-CH" smtClean="0"/>
+              <a:t>30</a:t>
+            </a:fld>
+            <a:endParaRPr lang="de-CH"/>
+          </a:p>
+        </p:txBody>
+      </p:sp>
+      <p:sp>
+        <p:nvSpPr>
+          <p:cNvPr id="13" name="Inhaltsplatzhalter 12"/>
+          <p:cNvSpPr>
+            <a:spLocks noGrp="1"/>
+          </p:cNvSpPr>
+          <p:nvPr>
+            <p:ph sz="quarter" idx="4"/>
+          </p:nvPr>
+        </p:nvSpPr>
+        <p:spPr/>
+        <p:txBody>
+          <a:bodyPr/>
+          <a:lstStyle/>
+          <a:p>
+            <a:endParaRPr lang="de-CH"/>
+          </a:p>
+        </p:txBody>
+      </p:sp>
+      <p:sp>
+        <p:nvSpPr>
+          <p:cNvPr id="14" name="Textplatzhalter 13"/>
+          <p:cNvSpPr>
+            <a:spLocks noGrp="1"/>
+          </p:cNvSpPr>
+          <p:nvPr>
+            <p:ph type="body" sz="quarter" idx="3"/>
+          </p:nvPr>
+        </p:nvSpPr>
+        <p:spPr/>
+        <p:txBody>
+          <a:bodyPr/>
+          <a:lstStyle/>
+          <a:p>
+            <a:endParaRPr lang="de-CH"/>
+          </a:p>
+        </p:txBody>
+      </p:sp>
+    </p:spTree>
+    <p:extLst>
+      <p:ext uri="{BB962C8B-B14F-4D97-AF65-F5344CB8AC3E}">
+        <p14:creationId xmlns:p14="http://schemas.microsoft.com/office/powerpoint/2010/main" val="208297813"/>
+      </p:ext>
+    </p:extLst>
+  </p:cSld>
+  <p:clrMapOvr>
+    <a:masterClrMapping/>
+  </p:clrMapOvr>
+  <p:timing>
+    <p:tnLst>
+      <p:par>
+        <p:cTn id="1" dur="indefinite" restart="never" nodeType="tmRoot"/>
+      </p:par>
+    </p:tnLst>
+  </p:timing>
+</p:sld>
+</file>
+
+<file path=ppt/slides/slide31.xml><?xml version="1.0" encoding="utf-8"?>
+<p:sld xmlns:a="http://schemas.openxmlformats.org/drawingml/2006/main" xmlns:r="http://schemas.openxmlformats.org/officeDocument/2006/relationships" xmlns:p="http://schemas.openxmlformats.org/presentationml/2006/main">
+  <p:cSld>
+    <p:spTree>
+      <p:nvGrpSpPr>
+        <p:cNvPr id="1" name=""/>
+        <p:cNvGrpSpPr/>
+        <p:nvPr/>
+      </p:nvGrpSpPr>
+      <p:grpSpPr>
+        <a:xfrm>
+          <a:off x="0" y="0"/>
+          <a:ext cx="0" cy="0"/>
+          <a:chOff x="0" y="0"/>
+          <a:chExt cx="0" cy="0"/>
+        </a:xfrm>
+      </p:grpSpPr>
+      <p:pic>
+        <p:nvPicPr>
+          <p:cNvPr id="12" name="Inhaltsplatzhalter 11"/>
+          <p:cNvPicPr>
+            <a:picLocks noChangeAspect="1"/>
+          </p:cNvPicPr>
+          <p:nvPr/>
+        </p:nvPicPr>
+        <p:blipFill>
+          <a:blip r:embed="rId2">
+            <a:extLst>
+              <a:ext uri="{28A0092B-C50C-407E-A947-70E740481C1C}">
+                <a14:useLocalDpi xmlns:a14="http://schemas.microsoft.com/office/drawing/2010/main" val="0"/>
+              </a:ext>
+            </a:extLst>
+          </a:blip>
+          <a:stretch>
+            <a:fillRect/>
+          </a:stretch>
+        </p:blipFill>
+        <p:spPr>
+          <a:xfrm>
+            <a:off x="4947746" y="1825625"/>
+            <a:ext cx="6816745" cy="4351337"/>
+          </a:xfrm>
+          <a:prstGeom prst="rect">
+            <a:avLst/>
+          </a:prstGeom>
+        </p:spPr>
+      </p:pic>
+      <p:sp>
+        <p:nvSpPr>
+          <p:cNvPr id="6" name="Titel 5"/>
+          <p:cNvSpPr>
+            <a:spLocks noGrp="1"/>
+          </p:cNvSpPr>
+          <p:nvPr>
+            <p:ph type="title"/>
+          </p:nvPr>
+        </p:nvSpPr>
+        <p:spPr/>
+        <p:txBody>
+          <a:bodyPr/>
+          <a:lstStyle/>
+          <a:p>
+            <a:r>
+              <a:rPr lang="en-US" dirty="0" err="1" smtClean="0"/>
+              <a:t>Vectorization</a:t>
+            </a:r>
+            <a:r>
+              <a:rPr lang="en-US" dirty="0" smtClean="0"/>
+              <a:t> Issues: Scheduling</a:t>
+            </a:r>
+            <a:endParaRPr lang="de-CH" dirty="0"/>
+          </a:p>
+        </p:txBody>
+      </p:sp>
+      <p:sp>
+        <p:nvSpPr>
+          <p:cNvPr id="3" name="Textplatzhalter 2"/>
+          <p:cNvSpPr>
+            <a:spLocks noGrp="1"/>
+          </p:cNvSpPr>
+          <p:nvPr>
+            <p:ph type="body" idx="1"/>
+          </p:nvPr>
+        </p:nvSpPr>
+        <p:spPr>
+          <a:xfrm>
+            <a:off x="839788" y="1508633"/>
+            <a:ext cx="2084567" cy="823912"/>
+          </a:xfrm>
+        </p:spPr>
+        <p:txBody>
+          <a:bodyPr/>
+          <a:lstStyle/>
+          <a:p>
+            <a:r>
+              <a:rPr lang="en-US" sz="2150" dirty="0" smtClean="0"/>
+              <a:t>Standard</a:t>
+            </a:r>
+            <a:endParaRPr lang="de-CH" sz="2150" dirty="0"/>
+          </a:p>
+        </p:txBody>
+      </p:sp>
+      <p:sp>
+        <p:nvSpPr>
+          <p:cNvPr id="9" name="Inhaltsplatzhalter 8"/>
+          <p:cNvSpPr>
+            <a:spLocks noGrp="1"/>
+          </p:cNvSpPr>
+          <p:nvPr>
+            <p:ph sz="half" idx="2"/>
+          </p:nvPr>
+        </p:nvSpPr>
+        <p:spPr>
+          <a:xfrm>
+            <a:off x="839788" y="2332545"/>
+            <a:ext cx="5157787" cy="3684588"/>
+          </a:xfrm>
+        </p:spPr>
+        <p:txBody>
+          <a:bodyPr>
+            <a:normAutofit fontScale="92500" lnSpcReduction="10000"/>
+          </a:bodyPr>
+          <a:lstStyle/>
+          <a:p>
+            <a:pPr marL="0" indent="0">
+              <a:buNone/>
+            </a:pPr>
+            <a:r>
+              <a:rPr lang="en-US" sz="2000" dirty="0" smtClean="0">
+                <a:solidFill>
+                  <a:schemeClr val="accent6">
+                    <a:lumMod val="75000"/>
+                  </a:schemeClr>
+                </a:solidFill>
+                <a:latin typeface="Consolas" panose="020B0609020204030204" pitchFamily="49" charset="0"/>
+                <a:cs typeface="Consolas" panose="020B0609020204030204" pitchFamily="49" charset="0"/>
+              </a:rPr>
+              <a:t>a = load()</a:t>
+            </a:r>
+          </a:p>
+          <a:p>
+            <a:pPr marL="0" indent="0">
+              <a:buNone/>
+            </a:pPr>
+            <a:r>
+              <a:rPr lang="en-US" sz="2000" dirty="0" smtClean="0">
+                <a:solidFill>
+                  <a:schemeClr val="accent6">
+                    <a:lumMod val="75000"/>
+                  </a:schemeClr>
+                </a:solidFill>
+                <a:latin typeface="Consolas" panose="020B0609020204030204" pitchFamily="49" charset="0"/>
+                <a:cs typeface="Consolas" panose="020B0609020204030204" pitchFamily="49" charset="0"/>
+              </a:rPr>
+              <a:t>b = load()</a:t>
+            </a:r>
+          </a:p>
+          <a:p>
+            <a:pPr marL="0" indent="0">
+              <a:buNone/>
+            </a:pPr>
+            <a:r>
+              <a:rPr lang="en-US" sz="2000" dirty="0" smtClean="0">
+                <a:solidFill>
+                  <a:schemeClr val="accent6">
+                    <a:lumMod val="75000"/>
+                  </a:schemeClr>
+                </a:solidFill>
+                <a:latin typeface="Consolas" panose="020B0609020204030204" pitchFamily="49" charset="0"/>
+                <a:cs typeface="Consolas" panose="020B0609020204030204" pitchFamily="49" charset="0"/>
+              </a:rPr>
+              <a:t>c = load()</a:t>
+            </a:r>
+          </a:p>
+          <a:p>
+            <a:pPr marL="0" indent="0">
+              <a:buNone/>
+            </a:pPr>
+            <a:r>
+              <a:rPr lang="en-US" sz="2000" dirty="0" smtClean="0">
+                <a:solidFill>
+                  <a:schemeClr val="accent6">
+                    <a:lumMod val="75000"/>
+                  </a:schemeClr>
+                </a:solidFill>
+                <a:latin typeface="Consolas" panose="020B0609020204030204" pitchFamily="49" charset="0"/>
+                <a:cs typeface="Consolas" panose="020B0609020204030204" pitchFamily="49" charset="0"/>
+              </a:rPr>
+              <a:t>d = load()</a:t>
+            </a:r>
+          </a:p>
+          <a:p>
+            <a:pPr marL="0" indent="0">
+              <a:buNone/>
+            </a:pPr>
+            <a:endParaRPr lang="en-US" sz="2000" dirty="0" smtClean="0">
+              <a:latin typeface="Consolas" panose="020B0609020204030204" pitchFamily="49" charset="0"/>
+              <a:cs typeface="Consolas" panose="020B0609020204030204" pitchFamily="49" charset="0"/>
+            </a:endParaRPr>
+          </a:p>
+          <a:p>
+            <a:pPr marL="0" indent="0">
+              <a:buNone/>
+            </a:pPr>
+            <a:r>
+              <a:rPr lang="en-US" sz="2000" dirty="0" smtClean="0">
+                <a:solidFill>
+                  <a:schemeClr val="accent2">
+                    <a:lumMod val="75000"/>
+                  </a:schemeClr>
+                </a:solidFill>
+                <a:latin typeface="Consolas" panose="020B0609020204030204" pitchFamily="49" charset="0"/>
+                <a:cs typeface="Consolas" panose="020B0609020204030204" pitchFamily="49" charset="0"/>
+              </a:rPr>
+              <a:t>e = add(</a:t>
+            </a:r>
+            <a:r>
+              <a:rPr lang="en-US" sz="2000" dirty="0" err="1" smtClean="0">
+                <a:solidFill>
+                  <a:schemeClr val="accent2">
+                    <a:lumMod val="75000"/>
+                  </a:schemeClr>
+                </a:solidFill>
+                <a:latin typeface="Consolas" panose="020B0609020204030204" pitchFamily="49" charset="0"/>
+                <a:cs typeface="Consolas" panose="020B0609020204030204" pitchFamily="49" charset="0"/>
+              </a:rPr>
+              <a:t>a,b</a:t>
+            </a:r>
+            <a:r>
+              <a:rPr lang="en-US" sz="2000" dirty="0" smtClean="0">
+                <a:solidFill>
+                  <a:schemeClr val="accent2">
+                    <a:lumMod val="75000"/>
+                  </a:schemeClr>
+                </a:solidFill>
+                <a:latin typeface="Consolas" panose="020B0609020204030204" pitchFamily="49" charset="0"/>
+                <a:cs typeface="Consolas" panose="020B0609020204030204" pitchFamily="49" charset="0"/>
+              </a:rPr>
+              <a:t>)</a:t>
+            </a:r>
+          </a:p>
+          <a:p>
+            <a:pPr marL="0" indent="0">
+              <a:buNone/>
+            </a:pPr>
+            <a:r>
+              <a:rPr lang="en-US" sz="2000" dirty="0" smtClean="0">
+                <a:solidFill>
+                  <a:schemeClr val="accent2">
+                    <a:lumMod val="75000"/>
+                  </a:schemeClr>
+                </a:solidFill>
+                <a:latin typeface="Consolas" panose="020B0609020204030204" pitchFamily="49" charset="0"/>
+                <a:cs typeface="Consolas" panose="020B0609020204030204" pitchFamily="49" charset="0"/>
+              </a:rPr>
+              <a:t>f = add(</a:t>
+            </a:r>
+            <a:r>
+              <a:rPr lang="en-US" sz="2000" dirty="0" err="1" smtClean="0">
+                <a:solidFill>
+                  <a:schemeClr val="accent2">
+                    <a:lumMod val="75000"/>
+                  </a:schemeClr>
+                </a:solidFill>
+                <a:latin typeface="Consolas" panose="020B0609020204030204" pitchFamily="49" charset="0"/>
+                <a:cs typeface="Consolas" panose="020B0609020204030204" pitchFamily="49" charset="0"/>
+              </a:rPr>
+              <a:t>c,d</a:t>
+            </a:r>
+            <a:r>
+              <a:rPr lang="en-US" sz="2000" dirty="0" smtClean="0">
+                <a:solidFill>
+                  <a:schemeClr val="accent2">
+                    <a:lumMod val="75000"/>
+                  </a:schemeClr>
+                </a:solidFill>
+                <a:latin typeface="Consolas" panose="020B0609020204030204" pitchFamily="49" charset="0"/>
+                <a:cs typeface="Consolas" panose="020B0609020204030204" pitchFamily="49" charset="0"/>
+              </a:rPr>
+              <a:t>)</a:t>
+            </a:r>
+          </a:p>
+          <a:p>
+            <a:pPr marL="0" indent="0">
+              <a:buNone/>
+            </a:pPr>
+            <a:r>
+              <a:rPr lang="en-US" sz="2000" dirty="0" smtClean="0">
+                <a:solidFill>
+                  <a:schemeClr val="accent2">
+                    <a:lumMod val="75000"/>
+                  </a:schemeClr>
+                </a:solidFill>
+                <a:latin typeface="Consolas" panose="020B0609020204030204" pitchFamily="49" charset="0"/>
+                <a:cs typeface="Consolas" panose="020B0609020204030204" pitchFamily="49" charset="0"/>
+              </a:rPr>
+              <a:t>g = add(</a:t>
+            </a:r>
+            <a:r>
+              <a:rPr lang="en-US" sz="2000" dirty="0" err="1" smtClean="0">
+                <a:solidFill>
+                  <a:schemeClr val="accent2">
+                    <a:lumMod val="75000"/>
+                  </a:schemeClr>
+                </a:solidFill>
+                <a:latin typeface="Consolas" panose="020B0609020204030204" pitchFamily="49" charset="0"/>
+                <a:cs typeface="Consolas" panose="020B0609020204030204" pitchFamily="49" charset="0"/>
+              </a:rPr>
+              <a:t>e,f</a:t>
+            </a:r>
+            <a:r>
+              <a:rPr lang="en-US" sz="2000" dirty="0" smtClean="0">
+                <a:solidFill>
+                  <a:schemeClr val="accent2">
+                    <a:lumMod val="75000"/>
+                  </a:schemeClr>
+                </a:solidFill>
+                <a:latin typeface="Consolas" panose="020B0609020204030204" pitchFamily="49" charset="0"/>
+                <a:cs typeface="Consolas" panose="020B0609020204030204" pitchFamily="49" charset="0"/>
+              </a:rPr>
+              <a:t>)</a:t>
+            </a:r>
+          </a:p>
+          <a:p>
+            <a:pPr marL="0" indent="0">
+              <a:buNone/>
+            </a:pPr>
+            <a:endParaRPr lang="en-US" sz="2000" dirty="0" smtClean="0">
+              <a:latin typeface="Consolas" panose="020B0609020204030204" pitchFamily="49" charset="0"/>
+              <a:cs typeface="Consolas" panose="020B0609020204030204" pitchFamily="49" charset="0"/>
+            </a:endParaRPr>
+          </a:p>
+          <a:p>
+            <a:pPr marL="0" indent="0">
+              <a:buNone/>
+            </a:pPr>
+            <a:r>
+              <a:rPr lang="en-US" sz="2000" dirty="0" smtClean="0">
+                <a:solidFill>
+                  <a:schemeClr val="accent5">
+                    <a:lumMod val="75000"/>
+                  </a:schemeClr>
+                </a:solidFill>
+                <a:latin typeface="Consolas" panose="020B0609020204030204" pitchFamily="49" charset="0"/>
+                <a:cs typeface="Consolas" panose="020B0609020204030204" pitchFamily="49" charset="0"/>
+              </a:rPr>
+              <a:t>store(g)</a:t>
+            </a:r>
+            <a:endParaRPr lang="de-CH" sz="2000" dirty="0">
+              <a:solidFill>
+                <a:schemeClr val="accent5">
+                  <a:lumMod val="75000"/>
+                </a:schemeClr>
+              </a:solidFill>
+              <a:latin typeface="Consolas" panose="020B0609020204030204" pitchFamily="49" charset="0"/>
+              <a:cs typeface="Consolas" panose="020B0609020204030204" pitchFamily="49" charset="0"/>
+            </a:endParaRPr>
+          </a:p>
+        </p:txBody>
+      </p:sp>
+      <p:sp>
+        <p:nvSpPr>
+          <p:cNvPr id="10" name="Textplatzhalter 9"/>
+          <p:cNvSpPr>
+            <a:spLocks noGrp="1"/>
+          </p:cNvSpPr>
+          <p:nvPr>
+            <p:ph type="body" sz="quarter" idx="3"/>
+          </p:nvPr>
+        </p:nvSpPr>
+        <p:spPr>
+          <a:xfrm>
+            <a:off x="2837778" y="1508633"/>
+            <a:ext cx="5183188" cy="823912"/>
+          </a:xfrm>
+        </p:spPr>
+        <p:txBody>
+          <a:bodyPr/>
+          <a:lstStyle/>
+          <a:p>
+            <a:r>
+              <a:rPr lang="en-US" sz="2150" dirty="0" smtClean="0"/>
+              <a:t>Rescheduled</a:t>
+            </a:r>
+            <a:endParaRPr lang="de-CH" sz="2150" dirty="0"/>
+          </a:p>
+        </p:txBody>
+      </p:sp>
+      <p:sp>
+        <p:nvSpPr>
+          <p:cNvPr id="11" name="Inhaltsplatzhalter 10"/>
+          <p:cNvSpPr>
+            <a:spLocks noGrp="1"/>
+          </p:cNvSpPr>
+          <p:nvPr>
+            <p:ph sz="quarter" idx="4"/>
+          </p:nvPr>
+        </p:nvSpPr>
+        <p:spPr>
+          <a:xfrm>
+            <a:off x="2837778" y="2332545"/>
+            <a:ext cx="5183188" cy="3684588"/>
+          </a:xfrm>
+        </p:spPr>
+        <p:txBody>
+          <a:bodyPr>
+            <a:noAutofit/>
+          </a:bodyPr>
+          <a:lstStyle/>
+          <a:p>
+            <a:pPr marL="0" indent="0">
+              <a:lnSpc>
+                <a:spcPct val="80000"/>
+              </a:lnSpc>
+              <a:buNone/>
+            </a:pPr>
+            <a:r>
+              <a:rPr lang="en-US" sz="1900" dirty="0" smtClean="0">
+                <a:solidFill>
+                  <a:schemeClr val="accent6">
+                    <a:lumMod val="75000"/>
+                  </a:schemeClr>
+                </a:solidFill>
+                <a:latin typeface="Consolas" panose="020B0609020204030204" pitchFamily="49" charset="0"/>
+                <a:cs typeface="Consolas" panose="020B0609020204030204" pitchFamily="49" charset="0"/>
+              </a:rPr>
+              <a:t>a </a:t>
+            </a:r>
+            <a:r>
+              <a:rPr lang="en-US" sz="1900" dirty="0">
+                <a:solidFill>
+                  <a:schemeClr val="accent6">
+                    <a:lumMod val="75000"/>
+                  </a:schemeClr>
+                </a:solidFill>
+                <a:latin typeface="Consolas" panose="020B0609020204030204" pitchFamily="49" charset="0"/>
+                <a:cs typeface="Consolas" panose="020B0609020204030204" pitchFamily="49" charset="0"/>
+              </a:rPr>
+              <a:t>= load()</a:t>
+            </a:r>
+          </a:p>
+          <a:p>
+            <a:pPr marL="0" indent="0">
+              <a:lnSpc>
+                <a:spcPct val="80000"/>
+              </a:lnSpc>
+              <a:buNone/>
+            </a:pPr>
+            <a:r>
+              <a:rPr lang="en-US" sz="1900" dirty="0">
+                <a:solidFill>
+                  <a:schemeClr val="accent6">
+                    <a:lumMod val="75000"/>
+                  </a:schemeClr>
+                </a:solidFill>
+                <a:latin typeface="Consolas" panose="020B0609020204030204" pitchFamily="49" charset="0"/>
+                <a:cs typeface="Consolas" panose="020B0609020204030204" pitchFamily="49" charset="0"/>
+              </a:rPr>
+              <a:t>b = load</a:t>
+            </a:r>
+            <a:r>
+              <a:rPr lang="en-US" sz="1900" dirty="0" smtClean="0">
+                <a:solidFill>
+                  <a:schemeClr val="accent6">
+                    <a:lumMod val="75000"/>
+                  </a:schemeClr>
+                </a:solidFill>
+                <a:latin typeface="Consolas" panose="020B0609020204030204" pitchFamily="49" charset="0"/>
+                <a:cs typeface="Consolas" panose="020B0609020204030204" pitchFamily="49" charset="0"/>
+              </a:rPr>
+              <a:t>()</a:t>
+            </a:r>
+          </a:p>
+          <a:p>
+            <a:pPr marL="0" indent="0">
+              <a:lnSpc>
+                <a:spcPct val="80000"/>
+              </a:lnSpc>
+              <a:buNone/>
+            </a:pPr>
+            <a:r>
+              <a:rPr lang="en-US" sz="1900" dirty="0">
+                <a:solidFill>
+                  <a:schemeClr val="accent2">
+                    <a:lumMod val="75000"/>
+                  </a:schemeClr>
+                </a:solidFill>
+                <a:latin typeface="Consolas" panose="020B0609020204030204" pitchFamily="49" charset="0"/>
+                <a:cs typeface="Consolas" panose="020B0609020204030204" pitchFamily="49" charset="0"/>
+              </a:rPr>
+              <a:t>e = add(</a:t>
+            </a:r>
+            <a:r>
+              <a:rPr lang="en-US" sz="1900" dirty="0" err="1">
+                <a:solidFill>
+                  <a:schemeClr val="accent2">
+                    <a:lumMod val="75000"/>
+                  </a:schemeClr>
+                </a:solidFill>
+                <a:latin typeface="Consolas" panose="020B0609020204030204" pitchFamily="49" charset="0"/>
+                <a:cs typeface="Consolas" panose="020B0609020204030204" pitchFamily="49" charset="0"/>
+              </a:rPr>
+              <a:t>a,b</a:t>
+            </a:r>
+            <a:r>
+              <a:rPr lang="en-US" sz="1900" dirty="0" smtClean="0">
+                <a:solidFill>
+                  <a:schemeClr val="accent2">
+                    <a:lumMod val="75000"/>
+                  </a:schemeClr>
+                </a:solidFill>
+                <a:latin typeface="Consolas" panose="020B0609020204030204" pitchFamily="49" charset="0"/>
+                <a:cs typeface="Consolas" panose="020B0609020204030204" pitchFamily="49" charset="0"/>
+              </a:rPr>
+              <a:t>)</a:t>
+            </a:r>
+            <a:endParaRPr lang="en-US" sz="1900" dirty="0">
+              <a:solidFill>
+                <a:schemeClr val="accent2">
+                  <a:lumMod val="75000"/>
+                </a:schemeClr>
+              </a:solidFill>
+              <a:latin typeface="Consolas" panose="020B0609020204030204" pitchFamily="49" charset="0"/>
+              <a:cs typeface="Consolas" panose="020B0609020204030204" pitchFamily="49" charset="0"/>
+            </a:endParaRPr>
+          </a:p>
+          <a:p>
+            <a:pPr marL="0" indent="0">
+              <a:lnSpc>
+                <a:spcPct val="80000"/>
+              </a:lnSpc>
+              <a:buNone/>
+            </a:pPr>
+            <a:endParaRPr lang="en-US" sz="1900" dirty="0" smtClean="0">
+              <a:latin typeface="Consolas" panose="020B0609020204030204" pitchFamily="49" charset="0"/>
+              <a:cs typeface="Consolas" panose="020B0609020204030204" pitchFamily="49" charset="0"/>
+            </a:endParaRPr>
+          </a:p>
+          <a:p>
+            <a:pPr marL="0" indent="0">
+              <a:lnSpc>
+                <a:spcPct val="80000"/>
+              </a:lnSpc>
+              <a:buNone/>
+            </a:pPr>
+            <a:r>
+              <a:rPr lang="en-US" sz="1900" dirty="0" smtClean="0">
+                <a:solidFill>
+                  <a:schemeClr val="accent6">
+                    <a:lumMod val="75000"/>
+                  </a:schemeClr>
+                </a:solidFill>
+                <a:latin typeface="Consolas" panose="020B0609020204030204" pitchFamily="49" charset="0"/>
+                <a:cs typeface="Consolas" panose="020B0609020204030204" pitchFamily="49" charset="0"/>
+              </a:rPr>
+              <a:t>c </a:t>
+            </a:r>
+            <a:r>
+              <a:rPr lang="en-US" sz="1900" dirty="0">
+                <a:solidFill>
+                  <a:schemeClr val="accent6">
+                    <a:lumMod val="75000"/>
+                  </a:schemeClr>
+                </a:solidFill>
+                <a:latin typeface="Consolas" panose="020B0609020204030204" pitchFamily="49" charset="0"/>
+                <a:cs typeface="Consolas" panose="020B0609020204030204" pitchFamily="49" charset="0"/>
+              </a:rPr>
+              <a:t>= load()</a:t>
+            </a:r>
+          </a:p>
+          <a:p>
+            <a:pPr marL="0" indent="0">
+              <a:lnSpc>
+                <a:spcPct val="80000"/>
+              </a:lnSpc>
+              <a:buNone/>
+            </a:pPr>
+            <a:r>
+              <a:rPr lang="en-US" sz="1900" dirty="0">
+                <a:solidFill>
+                  <a:schemeClr val="accent6">
+                    <a:lumMod val="75000"/>
+                  </a:schemeClr>
+                </a:solidFill>
+                <a:latin typeface="Consolas" panose="020B0609020204030204" pitchFamily="49" charset="0"/>
+                <a:cs typeface="Consolas" panose="020B0609020204030204" pitchFamily="49" charset="0"/>
+              </a:rPr>
+              <a:t>d = load</a:t>
+            </a:r>
+            <a:r>
+              <a:rPr lang="en-US" sz="1900" dirty="0" smtClean="0">
+                <a:solidFill>
+                  <a:schemeClr val="accent6">
+                    <a:lumMod val="75000"/>
+                  </a:schemeClr>
+                </a:solidFill>
+                <a:latin typeface="Consolas" panose="020B0609020204030204" pitchFamily="49" charset="0"/>
+                <a:cs typeface="Consolas" panose="020B0609020204030204" pitchFamily="49" charset="0"/>
+              </a:rPr>
+              <a:t>()</a:t>
+            </a:r>
+          </a:p>
+          <a:p>
+            <a:pPr marL="0" indent="0">
+              <a:lnSpc>
+                <a:spcPct val="80000"/>
+              </a:lnSpc>
+              <a:buNone/>
+            </a:pPr>
+            <a:r>
+              <a:rPr lang="en-US" sz="1900" dirty="0" smtClean="0">
+                <a:solidFill>
+                  <a:schemeClr val="accent2">
+                    <a:lumMod val="75000"/>
+                  </a:schemeClr>
+                </a:solidFill>
+                <a:latin typeface="Consolas" panose="020B0609020204030204" pitchFamily="49" charset="0"/>
+                <a:cs typeface="Consolas" panose="020B0609020204030204" pitchFamily="49" charset="0"/>
+              </a:rPr>
+              <a:t>f </a:t>
+            </a:r>
+            <a:r>
+              <a:rPr lang="en-US" sz="1900" dirty="0">
+                <a:solidFill>
+                  <a:schemeClr val="accent2">
+                    <a:lumMod val="75000"/>
+                  </a:schemeClr>
+                </a:solidFill>
+                <a:latin typeface="Consolas" panose="020B0609020204030204" pitchFamily="49" charset="0"/>
+                <a:cs typeface="Consolas" panose="020B0609020204030204" pitchFamily="49" charset="0"/>
+              </a:rPr>
+              <a:t>= add(</a:t>
+            </a:r>
+            <a:r>
+              <a:rPr lang="en-US" sz="1900" dirty="0" err="1">
+                <a:solidFill>
+                  <a:schemeClr val="accent2">
+                    <a:lumMod val="75000"/>
+                  </a:schemeClr>
+                </a:solidFill>
+                <a:latin typeface="Consolas" panose="020B0609020204030204" pitchFamily="49" charset="0"/>
+                <a:cs typeface="Consolas" panose="020B0609020204030204" pitchFamily="49" charset="0"/>
+              </a:rPr>
+              <a:t>c,d</a:t>
+            </a:r>
+            <a:r>
+              <a:rPr lang="en-US" sz="1900" dirty="0" smtClean="0">
+                <a:solidFill>
+                  <a:schemeClr val="accent2">
+                    <a:lumMod val="75000"/>
+                  </a:schemeClr>
+                </a:solidFill>
+                <a:latin typeface="Consolas" panose="020B0609020204030204" pitchFamily="49" charset="0"/>
+                <a:cs typeface="Consolas" panose="020B0609020204030204" pitchFamily="49" charset="0"/>
+              </a:rPr>
+              <a:t>)</a:t>
+            </a:r>
+            <a:endParaRPr lang="en-US" sz="1900" dirty="0">
+              <a:solidFill>
+                <a:schemeClr val="accent2">
+                  <a:lumMod val="75000"/>
+                </a:schemeClr>
+              </a:solidFill>
+              <a:latin typeface="Consolas" panose="020B0609020204030204" pitchFamily="49" charset="0"/>
+              <a:cs typeface="Consolas" panose="020B0609020204030204" pitchFamily="49" charset="0"/>
+            </a:endParaRPr>
+          </a:p>
+          <a:p>
+            <a:pPr marL="0" indent="0">
+              <a:lnSpc>
+                <a:spcPct val="80000"/>
+              </a:lnSpc>
+              <a:buNone/>
+            </a:pPr>
+            <a:endParaRPr lang="en-US" sz="1900" dirty="0" smtClean="0">
+              <a:latin typeface="Consolas" panose="020B0609020204030204" pitchFamily="49" charset="0"/>
+              <a:cs typeface="Consolas" panose="020B0609020204030204" pitchFamily="49" charset="0"/>
+            </a:endParaRPr>
+          </a:p>
+          <a:p>
+            <a:pPr marL="0" indent="0">
+              <a:lnSpc>
+                <a:spcPct val="80000"/>
+              </a:lnSpc>
+              <a:buNone/>
+            </a:pPr>
+            <a:r>
+              <a:rPr lang="en-US" sz="1900" dirty="0" smtClean="0">
+                <a:solidFill>
+                  <a:schemeClr val="accent2">
+                    <a:lumMod val="75000"/>
+                  </a:schemeClr>
+                </a:solidFill>
+                <a:latin typeface="Consolas" panose="020B0609020204030204" pitchFamily="49" charset="0"/>
+                <a:cs typeface="Consolas" panose="020B0609020204030204" pitchFamily="49" charset="0"/>
+              </a:rPr>
+              <a:t>g </a:t>
+            </a:r>
+            <a:r>
+              <a:rPr lang="en-US" sz="1900" dirty="0">
+                <a:solidFill>
+                  <a:schemeClr val="accent2">
+                    <a:lumMod val="75000"/>
+                  </a:schemeClr>
+                </a:solidFill>
+                <a:latin typeface="Consolas" panose="020B0609020204030204" pitchFamily="49" charset="0"/>
+                <a:cs typeface="Consolas" panose="020B0609020204030204" pitchFamily="49" charset="0"/>
+              </a:rPr>
+              <a:t>= add(</a:t>
+            </a:r>
+            <a:r>
+              <a:rPr lang="en-US" sz="1900" dirty="0" err="1">
+                <a:solidFill>
+                  <a:schemeClr val="accent2">
+                    <a:lumMod val="75000"/>
+                  </a:schemeClr>
+                </a:solidFill>
+                <a:latin typeface="Consolas" panose="020B0609020204030204" pitchFamily="49" charset="0"/>
+                <a:cs typeface="Consolas" panose="020B0609020204030204" pitchFamily="49" charset="0"/>
+              </a:rPr>
+              <a:t>e,f</a:t>
+            </a:r>
+            <a:r>
+              <a:rPr lang="en-US" sz="1900" dirty="0" smtClean="0">
+                <a:solidFill>
+                  <a:schemeClr val="accent2">
+                    <a:lumMod val="75000"/>
+                  </a:schemeClr>
+                </a:solidFill>
+                <a:latin typeface="Consolas" panose="020B0609020204030204" pitchFamily="49" charset="0"/>
+                <a:cs typeface="Consolas" panose="020B0609020204030204" pitchFamily="49" charset="0"/>
+              </a:rPr>
+              <a:t>)</a:t>
+            </a:r>
+            <a:endParaRPr lang="en-US" sz="1900" dirty="0">
+              <a:latin typeface="Consolas" panose="020B0609020204030204" pitchFamily="49" charset="0"/>
+              <a:cs typeface="Consolas" panose="020B0609020204030204" pitchFamily="49" charset="0"/>
+            </a:endParaRPr>
+          </a:p>
+          <a:p>
+            <a:pPr marL="0" indent="0">
+              <a:lnSpc>
+                <a:spcPct val="80000"/>
+              </a:lnSpc>
+              <a:buNone/>
+            </a:pPr>
+            <a:r>
+              <a:rPr lang="en-US" sz="1900" dirty="0">
+                <a:solidFill>
+                  <a:schemeClr val="accent5">
+                    <a:lumMod val="75000"/>
+                  </a:schemeClr>
+                </a:solidFill>
+                <a:latin typeface="Consolas" panose="020B0609020204030204" pitchFamily="49" charset="0"/>
+                <a:cs typeface="Consolas" panose="020B0609020204030204" pitchFamily="49" charset="0"/>
+              </a:rPr>
+              <a:t>store(g</a:t>
+            </a:r>
+            <a:r>
+              <a:rPr lang="en-US" sz="1900" dirty="0" smtClean="0">
+                <a:solidFill>
+                  <a:schemeClr val="accent5">
+                    <a:lumMod val="75000"/>
+                  </a:schemeClr>
+                </a:solidFill>
+                <a:latin typeface="Consolas" panose="020B0609020204030204" pitchFamily="49" charset="0"/>
+                <a:cs typeface="Consolas" panose="020B0609020204030204" pitchFamily="49" charset="0"/>
+              </a:rPr>
+              <a:t>)</a:t>
+            </a:r>
+            <a:endParaRPr lang="de-CH" sz="1900" dirty="0">
+              <a:solidFill>
+                <a:schemeClr val="accent5">
+                  <a:lumMod val="75000"/>
+                </a:schemeClr>
+              </a:solidFill>
+              <a:latin typeface="Consolas" panose="020B0609020204030204" pitchFamily="49" charset="0"/>
+              <a:cs typeface="Consolas" panose="020B0609020204030204" pitchFamily="49" charset="0"/>
+            </a:endParaRPr>
+          </a:p>
+        </p:txBody>
+      </p:sp>
+      <p:sp>
+        <p:nvSpPr>
+          <p:cNvPr id="2" name="Datumsplatzhalter 1"/>
+          <p:cNvSpPr>
+            <a:spLocks noGrp="1"/>
+          </p:cNvSpPr>
+          <p:nvPr>
+            <p:ph type="dt" sz="half" idx="10"/>
+          </p:nvPr>
+        </p:nvSpPr>
+        <p:spPr/>
+        <p:txBody>
+          <a:bodyPr/>
+          <a:lstStyle/>
+          <a:p>
+            <a:r>
+              <a:rPr lang="de-CH" smtClean="0"/>
+              <a:t>30.05.2014</a:t>
+            </a:r>
+            <a:endParaRPr lang="de-CH"/>
+          </a:p>
+        </p:txBody>
+      </p:sp>
+      <p:sp>
+        <p:nvSpPr>
+          <p:cNvPr id="4" name="Fußzeilenplatzhalter 3"/>
+          <p:cNvSpPr>
+            <a:spLocks noGrp="1"/>
+          </p:cNvSpPr>
+          <p:nvPr>
+            <p:ph type="ftr" sz="quarter" idx="11"/>
+          </p:nvPr>
+        </p:nvSpPr>
+        <p:spPr/>
+        <p:txBody>
+          <a:bodyPr/>
+          <a:lstStyle/>
+          <a:p>
+            <a:r>
+              <a:rPr lang="en-US" smtClean="0"/>
+              <a:t>Fast Numerical Code: Optimal Binary Search Trees</a:t>
+            </a:r>
+            <a:endParaRPr lang="de-CH"/>
+          </a:p>
+        </p:txBody>
+      </p:sp>
+      <p:sp>
+        <p:nvSpPr>
+          <p:cNvPr id="5" name="Foliennummernplatzhalter 4"/>
+          <p:cNvSpPr>
+            <a:spLocks noGrp="1"/>
+          </p:cNvSpPr>
+          <p:nvPr>
+            <p:ph type="sldNum" sz="quarter" idx="12"/>
+          </p:nvPr>
+        </p:nvSpPr>
+        <p:spPr/>
+        <p:txBody>
+          <a:bodyPr/>
+          <a:lstStyle/>
+          <a:p>
+            <a:fld id="{2D8749EF-89F5-4D06-B99F-6591C5814168}" type="slidenum">
+              <a:rPr lang="de-CH" smtClean="0"/>
+              <a:t>31</a:t>
+            </a:fld>
+            <a:endParaRPr lang="de-CH"/>
+          </a:p>
+        </p:txBody>
+      </p:sp>
+    </p:spTree>
+    <p:extLst>
+      <p:ext uri="{BB962C8B-B14F-4D97-AF65-F5344CB8AC3E}">
+        <p14:creationId xmlns:p14="http://schemas.microsoft.com/office/powerpoint/2010/main" val="1969679481"/>
+      </p:ext>
+    </p:extLst>
+  </p:cSld>
+  <p:clrMapOvr>
+    <a:masterClrMapping/>
+  </p:clrMapOvr>
+  <p:timing>
+    <p:tnLst>
+      <p:par>
+        <p:cTn id="1" dur="indefinite" restart="never" nodeType="tmRoot"/>
+      </p:par>
+    </p:tnLst>
+  </p:timing>
+</p:sld>
+</file>
+
+<file path=ppt/slides/slide32.xml><?xml version="1.0" encoding="utf-8"?>
+<p:sld xmlns:a="http://schemas.openxmlformats.org/drawingml/2006/main" xmlns:r="http://schemas.openxmlformats.org/officeDocument/2006/relationships" xmlns:p="http://schemas.openxmlformats.org/presentationml/2006/main">
+  <p:cSld>
+    <p:spTree>
+      <p:nvGrpSpPr>
+        <p:cNvPr id="1" name=""/>
+        <p:cNvGrpSpPr/>
+        <p:nvPr/>
+      </p:nvGrpSpPr>
+      <p:grpSpPr>
+        <a:xfrm>
+          <a:off x="0" y="0"/>
+          <a:ext cx="0" cy="0"/>
+          <a:chOff x="0" y="0"/>
+          <a:chExt cx="0" cy="0"/>
+        </a:xfrm>
+      </p:grpSpPr>
+      <p:pic>
+        <p:nvPicPr>
+          <p:cNvPr id="12" name="Inhaltsplatzhalter 11"/>
+          <p:cNvPicPr>
+            <a:picLocks noChangeAspect="1"/>
+          </p:cNvPicPr>
+          <p:nvPr/>
+        </p:nvPicPr>
+        <p:blipFill>
+          <a:blip r:embed="rId2">
+            <a:extLst>
+              <a:ext uri="{28A0092B-C50C-407E-A947-70E740481C1C}">
+                <a14:useLocalDpi xmlns:a14="http://schemas.microsoft.com/office/drawing/2010/main" val="0"/>
+              </a:ext>
+            </a:extLst>
+          </a:blip>
+          <a:stretch>
+            <a:fillRect/>
+          </a:stretch>
+        </p:blipFill>
+        <p:spPr>
+          <a:xfrm>
+            <a:off x="4947746" y="1825625"/>
+            <a:ext cx="6816745" cy="4351338"/>
+          </a:xfrm>
+          <a:prstGeom prst="rect">
+            <a:avLst/>
+          </a:prstGeom>
+        </p:spPr>
+      </p:pic>
+      <p:sp>
+        <p:nvSpPr>
+          <p:cNvPr id="6" name="Titel 5"/>
+          <p:cNvSpPr>
+            <a:spLocks noGrp="1"/>
+          </p:cNvSpPr>
+          <p:nvPr>
+            <p:ph type="title"/>
+          </p:nvPr>
+        </p:nvSpPr>
+        <p:spPr/>
+        <p:txBody>
+          <a:bodyPr/>
+          <a:lstStyle/>
+          <a:p>
+            <a:r>
+              <a:rPr lang="en-US" dirty="0" err="1" smtClean="0"/>
+              <a:t>Vectorization</a:t>
+            </a:r>
+            <a:r>
+              <a:rPr lang="en-US" dirty="0" smtClean="0"/>
+              <a:t> Issues: Scheduling</a:t>
+            </a:r>
+            <a:endParaRPr lang="de-CH" dirty="0"/>
+          </a:p>
+        </p:txBody>
+      </p:sp>
+      <p:sp>
+        <p:nvSpPr>
+          <p:cNvPr id="3" name="Textplatzhalter 2"/>
+          <p:cNvSpPr>
+            <a:spLocks noGrp="1"/>
+          </p:cNvSpPr>
+          <p:nvPr>
+            <p:ph type="body" idx="1"/>
+          </p:nvPr>
+        </p:nvSpPr>
+        <p:spPr>
+          <a:xfrm>
+            <a:off x="839788" y="1508633"/>
+            <a:ext cx="2084567" cy="823912"/>
+          </a:xfrm>
+        </p:spPr>
+        <p:txBody>
+          <a:bodyPr/>
+          <a:lstStyle/>
+          <a:p>
+            <a:r>
+              <a:rPr lang="en-US" sz="2150" dirty="0" smtClean="0"/>
+              <a:t>Standard</a:t>
+            </a:r>
+            <a:endParaRPr lang="de-CH" sz="2150" dirty="0"/>
+          </a:p>
+        </p:txBody>
+      </p:sp>
+      <p:sp>
+        <p:nvSpPr>
+          <p:cNvPr id="9" name="Inhaltsplatzhalter 8"/>
+          <p:cNvSpPr>
+            <a:spLocks noGrp="1"/>
+          </p:cNvSpPr>
+          <p:nvPr>
+            <p:ph sz="half" idx="2"/>
+          </p:nvPr>
+        </p:nvSpPr>
+        <p:spPr>
+          <a:xfrm>
+            <a:off x="839788" y="2332545"/>
+            <a:ext cx="5157787" cy="3684588"/>
+          </a:xfrm>
+        </p:spPr>
+        <p:txBody>
+          <a:bodyPr>
+            <a:normAutofit fontScale="92500" lnSpcReduction="10000"/>
+          </a:bodyPr>
+          <a:lstStyle/>
+          <a:p>
+            <a:pPr marL="0" indent="0">
+              <a:buNone/>
+            </a:pPr>
+            <a:r>
+              <a:rPr lang="en-US" sz="2000" dirty="0" smtClean="0">
+                <a:solidFill>
+                  <a:schemeClr val="accent6">
+                    <a:lumMod val="75000"/>
+                  </a:schemeClr>
+                </a:solidFill>
+                <a:latin typeface="Consolas" panose="020B0609020204030204" pitchFamily="49" charset="0"/>
+                <a:cs typeface="Consolas" panose="020B0609020204030204" pitchFamily="49" charset="0"/>
+              </a:rPr>
+              <a:t>a = load()</a:t>
+            </a:r>
+          </a:p>
+          <a:p>
+            <a:pPr marL="0" indent="0">
+              <a:buNone/>
+            </a:pPr>
+            <a:r>
+              <a:rPr lang="en-US" sz="2000" dirty="0" smtClean="0">
+                <a:solidFill>
+                  <a:schemeClr val="accent6">
+                    <a:lumMod val="75000"/>
+                  </a:schemeClr>
+                </a:solidFill>
+                <a:latin typeface="Consolas" panose="020B0609020204030204" pitchFamily="49" charset="0"/>
+                <a:cs typeface="Consolas" panose="020B0609020204030204" pitchFamily="49" charset="0"/>
+              </a:rPr>
+              <a:t>b = load()</a:t>
+            </a:r>
+          </a:p>
+          <a:p>
+            <a:pPr marL="0" indent="0">
+              <a:buNone/>
+            </a:pPr>
+            <a:r>
+              <a:rPr lang="en-US" sz="2000" dirty="0" smtClean="0">
+                <a:solidFill>
+                  <a:schemeClr val="accent6">
+                    <a:lumMod val="75000"/>
+                  </a:schemeClr>
+                </a:solidFill>
+                <a:latin typeface="Consolas" panose="020B0609020204030204" pitchFamily="49" charset="0"/>
+                <a:cs typeface="Consolas" panose="020B0609020204030204" pitchFamily="49" charset="0"/>
+              </a:rPr>
+              <a:t>c = load()</a:t>
+            </a:r>
+          </a:p>
+          <a:p>
+            <a:pPr marL="0" indent="0">
+              <a:buNone/>
+            </a:pPr>
+            <a:r>
+              <a:rPr lang="en-US" sz="2000" dirty="0" smtClean="0">
+                <a:solidFill>
+                  <a:schemeClr val="accent6">
+                    <a:lumMod val="75000"/>
+                  </a:schemeClr>
+                </a:solidFill>
+                <a:latin typeface="Consolas" panose="020B0609020204030204" pitchFamily="49" charset="0"/>
+                <a:cs typeface="Consolas" panose="020B0609020204030204" pitchFamily="49" charset="0"/>
+              </a:rPr>
+              <a:t>d = load()</a:t>
+            </a:r>
+          </a:p>
+          <a:p>
+            <a:pPr marL="0" indent="0">
+              <a:buNone/>
+            </a:pPr>
+            <a:endParaRPr lang="en-US" sz="2000" dirty="0" smtClean="0">
+              <a:latin typeface="Consolas" panose="020B0609020204030204" pitchFamily="49" charset="0"/>
+              <a:cs typeface="Consolas" panose="020B0609020204030204" pitchFamily="49" charset="0"/>
+            </a:endParaRPr>
+          </a:p>
+          <a:p>
+            <a:pPr marL="0" indent="0">
+              <a:buNone/>
+            </a:pPr>
+            <a:r>
+              <a:rPr lang="en-US" sz="2000" dirty="0" smtClean="0">
+                <a:solidFill>
+                  <a:schemeClr val="accent2">
+                    <a:lumMod val="75000"/>
+                  </a:schemeClr>
+                </a:solidFill>
+                <a:latin typeface="Consolas" panose="020B0609020204030204" pitchFamily="49" charset="0"/>
+                <a:cs typeface="Consolas" panose="020B0609020204030204" pitchFamily="49" charset="0"/>
+              </a:rPr>
+              <a:t>e = add(</a:t>
+            </a:r>
+            <a:r>
+              <a:rPr lang="en-US" sz="2000" dirty="0" err="1" smtClean="0">
+                <a:solidFill>
+                  <a:schemeClr val="accent2">
+                    <a:lumMod val="75000"/>
+                  </a:schemeClr>
+                </a:solidFill>
+                <a:latin typeface="Consolas" panose="020B0609020204030204" pitchFamily="49" charset="0"/>
+                <a:cs typeface="Consolas" panose="020B0609020204030204" pitchFamily="49" charset="0"/>
+              </a:rPr>
+              <a:t>a,b</a:t>
+            </a:r>
+            <a:r>
+              <a:rPr lang="en-US" sz="2000" dirty="0" smtClean="0">
+                <a:solidFill>
+                  <a:schemeClr val="accent2">
+                    <a:lumMod val="75000"/>
+                  </a:schemeClr>
+                </a:solidFill>
+                <a:latin typeface="Consolas" panose="020B0609020204030204" pitchFamily="49" charset="0"/>
+                <a:cs typeface="Consolas" panose="020B0609020204030204" pitchFamily="49" charset="0"/>
+              </a:rPr>
+              <a:t>)</a:t>
+            </a:r>
+          </a:p>
+          <a:p>
+            <a:pPr marL="0" indent="0">
+              <a:buNone/>
+            </a:pPr>
+            <a:r>
+              <a:rPr lang="en-US" sz="2000" dirty="0" smtClean="0">
+                <a:solidFill>
+                  <a:schemeClr val="accent2">
+                    <a:lumMod val="75000"/>
+                  </a:schemeClr>
+                </a:solidFill>
+                <a:latin typeface="Consolas" panose="020B0609020204030204" pitchFamily="49" charset="0"/>
+                <a:cs typeface="Consolas" panose="020B0609020204030204" pitchFamily="49" charset="0"/>
+              </a:rPr>
+              <a:t>f = add(</a:t>
+            </a:r>
+            <a:r>
+              <a:rPr lang="en-US" sz="2000" dirty="0" err="1" smtClean="0">
+                <a:solidFill>
+                  <a:schemeClr val="accent2">
+                    <a:lumMod val="75000"/>
+                  </a:schemeClr>
+                </a:solidFill>
+                <a:latin typeface="Consolas" panose="020B0609020204030204" pitchFamily="49" charset="0"/>
+                <a:cs typeface="Consolas" panose="020B0609020204030204" pitchFamily="49" charset="0"/>
+              </a:rPr>
+              <a:t>c,d</a:t>
+            </a:r>
+            <a:r>
+              <a:rPr lang="en-US" sz="2000" dirty="0" smtClean="0">
+                <a:solidFill>
+                  <a:schemeClr val="accent2">
+                    <a:lumMod val="75000"/>
+                  </a:schemeClr>
+                </a:solidFill>
+                <a:latin typeface="Consolas" panose="020B0609020204030204" pitchFamily="49" charset="0"/>
+                <a:cs typeface="Consolas" panose="020B0609020204030204" pitchFamily="49" charset="0"/>
+              </a:rPr>
+              <a:t>)</a:t>
+            </a:r>
+          </a:p>
+          <a:p>
+            <a:pPr marL="0" indent="0">
+              <a:buNone/>
+            </a:pPr>
+            <a:r>
+              <a:rPr lang="en-US" sz="2000" dirty="0" smtClean="0">
+                <a:solidFill>
+                  <a:schemeClr val="accent2">
+                    <a:lumMod val="75000"/>
+                  </a:schemeClr>
+                </a:solidFill>
+                <a:latin typeface="Consolas" panose="020B0609020204030204" pitchFamily="49" charset="0"/>
+                <a:cs typeface="Consolas" panose="020B0609020204030204" pitchFamily="49" charset="0"/>
+              </a:rPr>
+              <a:t>g = add(</a:t>
+            </a:r>
+            <a:r>
+              <a:rPr lang="en-US" sz="2000" dirty="0" err="1" smtClean="0">
+                <a:solidFill>
+                  <a:schemeClr val="accent2">
+                    <a:lumMod val="75000"/>
+                  </a:schemeClr>
+                </a:solidFill>
+                <a:latin typeface="Consolas" panose="020B0609020204030204" pitchFamily="49" charset="0"/>
+                <a:cs typeface="Consolas" panose="020B0609020204030204" pitchFamily="49" charset="0"/>
+              </a:rPr>
+              <a:t>e,f</a:t>
+            </a:r>
+            <a:r>
+              <a:rPr lang="en-US" sz="2000" dirty="0" smtClean="0">
+                <a:solidFill>
+                  <a:schemeClr val="accent2">
+                    <a:lumMod val="75000"/>
+                  </a:schemeClr>
+                </a:solidFill>
+                <a:latin typeface="Consolas" panose="020B0609020204030204" pitchFamily="49" charset="0"/>
+                <a:cs typeface="Consolas" panose="020B0609020204030204" pitchFamily="49" charset="0"/>
+              </a:rPr>
+              <a:t>)</a:t>
+            </a:r>
+          </a:p>
+          <a:p>
+            <a:pPr marL="0" indent="0">
+              <a:buNone/>
+            </a:pPr>
+            <a:endParaRPr lang="en-US" sz="2000" dirty="0" smtClean="0">
+              <a:latin typeface="Consolas" panose="020B0609020204030204" pitchFamily="49" charset="0"/>
+              <a:cs typeface="Consolas" panose="020B0609020204030204" pitchFamily="49" charset="0"/>
+            </a:endParaRPr>
+          </a:p>
+          <a:p>
+            <a:pPr marL="0" indent="0">
+              <a:buNone/>
+            </a:pPr>
+            <a:r>
+              <a:rPr lang="en-US" sz="2000" dirty="0" smtClean="0">
+                <a:solidFill>
+                  <a:schemeClr val="accent5">
+                    <a:lumMod val="75000"/>
+                  </a:schemeClr>
+                </a:solidFill>
+                <a:latin typeface="Consolas" panose="020B0609020204030204" pitchFamily="49" charset="0"/>
+                <a:cs typeface="Consolas" panose="020B0609020204030204" pitchFamily="49" charset="0"/>
+              </a:rPr>
+              <a:t>store(g)</a:t>
+            </a:r>
+            <a:endParaRPr lang="de-CH" sz="2000" dirty="0">
+              <a:solidFill>
+                <a:schemeClr val="accent5">
+                  <a:lumMod val="75000"/>
+                </a:schemeClr>
+              </a:solidFill>
+              <a:latin typeface="Consolas" panose="020B0609020204030204" pitchFamily="49" charset="0"/>
+              <a:cs typeface="Consolas" panose="020B0609020204030204" pitchFamily="49" charset="0"/>
+            </a:endParaRPr>
+          </a:p>
+        </p:txBody>
+      </p:sp>
+      <p:sp>
+        <p:nvSpPr>
+          <p:cNvPr id="10" name="Textplatzhalter 9"/>
+          <p:cNvSpPr>
+            <a:spLocks noGrp="1"/>
+          </p:cNvSpPr>
+          <p:nvPr>
+            <p:ph type="body" sz="quarter" idx="3"/>
+          </p:nvPr>
+        </p:nvSpPr>
+        <p:spPr>
+          <a:xfrm>
+            <a:off x="2837778" y="1508633"/>
+            <a:ext cx="5183188" cy="823912"/>
+          </a:xfrm>
+        </p:spPr>
+        <p:txBody>
+          <a:bodyPr/>
+          <a:lstStyle/>
+          <a:p>
+            <a:r>
+              <a:rPr lang="en-US" sz="2150" dirty="0" smtClean="0"/>
+              <a:t>Rescheduled</a:t>
+            </a:r>
+            <a:endParaRPr lang="de-CH" sz="2150" dirty="0"/>
+          </a:p>
+        </p:txBody>
+      </p:sp>
+      <p:sp>
+        <p:nvSpPr>
+          <p:cNvPr id="11" name="Inhaltsplatzhalter 10"/>
+          <p:cNvSpPr>
+            <a:spLocks noGrp="1"/>
+          </p:cNvSpPr>
+          <p:nvPr>
+            <p:ph sz="quarter" idx="4"/>
+          </p:nvPr>
+        </p:nvSpPr>
+        <p:spPr>
+          <a:xfrm>
+            <a:off x="2837778" y="2332545"/>
+            <a:ext cx="5183188" cy="3684588"/>
+          </a:xfrm>
+        </p:spPr>
+        <p:txBody>
+          <a:bodyPr>
+            <a:noAutofit/>
+          </a:bodyPr>
+          <a:lstStyle/>
+          <a:p>
+            <a:pPr marL="0" indent="0">
+              <a:lnSpc>
+                <a:spcPct val="80000"/>
+              </a:lnSpc>
+              <a:buNone/>
+            </a:pPr>
+            <a:r>
+              <a:rPr lang="en-US" sz="1900" dirty="0" smtClean="0">
+                <a:solidFill>
+                  <a:schemeClr val="accent6">
+                    <a:lumMod val="75000"/>
+                  </a:schemeClr>
+                </a:solidFill>
+                <a:latin typeface="Consolas" panose="020B0609020204030204" pitchFamily="49" charset="0"/>
+                <a:cs typeface="Consolas" panose="020B0609020204030204" pitchFamily="49" charset="0"/>
+              </a:rPr>
+              <a:t>a </a:t>
+            </a:r>
+            <a:r>
+              <a:rPr lang="en-US" sz="1900" dirty="0">
+                <a:solidFill>
+                  <a:schemeClr val="accent6">
+                    <a:lumMod val="75000"/>
+                  </a:schemeClr>
+                </a:solidFill>
+                <a:latin typeface="Consolas" panose="020B0609020204030204" pitchFamily="49" charset="0"/>
+                <a:cs typeface="Consolas" panose="020B0609020204030204" pitchFamily="49" charset="0"/>
+              </a:rPr>
+              <a:t>= load()</a:t>
+            </a:r>
+          </a:p>
+          <a:p>
+            <a:pPr marL="0" indent="0">
+              <a:lnSpc>
+                <a:spcPct val="80000"/>
+              </a:lnSpc>
+              <a:buNone/>
+            </a:pPr>
+            <a:r>
+              <a:rPr lang="en-US" sz="1900" dirty="0">
+                <a:solidFill>
+                  <a:schemeClr val="accent6">
+                    <a:lumMod val="75000"/>
+                  </a:schemeClr>
+                </a:solidFill>
+                <a:latin typeface="Consolas" panose="020B0609020204030204" pitchFamily="49" charset="0"/>
+                <a:cs typeface="Consolas" panose="020B0609020204030204" pitchFamily="49" charset="0"/>
+              </a:rPr>
+              <a:t>b = load</a:t>
+            </a:r>
+            <a:r>
+              <a:rPr lang="en-US" sz="1900" dirty="0" smtClean="0">
+                <a:solidFill>
+                  <a:schemeClr val="accent6">
+                    <a:lumMod val="75000"/>
+                  </a:schemeClr>
+                </a:solidFill>
+                <a:latin typeface="Consolas" panose="020B0609020204030204" pitchFamily="49" charset="0"/>
+                <a:cs typeface="Consolas" panose="020B0609020204030204" pitchFamily="49" charset="0"/>
+              </a:rPr>
+              <a:t>()</a:t>
+            </a:r>
+          </a:p>
+          <a:p>
+            <a:pPr marL="0" indent="0">
+              <a:lnSpc>
+                <a:spcPct val="80000"/>
+              </a:lnSpc>
+              <a:buNone/>
+            </a:pPr>
+            <a:r>
+              <a:rPr lang="en-US" sz="1900" dirty="0">
+                <a:solidFill>
+                  <a:schemeClr val="accent2">
+                    <a:lumMod val="75000"/>
+                  </a:schemeClr>
+                </a:solidFill>
+                <a:latin typeface="Consolas" panose="020B0609020204030204" pitchFamily="49" charset="0"/>
+                <a:cs typeface="Consolas" panose="020B0609020204030204" pitchFamily="49" charset="0"/>
+              </a:rPr>
+              <a:t>e = add(</a:t>
+            </a:r>
+            <a:r>
+              <a:rPr lang="en-US" sz="1900" dirty="0" err="1">
+                <a:solidFill>
+                  <a:schemeClr val="accent2">
+                    <a:lumMod val="75000"/>
+                  </a:schemeClr>
+                </a:solidFill>
+                <a:latin typeface="Consolas" panose="020B0609020204030204" pitchFamily="49" charset="0"/>
+                <a:cs typeface="Consolas" panose="020B0609020204030204" pitchFamily="49" charset="0"/>
+              </a:rPr>
+              <a:t>a,b</a:t>
+            </a:r>
+            <a:r>
+              <a:rPr lang="en-US" sz="1900" dirty="0" smtClean="0">
+                <a:solidFill>
+                  <a:schemeClr val="accent2">
+                    <a:lumMod val="75000"/>
+                  </a:schemeClr>
+                </a:solidFill>
+                <a:latin typeface="Consolas" panose="020B0609020204030204" pitchFamily="49" charset="0"/>
+                <a:cs typeface="Consolas" panose="020B0609020204030204" pitchFamily="49" charset="0"/>
+              </a:rPr>
+              <a:t>)</a:t>
+            </a:r>
+            <a:endParaRPr lang="en-US" sz="1900" dirty="0">
+              <a:solidFill>
+                <a:schemeClr val="accent2">
+                  <a:lumMod val="75000"/>
+                </a:schemeClr>
+              </a:solidFill>
+              <a:latin typeface="Consolas" panose="020B0609020204030204" pitchFamily="49" charset="0"/>
+              <a:cs typeface="Consolas" panose="020B0609020204030204" pitchFamily="49" charset="0"/>
+            </a:endParaRPr>
+          </a:p>
+          <a:p>
+            <a:pPr marL="0" indent="0">
+              <a:lnSpc>
+                <a:spcPct val="80000"/>
+              </a:lnSpc>
+              <a:buNone/>
+            </a:pPr>
+            <a:endParaRPr lang="en-US" sz="1900" dirty="0" smtClean="0">
+              <a:latin typeface="Consolas" panose="020B0609020204030204" pitchFamily="49" charset="0"/>
+              <a:cs typeface="Consolas" panose="020B0609020204030204" pitchFamily="49" charset="0"/>
+            </a:endParaRPr>
+          </a:p>
+          <a:p>
+            <a:pPr marL="0" indent="0">
+              <a:lnSpc>
+                <a:spcPct val="80000"/>
+              </a:lnSpc>
+              <a:buNone/>
+            </a:pPr>
+            <a:r>
+              <a:rPr lang="en-US" sz="1900" dirty="0" smtClean="0">
+                <a:solidFill>
+                  <a:schemeClr val="accent6">
+                    <a:lumMod val="75000"/>
+                  </a:schemeClr>
+                </a:solidFill>
+                <a:latin typeface="Consolas" panose="020B0609020204030204" pitchFamily="49" charset="0"/>
+                <a:cs typeface="Consolas" panose="020B0609020204030204" pitchFamily="49" charset="0"/>
+              </a:rPr>
+              <a:t>c </a:t>
+            </a:r>
+            <a:r>
+              <a:rPr lang="en-US" sz="1900" dirty="0">
+                <a:solidFill>
+                  <a:schemeClr val="accent6">
+                    <a:lumMod val="75000"/>
+                  </a:schemeClr>
+                </a:solidFill>
+                <a:latin typeface="Consolas" panose="020B0609020204030204" pitchFamily="49" charset="0"/>
+                <a:cs typeface="Consolas" panose="020B0609020204030204" pitchFamily="49" charset="0"/>
+              </a:rPr>
+              <a:t>= load()</a:t>
+            </a:r>
+          </a:p>
+          <a:p>
+            <a:pPr marL="0" indent="0">
+              <a:lnSpc>
+                <a:spcPct val="80000"/>
+              </a:lnSpc>
+              <a:buNone/>
+            </a:pPr>
+            <a:r>
+              <a:rPr lang="en-US" sz="1900" dirty="0">
+                <a:solidFill>
+                  <a:schemeClr val="accent6">
+                    <a:lumMod val="75000"/>
+                  </a:schemeClr>
+                </a:solidFill>
+                <a:latin typeface="Consolas" panose="020B0609020204030204" pitchFamily="49" charset="0"/>
+                <a:cs typeface="Consolas" panose="020B0609020204030204" pitchFamily="49" charset="0"/>
+              </a:rPr>
+              <a:t>d = load</a:t>
+            </a:r>
+            <a:r>
+              <a:rPr lang="en-US" sz="1900" dirty="0" smtClean="0">
+                <a:solidFill>
+                  <a:schemeClr val="accent6">
+                    <a:lumMod val="75000"/>
+                  </a:schemeClr>
+                </a:solidFill>
+                <a:latin typeface="Consolas" panose="020B0609020204030204" pitchFamily="49" charset="0"/>
+                <a:cs typeface="Consolas" panose="020B0609020204030204" pitchFamily="49" charset="0"/>
+              </a:rPr>
+              <a:t>()</a:t>
+            </a:r>
+          </a:p>
+          <a:p>
+            <a:pPr marL="0" indent="0">
+              <a:lnSpc>
+                <a:spcPct val="80000"/>
+              </a:lnSpc>
+              <a:buNone/>
+            </a:pPr>
+            <a:r>
+              <a:rPr lang="en-US" sz="1900" dirty="0" smtClean="0">
+                <a:solidFill>
+                  <a:schemeClr val="accent2">
+                    <a:lumMod val="75000"/>
+                  </a:schemeClr>
+                </a:solidFill>
+                <a:latin typeface="Consolas" panose="020B0609020204030204" pitchFamily="49" charset="0"/>
+                <a:cs typeface="Consolas" panose="020B0609020204030204" pitchFamily="49" charset="0"/>
+              </a:rPr>
+              <a:t>f </a:t>
+            </a:r>
+            <a:r>
+              <a:rPr lang="en-US" sz="1900" dirty="0">
+                <a:solidFill>
+                  <a:schemeClr val="accent2">
+                    <a:lumMod val="75000"/>
+                  </a:schemeClr>
+                </a:solidFill>
+                <a:latin typeface="Consolas" panose="020B0609020204030204" pitchFamily="49" charset="0"/>
+                <a:cs typeface="Consolas" panose="020B0609020204030204" pitchFamily="49" charset="0"/>
+              </a:rPr>
+              <a:t>= add(</a:t>
+            </a:r>
+            <a:r>
+              <a:rPr lang="en-US" sz="1900" dirty="0" err="1">
+                <a:solidFill>
+                  <a:schemeClr val="accent2">
+                    <a:lumMod val="75000"/>
+                  </a:schemeClr>
+                </a:solidFill>
+                <a:latin typeface="Consolas" panose="020B0609020204030204" pitchFamily="49" charset="0"/>
+                <a:cs typeface="Consolas" panose="020B0609020204030204" pitchFamily="49" charset="0"/>
+              </a:rPr>
+              <a:t>c,d</a:t>
+            </a:r>
+            <a:r>
+              <a:rPr lang="en-US" sz="1900" dirty="0" smtClean="0">
+                <a:solidFill>
+                  <a:schemeClr val="accent2">
+                    <a:lumMod val="75000"/>
+                  </a:schemeClr>
+                </a:solidFill>
+                <a:latin typeface="Consolas" panose="020B0609020204030204" pitchFamily="49" charset="0"/>
+                <a:cs typeface="Consolas" panose="020B0609020204030204" pitchFamily="49" charset="0"/>
+              </a:rPr>
+              <a:t>)</a:t>
+            </a:r>
+            <a:endParaRPr lang="en-US" sz="1900" dirty="0">
+              <a:solidFill>
+                <a:schemeClr val="accent2">
+                  <a:lumMod val="75000"/>
+                </a:schemeClr>
+              </a:solidFill>
+              <a:latin typeface="Consolas" panose="020B0609020204030204" pitchFamily="49" charset="0"/>
+              <a:cs typeface="Consolas" panose="020B0609020204030204" pitchFamily="49" charset="0"/>
+            </a:endParaRPr>
+          </a:p>
+          <a:p>
+            <a:pPr marL="0" indent="0">
+              <a:lnSpc>
+                <a:spcPct val="80000"/>
+              </a:lnSpc>
+              <a:buNone/>
+            </a:pPr>
+            <a:endParaRPr lang="en-US" sz="1900" dirty="0" smtClean="0">
+              <a:latin typeface="Consolas" panose="020B0609020204030204" pitchFamily="49" charset="0"/>
+              <a:cs typeface="Consolas" panose="020B0609020204030204" pitchFamily="49" charset="0"/>
+            </a:endParaRPr>
+          </a:p>
+          <a:p>
+            <a:pPr marL="0" indent="0">
+              <a:lnSpc>
+                <a:spcPct val="80000"/>
+              </a:lnSpc>
+              <a:buNone/>
+            </a:pPr>
+            <a:r>
+              <a:rPr lang="en-US" sz="1900" dirty="0" smtClean="0">
+                <a:solidFill>
+                  <a:schemeClr val="accent2">
+                    <a:lumMod val="75000"/>
+                  </a:schemeClr>
+                </a:solidFill>
+                <a:latin typeface="Consolas" panose="020B0609020204030204" pitchFamily="49" charset="0"/>
+                <a:cs typeface="Consolas" panose="020B0609020204030204" pitchFamily="49" charset="0"/>
+              </a:rPr>
+              <a:t>g </a:t>
+            </a:r>
+            <a:r>
+              <a:rPr lang="en-US" sz="1900" dirty="0">
+                <a:solidFill>
+                  <a:schemeClr val="accent2">
+                    <a:lumMod val="75000"/>
+                  </a:schemeClr>
+                </a:solidFill>
+                <a:latin typeface="Consolas" panose="020B0609020204030204" pitchFamily="49" charset="0"/>
+                <a:cs typeface="Consolas" panose="020B0609020204030204" pitchFamily="49" charset="0"/>
+              </a:rPr>
+              <a:t>= add(</a:t>
+            </a:r>
+            <a:r>
+              <a:rPr lang="en-US" sz="1900" dirty="0" err="1">
+                <a:solidFill>
+                  <a:schemeClr val="accent2">
+                    <a:lumMod val="75000"/>
+                  </a:schemeClr>
+                </a:solidFill>
+                <a:latin typeface="Consolas" panose="020B0609020204030204" pitchFamily="49" charset="0"/>
+                <a:cs typeface="Consolas" panose="020B0609020204030204" pitchFamily="49" charset="0"/>
+              </a:rPr>
+              <a:t>e,f</a:t>
+            </a:r>
+            <a:r>
+              <a:rPr lang="en-US" sz="1900" dirty="0" smtClean="0">
+                <a:solidFill>
+                  <a:schemeClr val="accent2">
+                    <a:lumMod val="75000"/>
+                  </a:schemeClr>
+                </a:solidFill>
+                <a:latin typeface="Consolas" panose="020B0609020204030204" pitchFamily="49" charset="0"/>
+                <a:cs typeface="Consolas" panose="020B0609020204030204" pitchFamily="49" charset="0"/>
+              </a:rPr>
+              <a:t>)</a:t>
+            </a:r>
+            <a:endParaRPr lang="en-US" sz="1900" dirty="0">
+              <a:latin typeface="Consolas" panose="020B0609020204030204" pitchFamily="49" charset="0"/>
+              <a:cs typeface="Consolas" panose="020B0609020204030204" pitchFamily="49" charset="0"/>
+            </a:endParaRPr>
+          </a:p>
+          <a:p>
+            <a:pPr marL="0" indent="0">
+              <a:lnSpc>
+                <a:spcPct val="80000"/>
+              </a:lnSpc>
+              <a:buNone/>
+            </a:pPr>
+            <a:r>
+              <a:rPr lang="en-US" sz="1900" dirty="0">
+                <a:solidFill>
+                  <a:schemeClr val="accent5">
+                    <a:lumMod val="75000"/>
+                  </a:schemeClr>
+                </a:solidFill>
+                <a:latin typeface="Consolas" panose="020B0609020204030204" pitchFamily="49" charset="0"/>
+                <a:cs typeface="Consolas" panose="020B0609020204030204" pitchFamily="49" charset="0"/>
+              </a:rPr>
+              <a:t>store(g</a:t>
+            </a:r>
+            <a:r>
+              <a:rPr lang="en-US" sz="1900" dirty="0" smtClean="0">
+                <a:solidFill>
+                  <a:schemeClr val="accent5">
+                    <a:lumMod val="75000"/>
+                  </a:schemeClr>
+                </a:solidFill>
+                <a:latin typeface="Consolas" panose="020B0609020204030204" pitchFamily="49" charset="0"/>
+                <a:cs typeface="Consolas" panose="020B0609020204030204" pitchFamily="49" charset="0"/>
+              </a:rPr>
+              <a:t>)</a:t>
+            </a:r>
+            <a:endParaRPr lang="de-CH" sz="1900" dirty="0">
+              <a:solidFill>
+                <a:schemeClr val="accent5">
+                  <a:lumMod val="75000"/>
+                </a:schemeClr>
+              </a:solidFill>
+              <a:latin typeface="Consolas" panose="020B0609020204030204" pitchFamily="49" charset="0"/>
+              <a:cs typeface="Consolas" panose="020B0609020204030204" pitchFamily="49" charset="0"/>
+            </a:endParaRPr>
+          </a:p>
+        </p:txBody>
+      </p:sp>
+      <p:sp>
+        <p:nvSpPr>
+          <p:cNvPr id="2" name="Datumsplatzhalter 1"/>
+          <p:cNvSpPr>
+            <a:spLocks noGrp="1"/>
+          </p:cNvSpPr>
+          <p:nvPr>
+            <p:ph type="dt" sz="half" idx="10"/>
+          </p:nvPr>
+        </p:nvSpPr>
+        <p:spPr/>
+        <p:txBody>
+          <a:bodyPr/>
+          <a:lstStyle/>
+          <a:p>
+            <a:r>
+              <a:rPr lang="de-CH" smtClean="0"/>
+              <a:t>30.05.2014</a:t>
+            </a:r>
+            <a:endParaRPr lang="de-CH"/>
+          </a:p>
+        </p:txBody>
+      </p:sp>
+      <p:sp>
+        <p:nvSpPr>
+          <p:cNvPr id="4" name="Fußzeilenplatzhalter 3"/>
+          <p:cNvSpPr>
+            <a:spLocks noGrp="1"/>
+          </p:cNvSpPr>
+          <p:nvPr>
+            <p:ph type="ftr" sz="quarter" idx="11"/>
+          </p:nvPr>
+        </p:nvSpPr>
+        <p:spPr/>
+        <p:txBody>
+          <a:bodyPr/>
+          <a:lstStyle/>
+          <a:p>
+            <a:r>
+              <a:rPr lang="en-US" smtClean="0"/>
+              <a:t>Fast Numerical Code: Optimal Binary Search Trees</a:t>
+            </a:r>
+            <a:endParaRPr lang="de-CH"/>
+          </a:p>
+        </p:txBody>
+      </p:sp>
+      <p:sp>
+        <p:nvSpPr>
+          <p:cNvPr id="5" name="Foliennummernplatzhalter 4"/>
+          <p:cNvSpPr>
+            <a:spLocks noGrp="1"/>
+          </p:cNvSpPr>
+          <p:nvPr>
+            <p:ph type="sldNum" sz="quarter" idx="12"/>
+          </p:nvPr>
+        </p:nvSpPr>
+        <p:spPr/>
+        <p:txBody>
+          <a:bodyPr/>
+          <a:lstStyle/>
+          <a:p>
+            <a:fld id="{2D8749EF-89F5-4D06-B99F-6591C5814168}" type="slidenum">
+              <a:rPr lang="de-CH" smtClean="0"/>
+              <a:t>32</a:t>
+            </a:fld>
+            <a:endParaRPr lang="de-CH"/>
+          </a:p>
+        </p:txBody>
+      </p:sp>
+    </p:spTree>
+    <p:extLst>
+      <p:ext uri="{BB962C8B-B14F-4D97-AF65-F5344CB8AC3E}">
+        <p14:creationId xmlns:p14="http://schemas.microsoft.com/office/powerpoint/2010/main" val="4032059742"/>
+      </p:ext>
+    </p:extLst>
+  </p:cSld>
+  <p:clrMapOvr>
+    <a:masterClrMapping/>
+  </p:clrMapOvr>
+  <p:timing>
+    <p:tnLst>
+      <p:par>
+        <p:cTn id="1" dur="indefinite" restart="never" nodeType="tmRoot"/>
+      </p:par>
+    </p:tnLst>
+  </p:timing>
+</p:sld>
+</file>
+
+<file path=ppt/slides/slide33.xml><?xml version="1.0" encoding="utf-8"?>
+<p:sld xmlns:a="http://schemas.openxmlformats.org/drawingml/2006/main" xmlns:r="http://schemas.openxmlformats.org/officeDocument/2006/relationships" xmlns:p="http://schemas.openxmlformats.org/presentationml/2006/main">
+  <p:cSld>
+    <p:spTree>
+      <p:nvGrpSpPr>
+        <p:cNvPr id="1" name=""/>
+        <p:cNvGrpSpPr/>
+        <p:nvPr/>
+      </p:nvGrpSpPr>
+      <p:grpSpPr>
+        <a:xfrm>
+          <a:off x="0" y="0"/>
+          <a:ext cx="0" cy="0"/>
+          <a:chOff x="0" y="0"/>
+          <a:chExt cx="0" cy="0"/>
+        </a:xfrm>
+      </p:grpSpPr>
+      <p:sp>
+        <p:nvSpPr>
+          <p:cNvPr id="10" name="Titel 9"/>
+          <p:cNvSpPr>
+            <a:spLocks noGrp="1"/>
+          </p:cNvSpPr>
+          <p:nvPr>
+            <p:ph type="title"/>
+          </p:nvPr>
+        </p:nvSpPr>
+        <p:spPr/>
+        <p:txBody>
+          <a:bodyPr/>
+          <a:lstStyle/>
+          <a:p>
+            <a:r>
+              <a:rPr lang="en-US" dirty="0" err="1" smtClean="0"/>
+              <a:t>Vectorization</a:t>
+            </a:r>
+            <a:r>
+              <a:rPr lang="en-US" dirty="0" smtClean="0"/>
+              <a:t> Issues: </a:t>
+            </a:r>
+            <a:r>
+              <a:rPr lang="en-US" dirty="0" err="1" smtClean="0"/>
+              <a:t>Maskstore</a:t>
+            </a:r>
+            <a:endParaRPr lang="de-CH" dirty="0"/>
+          </a:p>
+        </p:txBody>
+      </p:sp>
+      <p:sp>
+        <p:nvSpPr>
+          <p:cNvPr id="7" name="Datumsplatzhalter 6"/>
+          <p:cNvSpPr>
+            <a:spLocks noGrp="1"/>
+          </p:cNvSpPr>
+          <p:nvPr>
+            <p:ph type="dt" sz="half" idx="10"/>
+          </p:nvPr>
+        </p:nvSpPr>
+        <p:spPr/>
+        <p:txBody>
+          <a:bodyPr/>
+          <a:lstStyle/>
+          <a:p>
+            <a:r>
+              <a:rPr lang="de-CH" smtClean="0"/>
+              <a:t>30.05.2014</a:t>
+            </a:r>
+            <a:endParaRPr lang="de-CH"/>
+          </a:p>
+        </p:txBody>
+      </p:sp>
+      <p:sp>
+        <p:nvSpPr>
+          <p:cNvPr id="8" name="Fußzeilenplatzhalter 7"/>
+          <p:cNvSpPr>
+            <a:spLocks noGrp="1"/>
+          </p:cNvSpPr>
+          <p:nvPr>
+            <p:ph type="ftr" sz="quarter" idx="11"/>
+          </p:nvPr>
+        </p:nvSpPr>
+        <p:spPr/>
+        <p:txBody>
+          <a:bodyPr/>
+          <a:lstStyle/>
+          <a:p>
+            <a:r>
+              <a:rPr lang="en-US" smtClean="0"/>
+              <a:t>Fast Numerical Code: Optimal Binary Search Trees</a:t>
+            </a:r>
+            <a:endParaRPr lang="de-CH"/>
+          </a:p>
+        </p:txBody>
+      </p:sp>
+      <p:sp>
+        <p:nvSpPr>
+          <p:cNvPr id="9" name="Foliennummernplatzhalter 8"/>
+          <p:cNvSpPr>
+            <a:spLocks noGrp="1"/>
+          </p:cNvSpPr>
+          <p:nvPr>
+            <p:ph type="sldNum" sz="quarter" idx="12"/>
+          </p:nvPr>
+        </p:nvSpPr>
+        <p:spPr/>
+        <p:txBody>
+          <a:bodyPr/>
+          <a:lstStyle/>
+          <a:p>
+            <a:fld id="{2D8749EF-89F5-4D06-B99F-6591C5814168}" type="slidenum">
+              <a:rPr lang="de-CH" smtClean="0"/>
+              <a:t>33</a:t>
+            </a:fld>
+            <a:endParaRPr lang="de-CH"/>
+          </a:p>
+        </p:txBody>
+      </p:sp>
+      <p:sp>
+        <p:nvSpPr>
+          <p:cNvPr id="20" name="Inhaltsplatzhalter 19"/>
+          <p:cNvSpPr>
+            <a:spLocks noGrp="1"/>
+          </p:cNvSpPr>
+          <p:nvPr>
+            <p:ph sz="half" idx="1"/>
+          </p:nvPr>
+        </p:nvSpPr>
+        <p:spPr/>
+        <p:txBody>
+          <a:bodyPr/>
+          <a:lstStyle/>
+          <a:p>
+            <a:endParaRPr lang="de-CH"/>
+          </a:p>
+        </p:txBody>
+      </p:sp>
+      <p:pic>
+        <p:nvPicPr>
+          <p:cNvPr id="22" name="Inhaltsplatzhalter 21"/>
+          <p:cNvPicPr>
+            <a:picLocks noGrp="1" noChangeAspect="1"/>
+          </p:cNvPicPr>
+          <p:nvPr>
+            <p:ph sz="half" idx="2"/>
+          </p:nvPr>
+        </p:nvPicPr>
+        <p:blipFill>
+          <a:blip r:embed="rId2" cstate="print">
+            <a:extLst>
+              <a:ext uri="{28A0092B-C50C-407E-A947-70E740481C1C}">
+                <a14:useLocalDpi xmlns:a14="http://schemas.microsoft.com/office/drawing/2010/main" val="0"/>
+              </a:ext>
+            </a:extLst>
+          </a:blip>
+          <a:stretch>
+            <a:fillRect/>
+          </a:stretch>
+        </p:blipFill>
+        <p:spPr>
+          <a:xfrm>
+            <a:off x="6991350" y="1825625"/>
+            <a:ext cx="4351338" cy="4351338"/>
+          </a:xfrm>
+        </p:spPr>
+      </p:pic>
+    </p:spTree>
+    <p:extLst>
+      <p:ext uri="{BB962C8B-B14F-4D97-AF65-F5344CB8AC3E}">
+        <p14:creationId xmlns:p14="http://schemas.microsoft.com/office/powerpoint/2010/main" val="3064068502"/>
+      </p:ext>
+    </p:extLst>
+  </p:cSld>
+  <p:clrMapOvr>
+    <a:masterClrMapping/>
+  </p:clrMapOvr>
+  <p:timing>
+    <p:tnLst>
+      <p:par>
+        <p:cTn id="1" dur="indefinite" restart="never" nodeType="tmRoot"/>
+      </p:par>
+    </p:tnLst>
+  </p:timing>
+</p:sld>
+</file>
+
+<file path=ppt/slides/slide34.xml><?xml version="1.0" encoding="utf-8"?>
+<p:sld xmlns:a="http://schemas.openxmlformats.org/drawingml/2006/main" xmlns:r="http://schemas.openxmlformats.org/officeDocument/2006/relationships" xmlns:p="http://schemas.openxmlformats.org/presentationml/2006/main">
+  <p:cSld>
+    <p:spTree>
+      <p:nvGrpSpPr>
+        <p:cNvPr id="1" name=""/>
+        <p:cNvGrpSpPr/>
+        <p:nvPr/>
+      </p:nvGrpSpPr>
+      <p:grpSpPr>
+        <a:xfrm>
+          <a:off x="0" y="0"/>
+          <a:ext cx="0" cy="0"/>
+          <a:chOff x="0" y="0"/>
+          <a:chExt cx="0" cy="0"/>
+        </a:xfrm>
+      </p:grpSpPr>
+      <p:sp>
+        <p:nvSpPr>
+          <p:cNvPr id="10" name="Titel 9"/>
+          <p:cNvSpPr>
+            <a:spLocks noGrp="1"/>
+          </p:cNvSpPr>
+          <p:nvPr>
+            <p:ph type="title"/>
+          </p:nvPr>
+        </p:nvSpPr>
+        <p:spPr/>
+        <p:txBody>
+          <a:bodyPr/>
+          <a:lstStyle/>
+          <a:p>
+            <a:r>
+              <a:rPr lang="en-US" dirty="0" err="1" smtClean="0"/>
+              <a:t>Vectorization</a:t>
+            </a:r>
+            <a:r>
+              <a:rPr lang="en-US" dirty="0" smtClean="0"/>
+              <a:t> Issues: </a:t>
+            </a:r>
+            <a:r>
+              <a:rPr lang="en-US" dirty="0" err="1" smtClean="0"/>
+              <a:t>Maskstore</a:t>
+            </a:r>
+            <a:endParaRPr lang="de-CH" dirty="0"/>
+          </a:p>
+        </p:txBody>
+      </p:sp>
+      <p:pic>
+        <p:nvPicPr>
+          <p:cNvPr id="17" name="Inhaltsplatzhalter 16"/>
+          <p:cNvPicPr>
+            <a:picLocks noGrp="1" noChangeAspect="1"/>
+          </p:cNvPicPr>
+          <p:nvPr>
+            <p:ph sz="half" idx="2"/>
+          </p:nvPr>
+        </p:nvPicPr>
+        <p:blipFill>
+          <a:blip r:embed="rId2" cstate="print">
+            <a:extLst>
+              <a:ext uri="{28A0092B-C50C-407E-A947-70E740481C1C}">
+                <a14:useLocalDpi xmlns:a14="http://schemas.microsoft.com/office/drawing/2010/main" val="0"/>
+              </a:ext>
+            </a:extLst>
+          </a:blip>
+          <a:stretch>
+            <a:fillRect/>
+          </a:stretch>
+        </p:blipFill>
+        <p:spPr>
+          <a:xfrm>
+            <a:off x="6993136" y="1827411"/>
+            <a:ext cx="4347766" cy="4347766"/>
+          </a:xfrm>
+        </p:spPr>
+      </p:pic>
+      <p:sp>
+        <p:nvSpPr>
+          <p:cNvPr id="7" name="Datumsplatzhalter 6"/>
+          <p:cNvSpPr>
+            <a:spLocks noGrp="1"/>
+          </p:cNvSpPr>
+          <p:nvPr>
+            <p:ph type="dt" sz="half" idx="10"/>
+          </p:nvPr>
+        </p:nvSpPr>
+        <p:spPr/>
+        <p:txBody>
+          <a:bodyPr/>
+          <a:lstStyle/>
+          <a:p>
+            <a:r>
+              <a:rPr lang="de-CH" smtClean="0"/>
+              <a:t>30.05.2014</a:t>
+            </a:r>
+            <a:endParaRPr lang="de-CH"/>
+          </a:p>
+        </p:txBody>
+      </p:sp>
+      <p:sp>
+        <p:nvSpPr>
+          <p:cNvPr id="8" name="Fußzeilenplatzhalter 7"/>
+          <p:cNvSpPr>
+            <a:spLocks noGrp="1"/>
+          </p:cNvSpPr>
+          <p:nvPr>
+            <p:ph type="ftr" sz="quarter" idx="11"/>
+          </p:nvPr>
+        </p:nvSpPr>
+        <p:spPr/>
+        <p:txBody>
+          <a:bodyPr/>
+          <a:lstStyle/>
+          <a:p>
+            <a:r>
+              <a:rPr lang="en-US" smtClean="0"/>
+              <a:t>Fast Numerical Code: Optimal Binary Search Trees</a:t>
+            </a:r>
+            <a:endParaRPr lang="de-CH"/>
+          </a:p>
+        </p:txBody>
+      </p:sp>
+      <p:sp>
+        <p:nvSpPr>
+          <p:cNvPr id="9" name="Foliennummernplatzhalter 8"/>
+          <p:cNvSpPr>
+            <a:spLocks noGrp="1"/>
+          </p:cNvSpPr>
+          <p:nvPr>
+            <p:ph type="sldNum" sz="quarter" idx="12"/>
+          </p:nvPr>
+        </p:nvSpPr>
+        <p:spPr/>
+        <p:txBody>
+          <a:bodyPr/>
+          <a:lstStyle/>
+          <a:p>
+            <a:fld id="{2D8749EF-89F5-4D06-B99F-6591C5814168}" type="slidenum">
+              <a:rPr lang="de-CH" smtClean="0"/>
+              <a:t>34</a:t>
+            </a:fld>
+            <a:endParaRPr lang="de-CH"/>
+          </a:p>
+        </p:txBody>
+      </p:sp>
+      <p:sp>
+        <p:nvSpPr>
+          <p:cNvPr id="20" name="Inhaltsplatzhalter 19"/>
+          <p:cNvSpPr>
+            <a:spLocks noGrp="1"/>
+          </p:cNvSpPr>
+          <p:nvPr>
+            <p:ph sz="half" idx="1"/>
+          </p:nvPr>
+        </p:nvSpPr>
+        <p:spPr/>
+        <p:txBody>
+          <a:bodyPr/>
+          <a:lstStyle/>
+          <a:p>
+            <a:endParaRPr lang="de-CH"/>
+          </a:p>
+        </p:txBody>
+      </p:sp>
+    </p:spTree>
+    <p:extLst>
+      <p:ext uri="{BB962C8B-B14F-4D97-AF65-F5344CB8AC3E}">
+        <p14:creationId xmlns:p14="http://schemas.microsoft.com/office/powerpoint/2010/main" val="1029771599"/>
+      </p:ext>
+    </p:extLst>
+  </p:cSld>
+  <p:clrMapOvr>
+    <a:masterClrMapping/>
+  </p:clrMapOvr>
+  <p:timing>
+    <p:tnLst>
+      <p:par>
+        <p:cTn id="1" dur="indefinite" restart="never" nodeType="tmRoot"/>
+      </p:par>
+    </p:tnLst>
+  </p:timing>
+</p:sld>
+</file>
+
+<file path=ppt/slides/slide35.xml><?xml version="1.0" encoding="utf-8"?>
+<p:sld xmlns:a="http://schemas.openxmlformats.org/drawingml/2006/main" xmlns:r="http://schemas.openxmlformats.org/officeDocument/2006/relationships" xmlns:p="http://schemas.openxmlformats.org/presentationml/2006/main">
+  <p:cSld>
+    <p:spTree>
+      <p:nvGrpSpPr>
+        <p:cNvPr id="1" name=""/>
+        <p:cNvGrpSpPr/>
+        <p:nvPr/>
+      </p:nvGrpSpPr>
+      <p:grpSpPr>
+        <a:xfrm>
+          <a:off x="0" y="0"/>
+          <a:ext cx="0" cy="0"/>
+          <a:chOff x="0" y="0"/>
+          <a:chExt cx="0" cy="0"/>
+        </a:xfrm>
+      </p:grpSpPr>
+      <p:sp>
+        <p:nvSpPr>
+          <p:cNvPr id="10" name="Titel 9"/>
+          <p:cNvSpPr>
+            <a:spLocks noGrp="1"/>
+          </p:cNvSpPr>
+          <p:nvPr>
+            <p:ph type="title"/>
+          </p:nvPr>
+        </p:nvSpPr>
+        <p:spPr/>
+        <p:txBody>
+          <a:bodyPr/>
+          <a:lstStyle/>
+          <a:p>
+            <a:r>
+              <a:rPr lang="en-US" dirty="0" err="1" smtClean="0"/>
+              <a:t>Vectorization</a:t>
+            </a:r>
+            <a:r>
+              <a:rPr lang="en-US" dirty="0" smtClean="0"/>
+              <a:t> Issues: </a:t>
+            </a:r>
+            <a:r>
+              <a:rPr lang="en-US" dirty="0" err="1" smtClean="0"/>
+              <a:t>Maskstore</a:t>
+            </a:r>
+            <a:endParaRPr lang="de-CH" dirty="0"/>
+          </a:p>
+        </p:txBody>
+      </p:sp>
+      <p:pic>
+        <p:nvPicPr>
+          <p:cNvPr id="17" name="Inhaltsplatzhalter 16"/>
+          <p:cNvPicPr>
+            <a:picLocks noGrp="1" noChangeAspect="1"/>
+          </p:cNvPicPr>
+          <p:nvPr>
+            <p:ph sz="half" idx="2"/>
+          </p:nvPr>
+        </p:nvPicPr>
+        <p:blipFill>
+          <a:blip r:embed="rId2" cstate="print">
+            <a:extLst>
+              <a:ext uri="{28A0092B-C50C-407E-A947-70E740481C1C}">
+                <a14:useLocalDpi xmlns:a14="http://schemas.microsoft.com/office/drawing/2010/main" val="0"/>
+              </a:ext>
+            </a:extLst>
+          </a:blip>
+          <a:stretch>
+            <a:fillRect/>
+          </a:stretch>
+        </p:blipFill>
+        <p:spPr>
+          <a:xfrm>
+            <a:off x="6993136" y="1827411"/>
+            <a:ext cx="4347766" cy="4347766"/>
+          </a:xfrm>
+        </p:spPr>
+      </p:pic>
+      <p:sp>
+        <p:nvSpPr>
+          <p:cNvPr id="7" name="Datumsplatzhalter 6"/>
+          <p:cNvSpPr>
+            <a:spLocks noGrp="1"/>
+          </p:cNvSpPr>
+          <p:nvPr>
+            <p:ph type="dt" sz="half" idx="10"/>
+          </p:nvPr>
+        </p:nvSpPr>
+        <p:spPr/>
+        <p:txBody>
+          <a:bodyPr/>
+          <a:lstStyle/>
+          <a:p>
+            <a:r>
+              <a:rPr lang="de-CH" smtClean="0"/>
+              <a:t>30.05.2014</a:t>
+            </a:r>
+            <a:endParaRPr lang="de-CH"/>
+          </a:p>
+        </p:txBody>
+      </p:sp>
+      <p:sp>
+        <p:nvSpPr>
+          <p:cNvPr id="8" name="Fußzeilenplatzhalter 7"/>
+          <p:cNvSpPr>
+            <a:spLocks noGrp="1"/>
+          </p:cNvSpPr>
+          <p:nvPr>
+            <p:ph type="ftr" sz="quarter" idx="11"/>
+          </p:nvPr>
+        </p:nvSpPr>
+        <p:spPr/>
+        <p:txBody>
+          <a:bodyPr/>
+          <a:lstStyle/>
+          <a:p>
+            <a:r>
+              <a:rPr lang="en-US" smtClean="0"/>
+              <a:t>Fast Numerical Code: Optimal Binary Search Trees</a:t>
+            </a:r>
+            <a:endParaRPr lang="de-CH"/>
+          </a:p>
+        </p:txBody>
+      </p:sp>
+      <p:sp>
+        <p:nvSpPr>
+          <p:cNvPr id="9" name="Foliennummernplatzhalter 8"/>
+          <p:cNvSpPr>
+            <a:spLocks noGrp="1"/>
+          </p:cNvSpPr>
+          <p:nvPr>
+            <p:ph type="sldNum" sz="quarter" idx="12"/>
+          </p:nvPr>
+        </p:nvSpPr>
+        <p:spPr/>
+        <p:txBody>
+          <a:bodyPr/>
+          <a:lstStyle/>
+          <a:p>
+            <a:fld id="{2D8749EF-89F5-4D06-B99F-6591C5814168}" type="slidenum">
+              <a:rPr lang="de-CH" smtClean="0"/>
+              <a:t>35</a:t>
+            </a:fld>
+            <a:endParaRPr lang="de-CH"/>
+          </a:p>
+        </p:txBody>
+      </p:sp>
+      <p:pic>
+        <p:nvPicPr>
+          <p:cNvPr id="2" name="Inhaltsplatzhalter 1"/>
           <p:cNvPicPr>
             <a:picLocks noGrp="1" noChangeAspect="1"/>
           </p:cNvPicPr>
@@ -6660,75 +11649,10 @@
           </a:xfrm>
         </p:spPr>
       </p:pic>
-      <p:sp>
-        <p:nvSpPr>
-          <p:cNvPr id="8" name="Inhaltsplatzhalter 7"/>
-          <p:cNvSpPr>
-            <a:spLocks noGrp="1"/>
-          </p:cNvSpPr>
-          <p:nvPr>
-            <p:ph sz="half" idx="2"/>
-          </p:nvPr>
-        </p:nvSpPr>
-        <p:spPr/>
-        <p:txBody>
-          <a:bodyPr/>
-          <a:lstStyle/>
-          <a:p>
-            <a:endParaRPr lang="de-CH" dirty="0"/>
-          </a:p>
-        </p:txBody>
-      </p:sp>
-      <p:sp>
-        <p:nvSpPr>
-          <p:cNvPr id="12" name="Fußzeilenplatzhalter 11"/>
-          <p:cNvSpPr>
-            <a:spLocks noGrp="1"/>
-          </p:cNvSpPr>
-          <p:nvPr>
-            <p:ph type="ftr" sz="quarter" idx="11"/>
-          </p:nvPr>
-        </p:nvSpPr>
-        <p:spPr/>
-        <p:txBody>
-          <a:bodyPr/>
-          <a:lstStyle/>
-          <a:p>
-            <a:r>
-              <a:rPr lang="en-US" smtClean="0"/>
-              <a:t>Fast Numerical Code: Optimal Binary Search Trees</a:t>
-            </a:r>
-            <a:endParaRPr lang="de-CH"/>
-          </a:p>
-        </p:txBody>
-      </p:sp>
-      <p:sp>
-        <p:nvSpPr>
-          <p:cNvPr id="13" name="Foliennummernplatzhalter 12"/>
-          <p:cNvSpPr>
-            <a:spLocks noGrp="1"/>
-          </p:cNvSpPr>
-          <p:nvPr>
-            <p:ph type="sldNum" sz="quarter" idx="12"/>
-          </p:nvPr>
-        </p:nvSpPr>
-        <p:spPr/>
-        <p:txBody>
-          <a:bodyPr/>
-          <a:lstStyle/>
-          <a:p>
-            <a:fld id="{2D8749EF-89F5-4D06-B99F-6591C5814168}" type="slidenum">
-              <a:rPr lang="de-CH" smtClean="0"/>
-              <a:t>26</a:t>
-            </a:fld>
-            <a:endParaRPr lang="de-CH"/>
-          </a:p>
-        </p:txBody>
-      </p:sp>
     </p:spTree>
     <p:extLst>
       <p:ext uri="{BB962C8B-B14F-4D97-AF65-F5344CB8AC3E}">
-        <p14:creationId xmlns:p14="http://schemas.microsoft.com/office/powerpoint/2010/main" val="1332544761"/>
+        <p14:creationId xmlns:p14="http://schemas.microsoft.com/office/powerpoint/2010/main" val="2240915832"/>
       </p:ext>
     </p:extLst>
   </p:cSld>
@@ -6745,7 +11669,233 @@
 </p:sld>
 </file>
 
-<file path=ppt/slides/slide27.xml><?xml version="1.0" encoding="utf-8"?>
+<file path=ppt/slides/slide36.xml><?xml version="1.0" encoding="utf-8"?>
+<p:sld xmlns:a="http://schemas.openxmlformats.org/drawingml/2006/main" xmlns:r="http://schemas.openxmlformats.org/officeDocument/2006/relationships" xmlns:p="http://schemas.openxmlformats.org/presentationml/2006/main">
+  <p:cSld>
+    <p:spTree>
+      <p:nvGrpSpPr>
+        <p:cNvPr id="1" name=""/>
+        <p:cNvGrpSpPr/>
+        <p:nvPr/>
+      </p:nvGrpSpPr>
+      <p:grpSpPr>
+        <a:xfrm>
+          <a:off x="0" y="0"/>
+          <a:ext cx="0" cy="0"/>
+          <a:chOff x="0" y="0"/>
+          <a:chExt cx="0" cy="0"/>
+        </a:xfrm>
+      </p:grpSpPr>
+      <p:sp>
+        <p:nvSpPr>
+          <p:cNvPr id="8" name="Titel 7"/>
+          <p:cNvSpPr>
+            <a:spLocks noGrp="1"/>
+          </p:cNvSpPr>
+          <p:nvPr>
+            <p:ph type="title"/>
+          </p:nvPr>
+        </p:nvSpPr>
+        <p:spPr/>
+        <p:txBody>
+          <a:bodyPr/>
+          <a:lstStyle/>
+          <a:p>
+            <a:r>
+              <a:rPr lang="en-US" dirty="0" smtClean="0"/>
+              <a:t>Roofline Plot</a:t>
+            </a:r>
+            <a:endParaRPr lang="de-CH" dirty="0"/>
+          </a:p>
+        </p:txBody>
+      </p:sp>
+      <p:pic>
+        <p:nvPicPr>
+          <p:cNvPr id="12" name="Inhaltsplatzhalter 11"/>
+          <p:cNvPicPr>
+            <a:picLocks noGrp="1" noChangeAspect="1"/>
+          </p:cNvPicPr>
+          <p:nvPr>
+            <p:ph idx="1"/>
+          </p:nvPr>
+        </p:nvPicPr>
+        <p:blipFill rotWithShape="1">
+          <a:blip r:embed="rId2">
+            <a:extLst>
+              <a:ext uri="{28A0092B-C50C-407E-A947-70E740481C1C}">
+                <a14:useLocalDpi xmlns:a14="http://schemas.microsoft.com/office/drawing/2010/main" val="0"/>
+              </a:ext>
+            </a:extLst>
+          </a:blip>
+          <a:srcRect t="9949"/>
+          <a:stretch/>
+        </p:blipFill>
+        <p:spPr>
+          <a:xfrm>
+            <a:off x="573024" y="1548335"/>
+            <a:ext cx="8646333" cy="4628628"/>
+          </a:xfrm>
+        </p:spPr>
+      </p:pic>
+      <p:sp>
+        <p:nvSpPr>
+          <p:cNvPr id="5" name="Datumsplatzhalter 4"/>
+          <p:cNvSpPr>
+            <a:spLocks noGrp="1"/>
+          </p:cNvSpPr>
+          <p:nvPr>
+            <p:ph type="dt" sz="half" idx="10"/>
+          </p:nvPr>
+        </p:nvSpPr>
+        <p:spPr/>
+        <p:txBody>
+          <a:bodyPr/>
+          <a:lstStyle/>
+          <a:p>
+            <a:r>
+              <a:rPr lang="de-CH" smtClean="0"/>
+              <a:t>30.05.2014</a:t>
+            </a:r>
+            <a:endParaRPr lang="de-CH"/>
+          </a:p>
+        </p:txBody>
+      </p:sp>
+      <p:sp>
+        <p:nvSpPr>
+          <p:cNvPr id="6" name="Fußzeilenplatzhalter 5"/>
+          <p:cNvSpPr>
+            <a:spLocks noGrp="1"/>
+          </p:cNvSpPr>
+          <p:nvPr>
+            <p:ph type="ftr" sz="quarter" idx="11"/>
+          </p:nvPr>
+        </p:nvSpPr>
+        <p:spPr/>
+        <p:txBody>
+          <a:bodyPr/>
+          <a:lstStyle/>
+          <a:p>
+            <a:r>
+              <a:rPr lang="en-US" smtClean="0"/>
+              <a:t>Fast Numerical Code: Optimal Binary Search Trees</a:t>
+            </a:r>
+            <a:endParaRPr lang="de-CH"/>
+          </a:p>
+        </p:txBody>
+      </p:sp>
+      <p:sp>
+        <p:nvSpPr>
+          <p:cNvPr id="7" name="Foliennummernplatzhalter 6"/>
+          <p:cNvSpPr>
+            <a:spLocks noGrp="1"/>
+          </p:cNvSpPr>
+          <p:nvPr>
+            <p:ph type="sldNum" sz="quarter" idx="12"/>
+          </p:nvPr>
+        </p:nvSpPr>
+        <p:spPr/>
+        <p:txBody>
+          <a:bodyPr/>
+          <a:lstStyle/>
+          <a:p>
+            <a:fld id="{2D8749EF-89F5-4D06-B99F-6591C5814168}" type="slidenum">
+              <a:rPr lang="de-CH" smtClean="0"/>
+              <a:t>36</a:t>
+            </a:fld>
+            <a:endParaRPr lang="de-CH"/>
+          </a:p>
+        </p:txBody>
+      </p:sp>
+      <p:cxnSp>
+        <p:nvCxnSpPr>
+          <p:cNvPr id="16" name="Gerade Verbindung mit Pfeil 15"/>
+          <p:cNvCxnSpPr/>
+          <p:nvPr/>
+        </p:nvCxnSpPr>
+        <p:spPr>
+          <a:xfrm flipV="1">
+            <a:off x="9445752" y="2980944"/>
+            <a:ext cx="0" cy="1591056"/>
+          </a:xfrm>
+          <a:prstGeom prst="straightConnector1">
+            <a:avLst/>
+          </a:prstGeom>
+          <a:ln w="57150">
+            <a:solidFill>
+              <a:schemeClr val="tx1">
+                <a:lumMod val="65000"/>
+                <a:lumOff val="35000"/>
+              </a:schemeClr>
+            </a:solidFill>
+            <a:tailEnd type="triangle"/>
+          </a:ln>
+        </p:spPr>
+        <p:style>
+          <a:lnRef idx="3">
+            <a:schemeClr val="accent4"/>
+          </a:lnRef>
+          <a:fillRef idx="0">
+            <a:schemeClr val="accent4"/>
+          </a:fillRef>
+          <a:effectRef idx="2">
+            <a:schemeClr val="accent4"/>
+          </a:effectRef>
+          <a:fontRef idx="minor">
+            <a:schemeClr val="tx1"/>
+          </a:fontRef>
+        </p:style>
+      </p:cxnSp>
+      <p:sp>
+        <p:nvSpPr>
+          <p:cNvPr id="18" name="Textfeld 17"/>
+          <p:cNvSpPr txBox="1"/>
+          <p:nvPr/>
+        </p:nvSpPr>
+        <p:spPr>
+          <a:xfrm>
+            <a:off x="9672148" y="3631816"/>
+            <a:ext cx="774571" cy="461665"/>
+          </a:xfrm>
+          <a:prstGeom prst="rect">
+            <a:avLst/>
+          </a:prstGeom>
+          <a:noFill/>
+        </p:spPr>
+        <p:txBody>
+          <a:bodyPr wrap="none" rtlCol="0">
+            <a:spAutoFit/>
+          </a:bodyPr>
+          <a:lstStyle/>
+          <a:p>
+            <a:r>
+              <a:rPr lang="en-US" sz="2400" dirty="0" smtClean="0"/>
+              <a:t>6.5 x</a:t>
+            </a:r>
+            <a:endParaRPr lang="de-CH" sz="2400" dirty="0"/>
+          </a:p>
+        </p:txBody>
+      </p:sp>
+    </p:spTree>
+    <p:extLst>
+      <p:ext uri="{BB962C8B-B14F-4D97-AF65-F5344CB8AC3E}">
+        <p14:creationId xmlns:p14="http://schemas.microsoft.com/office/powerpoint/2010/main" val="599996567"/>
+      </p:ext>
+    </p:extLst>
+  </p:cSld>
+  <p:clrMapOvr>
+    <a:masterClrMapping/>
+  </p:clrMapOvr>
+  <p:timing>
+    <p:tnLst>
+      <p:par>
+        <p:cTn id="1" dur="indefinite" restart="never" nodeType="tmRoot"/>
+      </p:par>
+    </p:tnLst>
+  </p:timing>
+</p:sld>
+</file>
+
+<file path=ppt/slides/slide37.xml><?xml version="1.0" encoding="utf-8"?>
 <p:sld xmlns:a="http://schemas.openxmlformats.org/drawingml/2006/main" xmlns:r="http://schemas.openxmlformats.org/officeDocument/2006/relationships" xmlns:p="http://schemas.openxmlformats.org/presentationml/2006/main">
   <p:cSld>
     <p:spTree>
@@ -6875,8 +12025,31 @@
           <a:p>
             <a:fld id="{2D8749EF-89F5-4D06-B99F-6591C5814168}" type="slidenum">
               <a:rPr lang="de-CH" smtClean="0"/>
-              <a:t>27</a:t>
+              <a:t>37</a:t>
             </a:fld>
+            <a:endParaRPr lang="de-CH"/>
+          </a:p>
+        </p:txBody>
+      </p:sp>
+      <p:sp>
+        <p:nvSpPr>
+          <p:cNvPr id="2" name="Datumsplatzhalter 1"/>
+          <p:cNvSpPr>
+            <a:spLocks noGrp="1"/>
+          </p:cNvSpPr>
+          <p:nvPr>
+            <p:ph type="dt" sz="half" idx="10"/>
+          </p:nvPr>
+        </p:nvSpPr>
+        <p:spPr/>
+        <p:txBody>
+          <a:bodyPr/>
+          <a:lstStyle/>
+          <a:p>
+            <a:r>
+              <a:rPr lang="de-CH" smtClean="0"/>
+              <a:t>30.05.2014</a:t>
+            </a:r>
             <a:endParaRPr lang="de-CH"/>
           </a:p>
         </p:txBody>
@@ -6885,160 +12058,6 @@
     <p:extLst>
       <p:ext uri="{BB962C8B-B14F-4D97-AF65-F5344CB8AC3E}">
         <p14:creationId xmlns:p14="http://schemas.microsoft.com/office/powerpoint/2010/main" val="3579600444"/>
-      </p:ext>
-    </p:extLst>
-  </p:cSld>
-  <p:clrMapOvr>
-    <a:masterClrMapping/>
-  </p:clrMapOvr>
-  <p:timing>
-    <p:tnLst>
-      <p:par>
-        <p:cTn id="1" dur="indefinite" restart="never" nodeType="tmRoot"/>
-      </p:par>
-    </p:tnLst>
-  </p:timing>
-</p:sld>
-</file>
-
-<file path=ppt/slides/slide3.xml><?xml version="1.0" encoding="utf-8"?>
-<p:sld xmlns:a="http://schemas.openxmlformats.org/drawingml/2006/main" xmlns:r="http://schemas.openxmlformats.org/officeDocument/2006/relationships" xmlns:p="http://schemas.openxmlformats.org/presentationml/2006/main">
-  <p:cSld>
-    <p:spTree>
-      <p:nvGrpSpPr>
-        <p:cNvPr id="1" name=""/>
-        <p:cNvGrpSpPr/>
-        <p:nvPr/>
-      </p:nvGrpSpPr>
-      <p:grpSpPr>
-        <a:xfrm>
-          <a:off x="0" y="0"/>
-          <a:ext cx="0" cy="0"/>
-          <a:chOff x="0" y="0"/>
-          <a:chExt cx="0" cy="0"/>
-        </a:xfrm>
-      </p:grpSpPr>
-      <p:sp>
-        <p:nvSpPr>
-          <p:cNvPr id="2" name="Titel 1"/>
-          <p:cNvSpPr>
-            <a:spLocks noGrp="1"/>
-          </p:cNvSpPr>
-          <p:nvPr>
-            <p:ph type="title"/>
-          </p:nvPr>
-        </p:nvSpPr>
-        <p:spPr/>
-        <p:txBody>
-          <a:bodyPr/>
-          <a:lstStyle/>
-          <a:p>
-            <a:r>
-              <a:rPr lang="en-US" dirty="0" smtClean="0"/>
-              <a:t>Algorithm</a:t>
-            </a:r>
-            <a:endParaRPr lang="de-CH" dirty="0"/>
-          </a:p>
-        </p:txBody>
-      </p:sp>
-      <p:sp>
-        <p:nvSpPr>
-          <p:cNvPr id="3" name="Inhaltsplatzhalter 2"/>
-          <p:cNvSpPr>
-            <a:spLocks noGrp="1"/>
-          </p:cNvSpPr>
-          <p:nvPr>
-            <p:ph sz="half" idx="1"/>
-          </p:nvPr>
-        </p:nvSpPr>
-        <p:spPr/>
-        <p:txBody>
-          <a:bodyPr/>
-          <a:lstStyle/>
-          <a:p>
-            <a:endParaRPr lang="de-CH"/>
-          </a:p>
-        </p:txBody>
-      </p:sp>
-      <p:pic>
-        <p:nvPicPr>
-          <p:cNvPr id="12" name="Inhaltsplatzhalter 11"/>
-          <p:cNvPicPr>
-            <a:picLocks noGrp="1" noChangeAspect="1"/>
-          </p:cNvPicPr>
-          <p:nvPr>
-            <p:ph sz="half" idx="2"/>
-          </p:nvPr>
-        </p:nvPicPr>
-        <p:blipFill>
-          <a:blip r:embed="rId3" cstate="print">
-            <a:extLst>
-              <a:ext uri="{28A0092B-C50C-407E-A947-70E740481C1C}">
-                <a14:useLocalDpi xmlns:a14="http://schemas.microsoft.com/office/drawing/2010/main" val="0"/>
-              </a:ext>
-            </a:extLst>
-          </a:blip>
-          <a:stretch>
-            <a:fillRect/>
-          </a:stretch>
-        </p:blipFill>
-        <p:spPr>
-          <a:xfrm>
-            <a:off x="6991350" y="1825625"/>
-            <a:ext cx="4351338" cy="4351338"/>
-          </a:xfrm>
-        </p:spPr>
-      </p:pic>
-      <p:sp>
-        <p:nvSpPr>
-          <p:cNvPr id="10" name="Fußzeilenplatzhalter 9"/>
-          <p:cNvSpPr>
-            <a:spLocks noGrp="1"/>
-          </p:cNvSpPr>
-          <p:nvPr>
-            <p:ph type="ftr" sz="quarter" idx="11"/>
-          </p:nvPr>
-        </p:nvSpPr>
-        <p:spPr/>
-        <p:txBody>
-          <a:bodyPr/>
-          <a:lstStyle/>
-          <a:p>
-            <a:r>
-              <a:rPr lang="en-US" smtClean="0"/>
-              <a:t>Fast Numerical Code: Optimal Binary Search Trees</a:t>
-            </a:r>
-            <a:endParaRPr lang="de-CH"/>
-          </a:p>
-        </p:txBody>
-      </p:sp>
-      <p:sp>
-        <p:nvSpPr>
-          <p:cNvPr id="11" name="Foliennummernplatzhalter 10"/>
-          <p:cNvSpPr>
-            <a:spLocks noGrp="1"/>
-          </p:cNvSpPr>
-          <p:nvPr>
-            <p:ph type="sldNum" sz="quarter" idx="12"/>
-          </p:nvPr>
-        </p:nvSpPr>
-        <p:spPr/>
-        <p:txBody>
-          <a:bodyPr/>
-          <a:lstStyle/>
-          <a:p>
-            <a:fld id="{2D8749EF-89F5-4D06-B99F-6591C5814168}" type="slidenum">
-              <a:rPr lang="de-CH" smtClean="0"/>
-              <a:t>3</a:t>
-            </a:fld>
-            <a:endParaRPr lang="de-CH"/>
-          </a:p>
-        </p:txBody>
-      </p:sp>
-    </p:spTree>
-    <p:extLst>
-      <p:ext uri="{BB962C8B-B14F-4D97-AF65-F5344CB8AC3E}">
-        <p14:creationId xmlns:p14="http://schemas.microsoft.com/office/powerpoint/2010/main" val="1487441664"/>
       </p:ext>
     </p:extLst>
   </p:cSld>
@@ -7088,32 +12107,42 @@
           <a:lstStyle/>
           <a:p>
             <a:r>
-              <a:rPr lang="en-US" dirty="0" smtClean="0"/>
-              <a:t>Algorithm</a:t>
+              <a:rPr lang="en-US" dirty="0"/>
+              <a:t>Algorithm: Dynamic Programming</a:t>
             </a:r>
             <a:endParaRPr lang="de-CH" dirty="0"/>
           </a:p>
         </p:txBody>
       </p:sp>
-      <p:sp>
-        <p:nvSpPr>
-          <p:cNvPr id="7" name="Inhaltsplatzhalter 6"/>
-          <p:cNvSpPr>
-            <a:spLocks noGrp="1"/>
-          </p:cNvSpPr>
+      <p:pic>
+        <p:nvPicPr>
+          <p:cNvPr id="8" name="Inhaltsplatzhalter 7"/>
+          <p:cNvPicPr>
+            <a:picLocks noGrp="1" noChangeAspect="1"/>
+          </p:cNvPicPr>
           <p:nvPr>
             <p:ph sz="half" idx="1"/>
           </p:nvPr>
-        </p:nvSpPr>
-        <p:spPr/>
-        <p:txBody>
-          <a:bodyPr/>
-          <a:lstStyle/>
-          <a:p>
-            <a:endParaRPr lang="de-CH"/>
-          </a:p>
-        </p:txBody>
-      </p:sp>
+        </p:nvPicPr>
+        <p:blipFill>
+          <a:blip r:embed="rId2" cstate="print">
+            <a:extLst>
+              <a:ext uri="{28A0092B-C50C-407E-A947-70E740481C1C}">
+                <a14:useLocalDpi xmlns:a14="http://schemas.microsoft.com/office/drawing/2010/main" val="0"/>
+              </a:ext>
+            </a:extLst>
+          </a:blip>
+          <a:stretch>
+            <a:fillRect/>
+          </a:stretch>
+        </p:blipFill>
+        <p:spPr>
+          <a:xfrm>
+            <a:off x="1816100" y="1825625"/>
+            <a:ext cx="4351338" cy="4351338"/>
+          </a:xfrm>
+        </p:spPr>
+      </p:pic>
       <p:pic>
         <p:nvPicPr>
           <p:cNvPr id="2" name="Inhaltsplatzhalter 1"/>
@@ -7125,7 +12154,7 @@
           </p:nvPr>
         </p:nvPicPr>
         <p:blipFill>
-          <a:blip r:embed="rId2" cstate="print">
+          <a:blip r:embed="rId3" cstate="print">
             <a:extLst>
               <a:ext uri="{28A0092B-C50C-407E-A947-70E740481C1C}">
                 <a14:useLocalDpi xmlns:a14="http://schemas.microsoft.com/office/drawing/2010/main" val="0"/>
@@ -7185,6 +12214,29 @@
               <a:rPr lang="de-CH" smtClean="0"/>
               <a:t>4</a:t>
             </a:fld>
+            <a:endParaRPr lang="de-CH"/>
+          </a:p>
+        </p:txBody>
+      </p:sp>
+      <p:sp>
+        <p:nvSpPr>
+          <p:cNvPr id="3" name="Datumsplatzhalter 2"/>
+          <p:cNvSpPr>
+            <a:spLocks noGrp="1"/>
+          </p:cNvSpPr>
+          <p:nvPr>
+            <p:ph type="dt" sz="half" idx="10"/>
+          </p:nvPr>
+        </p:nvSpPr>
+        <p:spPr/>
+        <p:txBody>
+          <a:bodyPr/>
+          <a:lstStyle/>
+          <a:p>
+            <a:r>
+              <a:rPr lang="de-CH" smtClean="0"/>
+              <a:t>30.05.2014</a:t>
+            </a:r>
             <a:endParaRPr lang="de-CH"/>
           </a:p>
         </p:txBody>
@@ -7242,32 +12294,42 @@
           <a:lstStyle/>
           <a:p>
             <a:r>
-              <a:rPr lang="en-US" dirty="0" smtClean="0"/>
-              <a:t>Algorithm</a:t>
+              <a:rPr lang="en-US" dirty="0"/>
+              <a:t>Algorithm: Dynamic Programming</a:t>
             </a:r>
             <a:endParaRPr lang="de-CH" dirty="0"/>
           </a:p>
         </p:txBody>
       </p:sp>
-      <p:sp>
-        <p:nvSpPr>
-          <p:cNvPr id="7" name="Inhaltsplatzhalter 6"/>
-          <p:cNvSpPr>
-            <a:spLocks noGrp="1"/>
-          </p:cNvSpPr>
+      <p:pic>
+        <p:nvPicPr>
+          <p:cNvPr id="8" name="Inhaltsplatzhalter 7"/>
+          <p:cNvPicPr>
+            <a:picLocks noGrp="1" noChangeAspect="1"/>
+          </p:cNvPicPr>
           <p:nvPr>
             <p:ph sz="half" idx="1"/>
           </p:nvPr>
-        </p:nvSpPr>
-        <p:spPr/>
-        <p:txBody>
-          <a:bodyPr/>
-          <a:lstStyle/>
-          <a:p>
-            <a:endParaRPr lang="de-CH"/>
-          </a:p>
-        </p:txBody>
-      </p:sp>
+        </p:nvPicPr>
+        <p:blipFill>
+          <a:blip r:embed="rId2" cstate="print">
+            <a:extLst>
+              <a:ext uri="{28A0092B-C50C-407E-A947-70E740481C1C}">
+                <a14:useLocalDpi xmlns:a14="http://schemas.microsoft.com/office/drawing/2010/main" val="0"/>
+              </a:ext>
+            </a:extLst>
+          </a:blip>
+          <a:stretch>
+            <a:fillRect/>
+          </a:stretch>
+        </p:blipFill>
+        <p:spPr>
+          <a:xfrm>
+            <a:off x="1816100" y="1825625"/>
+            <a:ext cx="4351338" cy="4351338"/>
+          </a:xfrm>
+        </p:spPr>
+      </p:pic>
       <p:pic>
         <p:nvPicPr>
           <p:cNvPr id="2" name="Inhaltsplatzhalter 1"/>
@@ -7279,7 +12341,7 @@
           </p:nvPr>
         </p:nvPicPr>
         <p:blipFill>
-          <a:blip r:embed="rId2" cstate="print">
+          <a:blip r:embed="rId3" cstate="print">
             <a:extLst>
               <a:ext uri="{28A0092B-C50C-407E-A947-70E740481C1C}">
                 <a14:useLocalDpi xmlns:a14="http://schemas.microsoft.com/office/drawing/2010/main" val="0"/>
@@ -7339,6 +12401,29 @@
               <a:rPr lang="de-CH" smtClean="0"/>
               <a:t>5</a:t>
             </a:fld>
+            <a:endParaRPr lang="de-CH"/>
+          </a:p>
+        </p:txBody>
+      </p:sp>
+      <p:sp>
+        <p:nvSpPr>
+          <p:cNvPr id="3" name="Datumsplatzhalter 2"/>
+          <p:cNvSpPr>
+            <a:spLocks noGrp="1"/>
+          </p:cNvSpPr>
+          <p:nvPr>
+            <p:ph type="dt" sz="half" idx="10"/>
+          </p:nvPr>
+        </p:nvSpPr>
+        <p:spPr/>
+        <p:txBody>
+          <a:bodyPr/>
+          <a:lstStyle/>
+          <a:p>
+            <a:r>
+              <a:rPr lang="de-CH" smtClean="0"/>
+              <a:t>30.05.2014</a:t>
+            </a:r>
             <a:endParaRPr lang="de-CH"/>
           </a:p>
         </p:txBody>
@@ -7396,32 +12481,42 @@
           <a:lstStyle/>
           <a:p>
             <a:r>
-              <a:rPr lang="en-US" dirty="0" smtClean="0"/>
-              <a:t>Algorithm</a:t>
+              <a:rPr lang="en-US" dirty="0"/>
+              <a:t>Algorithm: Dynamic Programming</a:t>
             </a:r>
             <a:endParaRPr lang="de-CH" dirty="0"/>
           </a:p>
         </p:txBody>
       </p:sp>
-      <p:sp>
-        <p:nvSpPr>
-          <p:cNvPr id="7" name="Inhaltsplatzhalter 6"/>
-          <p:cNvSpPr>
-            <a:spLocks noGrp="1"/>
-          </p:cNvSpPr>
+      <p:pic>
+        <p:nvPicPr>
+          <p:cNvPr id="8" name="Inhaltsplatzhalter 7"/>
+          <p:cNvPicPr>
+            <a:picLocks noGrp="1" noChangeAspect="1"/>
+          </p:cNvPicPr>
           <p:nvPr>
             <p:ph sz="half" idx="1"/>
           </p:nvPr>
-        </p:nvSpPr>
-        <p:spPr/>
-        <p:txBody>
-          <a:bodyPr/>
-          <a:lstStyle/>
-          <a:p>
-            <a:endParaRPr lang="de-CH"/>
-          </a:p>
-        </p:txBody>
-      </p:sp>
+        </p:nvPicPr>
+        <p:blipFill>
+          <a:blip r:embed="rId2" cstate="print">
+            <a:extLst>
+              <a:ext uri="{28A0092B-C50C-407E-A947-70E740481C1C}">
+                <a14:useLocalDpi xmlns:a14="http://schemas.microsoft.com/office/drawing/2010/main" val="0"/>
+              </a:ext>
+            </a:extLst>
+          </a:blip>
+          <a:stretch>
+            <a:fillRect/>
+          </a:stretch>
+        </p:blipFill>
+        <p:spPr>
+          <a:xfrm>
+            <a:off x="1816100" y="1825625"/>
+            <a:ext cx="4351338" cy="4351338"/>
+          </a:xfrm>
+        </p:spPr>
+      </p:pic>
       <p:pic>
         <p:nvPicPr>
           <p:cNvPr id="2" name="Inhaltsplatzhalter 1"/>
@@ -7433,7 +12528,7 @@
           </p:nvPr>
         </p:nvPicPr>
         <p:blipFill>
-          <a:blip r:embed="rId2" cstate="print">
+          <a:blip r:embed="rId3" cstate="print">
             <a:extLst>
               <a:ext uri="{28A0092B-C50C-407E-A947-70E740481C1C}">
                 <a14:useLocalDpi xmlns:a14="http://schemas.microsoft.com/office/drawing/2010/main" val="0"/>
@@ -7493,6 +12588,29 @@
               <a:rPr lang="de-CH" smtClean="0"/>
               <a:t>6</a:t>
             </a:fld>
+            <a:endParaRPr lang="de-CH"/>
+          </a:p>
+        </p:txBody>
+      </p:sp>
+      <p:sp>
+        <p:nvSpPr>
+          <p:cNvPr id="3" name="Datumsplatzhalter 2"/>
+          <p:cNvSpPr>
+            <a:spLocks noGrp="1"/>
+          </p:cNvSpPr>
+          <p:nvPr>
+            <p:ph type="dt" sz="half" idx="10"/>
+          </p:nvPr>
+        </p:nvSpPr>
+        <p:spPr/>
+        <p:txBody>
+          <a:bodyPr/>
+          <a:lstStyle/>
+          <a:p>
+            <a:r>
+              <a:rPr lang="de-CH" smtClean="0"/>
+              <a:t>30.05.2014</a:t>
+            </a:r>
             <a:endParaRPr lang="de-CH"/>
           </a:p>
         </p:txBody>
@@ -7550,32 +12668,42 @@
           <a:lstStyle/>
           <a:p>
             <a:r>
-              <a:rPr lang="en-US" dirty="0" smtClean="0"/>
-              <a:t>Algorithm</a:t>
+              <a:rPr lang="en-US" dirty="0"/>
+              <a:t>Algorithm: Dynamic Programming</a:t>
             </a:r>
             <a:endParaRPr lang="de-CH" dirty="0"/>
           </a:p>
         </p:txBody>
       </p:sp>
-      <p:sp>
-        <p:nvSpPr>
-          <p:cNvPr id="7" name="Inhaltsplatzhalter 6"/>
-          <p:cNvSpPr>
-            <a:spLocks noGrp="1"/>
-          </p:cNvSpPr>
+      <p:pic>
+        <p:nvPicPr>
+          <p:cNvPr id="8" name="Inhaltsplatzhalter 7"/>
+          <p:cNvPicPr>
+            <a:picLocks noGrp="1" noChangeAspect="1"/>
+          </p:cNvPicPr>
           <p:nvPr>
             <p:ph sz="half" idx="1"/>
           </p:nvPr>
-        </p:nvSpPr>
-        <p:spPr/>
-        <p:txBody>
-          <a:bodyPr/>
-          <a:lstStyle/>
-          <a:p>
-            <a:endParaRPr lang="de-CH"/>
-          </a:p>
-        </p:txBody>
-      </p:sp>
+        </p:nvPicPr>
+        <p:blipFill>
+          <a:blip r:embed="rId2" cstate="print">
+            <a:extLst>
+              <a:ext uri="{28A0092B-C50C-407E-A947-70E740481C1C}">
+                <a14:useLocalDpi xmlns:a14="http://schemas.microsoft.com/office/drawing/2010/main" val="0"/>
+              </a:ext>
+            </a:extLst>
+          </a:blip>
+          <a:stretch>
+            <a:fillRect/>
+          </a:stretch>
+        </p:blipFill>
+        <p:spPr>
+          <a:xfrm>
+            <a:off x="1816100" y="1825625"/>
+            <a:ext cx="4351338" cy="4351338"/>
+          </a:xfrm>
+        </p:spPr>
+      </p:pic>
       <p:pic>
         <p:nvPicPr>
           <p:cNvPr id="2" name="Inhaltsplatzhalter 1"/>
@@ -7587,7 +12715,7 @@
           </p:nvPr>
         </p:nvPicPr>
         <p:blipFill>
-          <a:blip r:embed="rId2" cstate="print">
+          <a:blip r:embed="rId3" cstate="print">
             <a:extLst>
               <a:ext uri="{28A0092B-C50C-407E-A947-70E740481C1C}">
                 <a14:useLocalDpi xmlns:a14="http://schemas.microsoft.com/office/drawing/2010/main" val="0"/>
@@ -7647,6 +12775,29 @@
               <a:rPr lang="de-CH" smtClean="0"/>
               <a:t>7</a:t>
             </a:fld>
+            <a:endParaRPr lang="de-CH"/>
+          </a:p>
+        </p:txBody>
+      </p:sp>
+      <p:sp>
+        <p:nvSpPr>
+          <p:cNvPr id="3" name="Datumsplatzhalter 2"/>
+          <p:cNvSpPr>
+            <a:spLocks noGrp="1"/>
+          </p:cNvSpPr>
+          <p:nvPr>
+            <p:ph type="dt" sz="half" idx="10"/>
+          </p:nvPr>
+        </p:nvSpPr>
+        <p:spPr/>
+        <p:txBody>
+          <a:bodyPr/>
+          <a:lstStyle/>
+          <a:p>
+            <a:r>
+              <a:rPr lang="de-CH" smtClean="0"/>
+              <a:t>30.05.2014</a:t>
+            </a:r>
             <a:endParaRPr lang="de-CH"/>
           </a:p>
         </p:txBody>
@@ -7704,8 +12855,8 @@
           <a:lstStyle/>
           <a:p>
             <a:r>
-              <a:rPr lang="en-US" dirty="0" smtClean="0"/>
-              <a:t>Algorithm</a:t>
+              <a:rPr lang="en-US" dirty="0"/>
+              <a:t>Algorithm: Dynamic Programming</a:t>
             </a:r>
             <a:endParaRPr lang="de-CH" dirty="0"/>
           </a:p>
@@ -7726,7 +12877,7 @@
           <a:bodyPr/>
           <a:lstStyle/>
           <a:p>
-            <a:endParaRPr lang="de-CH"/>
+            <a:endParaRPr lang="de-CH" dirty="0"/>
           </a:p>
         </p:txBody>
       </p:sp>
@@ -7801,6 +12952,29 @@
               <a:rPr lang="de-CH" smtClean="0"/>
               <a:t>8</a:t>
             </a:fld>
+            <a:endParaRPr lang="de-CH"/>
+          </a:p>
+        </p:txBody>
+      </p:sp>
+      <p:sp>
+        <p:nvSpPr>
+          <p:cNvPr id="3" name="Datumsplatzhalter 2"/>
+          <p:cNvSpPr>
+            <a:spLocks noGrp="1"/>
+          </p:cNvSpPr>
+          <p:nvPr>
+            <p:ph type="dt" sz="half" idx="10"/>
+          </p:nvPr>
+        </p:nvSpPr>
+        <p:spPr/>
+        <p:txBody>
+          <a:bodyPr/>
+          <a:lstStyle/>
+          <a:p>
+            <a:r>
+              <a:rPr lang="de-CH" smtClean="0"/>
+              <a:t>30.05.2014</a:t>
+            </a:r>
             <a:endParaRPr lang="de-CH"/>
           </a:p>
         </p:txBody>
@@ -7858,29 +13032,10 @@
           <a:lstStyle/>
           <a:p>
             <a:r>
-              <a:rPr lang="en-US" dirty="0" smtClean="0"/>
-              <a:t>Baseline Implementation</a:t>
+              <a:rPr lang="en-US" dirty="0"/>
+              <a:t>Algorithm: Dynamic Programming</a:t>
             </a:r>
             <a:endParaRPr lang="de-CH" dirty="0"/>
-          </a:p>
-        </p:txBody>
-      </p:sp>
-      <p:sp>
-        <p:nvSpPr>
-          <p:cNvPr id="7" name="Inhaltsplatzhalter 6"/>
-          <p:cNvSpPr>
-            <a:spLocks noGrp="1"/>
-          </p:cNvSpPr>
-          <p:nvPr>
-            <p:ph sz="half" idx="1"/>
-          </p:nvPr>
-        </p:nvSpPr>
-        <p:spPr/>
-        <p:txBody>
-          <a:bodyPr/>
-          <a:lstStyle/>
-          <a:p>
-            <a:endParaRPr lang="de-CH"/>
           </a:p>
         </p:txBody>
       </p:sp>
@@ -7959,10 +13114,494 @@
           </a:p>
         </p:txBody>
       </p:sp>
+      <p:sp>
+        <p:nvSpPr>
+          <p:cNvPr id="3" name="Datumsplatzhalter 2"/>
+          <p:cNvSpPr>
+            <a:spLocks noGrp="1"/>
+          </p:cNvSpPr>
+          <p:nvPr>
+            <p:ph type="dt" sz="half" idx="10"/>
+          </p:nvPr>
+        </p:nvSpPr>
+        <p:spPr/>
+        <p:txBody>
+          <a:bodyPr/>
+          <a:lstStyle/>
+          <a:p>
+            <a:r>
+              <a:rPr lang="de-CH" smtClean="0"/>
+              <a:t>30.05.2014</a:t>
+            </a:r>
+            <a:endParaRPr lang="de-CH"/>
+          </a:p>
+        </p:txBody>
+      </p:sp>
+      <mc:AlternateContent xmlns:mc="http://schemas.openxmlformats.org/markup-compatibility/2006">
+        <mc:Choice xmlns:a14="http://schemas.microsoft.com/office/drawing/2010/main" Requires="a14">
+          <p:sp>
+            <p:nvSpPr>
+              <p:cNvPr id="8" name="Inhaltsplatzhalter 8"/>
+              <p:cNvSpPr>
+                <a:spLocks noGrp="1"/>
+              </p:cNvSpPr>
+              <p:nvPr>
+                <p:ph sz="half" idx="1"/>
+              </p:nvPr>
+            </p:nvSpPr>
+            <p:spPr>
+              <a:xfrm>
+                <a:off x="838200" y="2532887"/>
+                <a:ext cx="7876032" cy="3644075"/>
+              </a:xfrm>
+            </p:spPr>
+            <p:txBody>
+              <a:bodyPr>
+                <a:normAutofit/>
+              </a:bodyPr>
+              <a:lstStyle/>
+              <a:p>
+                <a:r>
+                  <a:rPr lang="en-US" dirty="0" smtClean="0"/>
+                  <a:t>per entry</a:t>
+                </a:r>
+              </a:p>
+              <a:p>
+                <a:pPr lvl="1"/>
+                <a14:m>
+                  <m:oMath xmlns:m="http://schemas.openxmlformats.org/officeDocument/2006/math">
+                    <m:r>
+                      <a:rPr lang="en-US" b="0" i="1" smtClean="0">
+                        <a:latin typeface="Cambria Math" panose="02040503050406030204" pitchFamily="18" charset="0"/>
+                      </a:rPr>
+                      <m:t>h</m:t>
+                    </m:r>
+                  </m:oMath>
+                </a14:m>
+                <a:r>
+                  <a:rPr lang="en-US" dirty="0" smtClean="0"/>
+                  <a:t> additions</a:t>
+                </a:r>
+              </a:p>
+              <a:p>
+                <a:pPr lvl="1"/>
+                <a14:m>
+                  <m:oMath xmlns:m="http://schemas.openxmlformats.org/officeDocument/2006/math">
+                    <m:r>
+                      <a:rPr lang="en-US" b="0" i="1" smtClean="0">
+                        <a:latin typeface="Cambria Math" panose="02040503050406030204" pitchFamily="18" charset="0"/>
+                      </a:rPr>
+                      <m:t>h</m:t>
+                    </m:r>
+                  </m:oMath>
+                </a14:m>
+                <a:r>
+                  <a:rPr lang="en-US" dirty="0" smtClean="0"/>
+                  <a:t> comparisions</a:t>
+                </a:r>
+              </a:p>
+              <a:p>
+                <a14:m>
+                  <m:oMath xmlns:m="http://schemas.openxmlformats.org/officeDocument/2006/math">
+                    <m:r>
+                      <m:rPr>
+                        <m:sty m:val="p"/>
+                      </m:rPr>
+                      <a:rPr lang="en-US" b="0" i="0" smtClean="0">
+                        <a:latin typeface="Cambria Math" panose="02040503050406030204" pitchFamily="18" charset="0"/>
+                      </a:rPr>
+                      <m:t>O</m:t>
+                    </m:r>
+                    <m:r>
+                      <a:rPr lang="en-US" b="0" i="0" smtClean="0">
+                        <a:latin typeface="Cambria Math" panose="02040503050406030204" pitchFamily="18" charset="0"/>
+                      </a:rPr>
+                      <m:t>(</m:t>
+                    </m:r>
+                    <m:sSup>
+                      <m:sSupPr>
+                        <m:ctrlPr>
+                          <a:rPr lang="en-US" b="0" i="1" smtClean="0">
+                            <a:latin typeface="Cambria Math" panose="02040503050406030204" pitchFamily="18" charset="0"/>
+                          </a:rPr>
+                        </m:ctrlPr>
+                      </m:sSupPr>
+                      <m:e>
+                        <m:r>
+                          <a:rPr lang="en-US" b="0" i="1" smtClean="0">
+                            <a:latin typeface="Cambria Math" panose="02040503050406030204" pitchFamily="18" charset="0"/>
+                          </a:rPr>
+                          <m:t>𝑛</m:t>
+                        </m:r>
+                      </m:e>
+                      <m:sup>
+                        <m:r>
+                          <a:rPr lang="en-US" b="0" i="1" smtClean="0">
+                            <a:latin typeface="Cambria Math" panose="02040503050406030204" pitchFamily="18" charset="0"/>
+                          </a:rPr>
+                          <m:t>2</m:t>
+                        </m:r>
+                      </m:sup>
+                    </m:sSup>
+                    <m:r>
+                      <a:rPr lang="en-US" b="0" i="0" smtClean="0">
+                        <a:latin typeface="Cambria Math" panose="02040503050406030204" pitchFamily="18" charset="0"/>
+                      </a:rPr>
+                      <m:t>)</m:t>
+                    </m:r>
+                  </m:oMath>
+                </a14:m>
+                <a:r>
+                  <a:rPr lang="en-US" dirty="0" smtClean="0"/>
+                  <a:t> entries</a:t>
+                </a:r>
+              </a:p>
+              <a:p>
+                <a:endParaRPr lang="en-US" dirty="0" smtClean="0"/>
+              </a:p>
+              <a:p>
+                <a:pPr marL="0" indent="0">
+                  <a:buNone/>
+                </a:pPr>
+                <a:endParaRPr lang="en-US" dirty="0"/>
+              </a:p>
+              <a:p>
+                <a14:m>
+                  <m:oMath xmlns:m="http://schemas.openxmlformats.org/officeDocument/2006/math">
+                    <m:r>
+                      <m:rPr>
+                        <m:sty m:val="p"/>
+                      </m:rPr>
+                      <a:rPr lang="en-US" dirty="0" smtClean="0">
+                        <a:latin typeface="Cambria Math" panose="02040503050406030204" pitchFamily="18" charset="0"/>
+                      </a:rPr>
+                      <m:t>C</m:t>
+                    </m:r>
+                    <m:d>
+                      <m:dPr>
+                        <m:ctrlPr>
+                          <a:rPr lang="en-US" b="0" i="0" dirty="0" smtClean="0">
+                            <a:latin typeface="Cambria Math" panose="02040503050406030204" pitchFamily="18" charset="0"/>
+                          </a:rPr>
+                        </m:ctrlPr>
+                      </m:dPr>
+                      <m:e>
+                        <m:r>
+                          <m:rPr>
+                            <m:sty m:val="p"/>
+                          </m:rPr>
+                          <a:rPr lang="en-US" b="0" i="0" dirty="0" smtClean="0">
+                            <a:latin typeface="Cambria Math" panose="02040503050406030204" pitchFamily="18" charset="0"/>
+                          </a:rPr>
+                          <m:t>add</m:t>
+                        </m:r>
+                        <m:r>
+                          <a:rPr lang="en-US" b="0" i="0" dirty="0" smtClean="0">
+                            <a:latin typeface="Cambria Math" panose="02040503050406030204" pitchFamily="18" charset="0"/>
+                          </a:rPr>
+                          <m:t>,</m:t>
+                        </m:r>
+                        <m:r>
+                          <m:rPr>
+                            <m:sty m:val="p"/>
+                          </m:rPr>
+                          <a:rPr lang="en-US" b="0" i="0" dirty="0" smtClean="0">
+                            <a:latin typeface="Cambria Math" panose="02040503050406030204" pitchFamily="18" charset="0"/>
+                          </a:rPr>
+                          <m:t>cmp</m:t>
+                        </m:r>
+                      </m:e>
+                    </m:d>
+                    <m:r>
+                      <a:rPr lang="en-US" b="0" i="0" dirty="0" smtClean="0">
+                        <a:latin typeface="Cambria Math" panose="02040503050406030204" pitchFamily="18" charset="0"/>
+                      </a:rPr>
+                      <m:t>=</m:t>
+                    </m:r>
+                    <m:r>
+                      <m:rPr>
+                        <m:sty m:val="p"/>
+                      </m:rPr>
+                      <a:rPr lang="en-US" b="0" i="0" dirty="0" smtClean="0">
+                        <a:latin typeface="Cambria Math" panose="02040503050406030204" pitchFamily="18" charset="0"/>
+                      </a:rPr>
+                      <m:t>C</m:t>
+                    </m:r>
+                    <m:r>
+                      <a:rPr lang="en-US" b="0" i="0" dirty="0" smtClean="0">
+                        <a:latin typeface="Cambria Math" panose="02040503050406030204" pitchFamily="18" charset="0"/>
+                      </a:rPr>
+                      <m:t>(</m:t>
+                    </m:r>
+                    <m:f>
+                      <m:fPr>
+                        <m:ctrlPr>
+                          <a:rPr lang="en-US" b="0" i="1" dirty="0" smtClean="0">
+                            <a:latin typeface="Cambria Math" panose="02040503050406030204" pitchFamily="18" charset="0"/>
+                          </a:rPr>
+                        </m:ctrlPr>
+                      </m:fPr>
+                      <m:num>
+                        <m:r>
+                          <a:rPr lang="en-US" b="0" i="1" dirty="0" smtClean="0">
+                            <a:latin typeface="Cambria Math" panose="02040503050406030204" pitchFamily="18" charset="0"/>
+                          </a:rPr>
+                          <m:t>1</m:t>
+                        </m:r>
+                      </m:num>
+                      <m:den>
+                        <m:r>
+                          <a:rPr lang="en-US" b="0" i="1" dirty="0" smtClean="0">
+                            <a:latin typeface="Cambria Math" panose="02040503050406030204" pitchFamily="18" charset="0"/>
+                          </a:rPr>
+                          <m:t>3</m:t>
+                        </m:r>
+                      </m:den>
+                    </m:f>
+                    <m:sSup>
+                      <m:sSupPr>
+                        <m:ctrlPr>
+                          <a:rPr lang="en-US" b="0" i="0" dirty="0" smtClean="0">
+                            <a:latin typeface="Cambria Math" panose="02040503050406030204" pitchFamily="18" charset="0"/>
+                          </a:rPr>
+                        </m:ctrlPr>
+                      </m:sSupPr>
+                      <m:e>
+                        <m:r>
+                          <a:rPr lang="en-US" b="0" i="1" dirty="0" smtClean="0">
+                            <a:latin typeface="Cambria Math" panose="02040503050406030204" pitchFamily="18" charset="0"/>
+                          </a:rPr>
+                          <m:t>𝑛</m:t>
+                        </m:r>
+                      </m:e>
+                      <m:sup>
+                        <m:r>
+                          <a:rPr lang="en-US" b="0" i="0" dirty="0" smtClean="0">
+                            <a:latin typeface="Cambria Math" panose="02040503050406030204" pitchFamily="18" charset="0"/>
+                          </a:rPr>
+                          <m:t>3</m:t>
+                        </m:r>
+                      </m:sup>
+                    </m:sSup>
+                    <m:r>
+                      <a:rPr lang="en-US" b="0" i="0" dirty="0" smtClean="0">
+                        <a:latin typeface="Cambria Math" panose="02040503050406030204" pitchFamily="18" charset="0"/>
+                      </a:rPr>
+                      <m:t>+</m:t>
+                    </m:r>
+                    <m:r>
+                      <m:rPr>
+                        <m:sty m:val="p"/>
+                      </m:rPr>
+                      <a:rPr lang="en-US" b="0" i="0" dirty="0" smtClean="0">
+                        <a:latin typeface="Cambria Math" panose="02040503050406030204" pitchFamily="18" charset="0"/>
+                      </a:rPr>
+                      <m:t>O</m:t>
+                    </m:r>
+                    <m:d>
+                      <m:dPr>
+                        <m:ctrlPr>
+                          <a:rPr lang="en-US" b="0" i="0" dirty="0" smtClean="0">
+                            <a:latin typeface="Cambria Math" panose="02040503050406030204" pitchFamily="18" charset="0"/>
+                          </a:rPr>
+                        </m:ctrlPr>
+                      </m:dPr>
+                      <m:e>
+                        <m:sSup>
+                          <m:sSupPr>
+                            <m:ctrlPr>
+                              <a:rPr lang="en-US" b="0" i="0" dirty="0" smtClean="0">
+                                <a:latin typeface="Cambria Math" panose="02040503050406030204" pitchFamily="18" charset="0"/>
+                              </a:rPr>
+                            </m:ctrlPr>
+                          </m:sSupPr>
+                          <m:e>
+                            <m:r>
+                              <m:rPr>
+                                <m:sty m:val="p"/>
+                              </m:rPr>
+                              <a:rPr lang="en-US" b="0" i="0" dirty="0" smtClean="0">
+                                <a:latin typeface="Cambria Math" panose="02040503050406030204" pitchFamily="18" charset="0"/>
+                              </a:rPr>
+                              <m:t>n</m:t>
+                            </m:r>
+                          </m:e>
+                          <m:sup>
+                            <m:r>
+                              <a:rPr lang="en-US" b="0" i="0" dirty="0" smtClean="0">
+                                <a:latin typeface="Cambria Math" panose="02040503050406030204" pitchFamily="18" charset="0"/>
+                              </a:rPr>
+                              <m:t>2</m:t>
+                            </m:r>
+                          </m:sup>
+                        </m:sSup>
+                      </m:e>
+                    </m:d>
+                    <m:r>
+                      <a:rPr lang="en-US" b="0" i="0" dirty="0" smtClean="0">
+                        <a:latin typeface="Cambria Math" panose="02040503050406030204" pitchFamily="18" charset="0"/>
+                      </a:rPr>
+                      <m:t>,</m:t>
+                    </m:r>
+                    <m:f>
+                      <m:fPr>
+                        <m:ctrlPr>
+                          <a:rPr lang="en-US" i="1" dirty="0">
+                            <a:latin typeface="Cambria Math" panose="02040503050406030204" pitchFamily="18" charset="0"/>
+                          </a:rPr>
+                        </m:ctrlPr>
+                      </m:fPr>
+                      <m:num>
+                        <m:r>
+                          <a:rPr lang="en-US" i="1" dirty="0">
+                            <a:latin typeface="Cambria Math" panose="02040503050406030204" pitchFamily="18" charset="0"/>
+                          </a:rPr>
+                          <m:t>1</m:t>
+                        </m:r>
+                      </m:num>
+                      <m:den>
+                        <m:r>
+                          <a:rPr lang="en-US" b="0" i="1" dirty="0" smtClean="0">
+                            <a:latin typeface="Cambria Math" panose="02040503050406030204" pitchFamily="18" charset="0"/>
+                          </a:rPr>
+                          <m:t>6</m:t>
+                        </m:r>
+                      </m:den>
+                    </m:f>
+                    <m:sSup>
+                      <m:sSupPr>
+                        <m:ctrlPr>
+                          <a:rPr lang="en-US" i="1" dirty="0">
+                            <a:latin typeface="Cambria Math" panose="02040503050406030204" pitchFamily="18" charset="0"/>
+                          </a:rPr>
+                        </m:ctrlPr>
+                      </m:sSupPr>
+                      <m:e>
+                        <m:r>
+                          <a:rPr lang="en-US" i="1" dirty="0">
+                            <a:latin typeface="Cambria Math" panose="02040503050406030204" pitchFamily="18" charset="0"/>
+                          </a:rPr>
+                          <m:t>𝑛</m:t>
+                        </m:r>
+                      </m:e>
+                      <m:sup>
+                        <m:r>
+                          <a:rPr lang="en-US" dirty="0">
+                            <a:latin typeface="Cambria Math" panose="02040503050406030204" pitchFamily="18" charset="0"/>
+                          </a:rPr>
+                          <m:t>3</m:t>
+                        </m:r>
+                      </m:sup>
+                    </m:sSup>
+                    <m:r>
+                      <a:rPr lang="en-US" dirty="0">
+                        <a:latin typeface="Cambria Math" panose="02040503050406030204" pitchFamily="18" charset="0"/>
+                      </a:rPr>
+                      <m:t>+</m:t>
+                    </m:r>
+                    <m:r>
+                      <m:rPr>
+                        <m:sty m:val="p"/>
+                      </m:rPr>
+                      <a:rPr lang="en-US" dirty="0">
+                        <a:latin typeface="Cambria Math" panose="02040503050406030204" pitchFamily="18" charset="0"/>
+                      </a:rPr>
+                      <m:t>O</m:t>
+                    </m:r>
+                    <m:d>
+                      <m:dPr>
+                        <m:ctrlPr>
+                          <a:rPr lang="en-US" i="1" dirty="0">
+                            <a:latin typeface="Cambria Math" panose="02040503050406030204" pitchFamily="18" charset="0"/>
+                          </a:rPr>
+                        </m:ctrlPr>
+                      </m:dPr>
+                      <m:e>
+                        <m:sSup>
+                          <m:sSupPr>
+                            <m:ctrlPr>
+                              <a:rPr lang="en-US" i="1" dirty="0">
+                                <a:latin typeface="Cambria Math" panose="02040503050406030204" pitchFamily="18" charset="0"/>
+                              </a:rPr>
+                            </m:ctrlPr>
+                          </m:sSupPr>
+                          <m:e>
+                            <m:r>
+                              <m:rPr>
+                                <m:sty m:val="p"/>
+                              </m:rPr>
+                              <a:rPr lang="en-US" dirty="0">
+                                <a:latin typeface="Cambria Math" panose="02040503050406030204" pitchFamily="18" charset="0"/>
+                              </a:rPr>
+                              <m:t>n</m:t>
+                            </m:r>
+                          </m:e>
+                          <m:sup>
+                            <m:r>
+                              <a:rPr lang="en-US" dirty="0">
+                                <a:latin typeface="Cambria Math" panose="02040503050406030204" pitchFamily="18" charset="0"/>
+                              </a:rPr>
+                              <m:t>2</m:t>
+                            </m:r>
+                          </m:sup>
+                        </m:sSup>
+                      </m:e>
+                    </m:d>
+                    <m:r>
+                      <a:rPr lang="en-US" b="0" i="0" dirty="0" smtClean="0">
+                        <a:latin typeface="Cambria Math" panose="02040503050406030204" pitchFamily="18" charset="0"/>
+                      </a:rPr>
+                      <m:t>)</m:t>
+                    </m:r>
+                  </m:oMath>
+                </a14:m>
+                <a:endParaRPr lang="en-US" dirty="0" smtClean="0"/>
+              </a:p>
+            </p:txBody>
+          </p:sp>
+        </mc:Choice>
+        <mc:Fallback>
+          <p:sp>
+            <p:nvSpPr>
+              <p:cNvPr id="8" name="Inhaltsplatzhalter 8"/>
+              <p:cNvSpPr>
+                <a:spLocks noGrp="1" noRot="1" noChangeAspect="1" noMove="1" noResize="1" noEditPoints="1" noAdjustHandles="1" noChangeArrowheads="1" noChangeShapeType="1" noTextEdit="1"/>
+              </p:cNvSpPr>
+              <p:nvPr>
+                <p:ph sz="half" idx="1"/>
+              </p:nvPr>
+            </p:nvSpPr>
+            <p:spPr>
+              <a:xfrm>
+                <a:off x="838200" y="2532887"/>
+                <a:ext cx="7876032" cy="3644075"/>
+              </a:xfrm>
+              <a:blipFill rotWithShape="0">
+                <a:blip r:embed="rId3"/>
+                <a:stretch>
+                  <a:fillRect l="-1393" t="-2676"/>
+                </a:stretch>
+              </a:blipFill>
+            </p:spPr>
+            <p:txBody>
+              <a:bodyPr/>
+              <a:lstStyle/>
+              <a:p>
+                <a:r>
+                  <a:rPr lang="de-CH">
+                    <a:noFill/>
+                  </a:rPr>
+                  <a:t> </a:t>
+                </a:r>
+              </a:p>
+            </p:txBody>
+          </p:sp>
+        </mc:Fallback>
+      </mc:AlternateContent>
     </p:spTree>
     <p:extLst>
       <p:ext uri="{BB962C8B-B14F-4D97-AF65-F5344CB8AC3E}">
-        <p14:creationId xmlns:p14="http://schemas.microsoft.com/office/powerpoint/2010/main" val="4031124513"/>
+        <p14:creationId xmlns:p14="http://schemas.microsoft.com/office/powerpoint/2010/main" val="65901387"/>
       </p:ext>
     </p:extLst>
   </p:cSld>

--- a/presentation/presentation.pptx
+++ b/presentation/presentation.pptx
@@ -3856,7 +3856,11 @@
             <a:pPr algn="l"/>
             <a:r>
               <a:rPr lang="en-US" dirty="0" smtClean="0"/>
-              <a:t>May 20</a:t>
+              <a:t>May </a:t>
+            </a:r>
+            <a:r>
+              <a:rPr lang="en-US" dirty="0" smtClean="0"/>
+              <a:t>30</a:t>
             </a:r>
             <a:r>
               <a:rPr lang="en-US" baseline="30000" dirty="0" smtClean="0"/>
@@ -6071,8 +6075,9 @@
               <a:p>
                 <a:r>
                   <a:rPr lang="en-US" dirty="0" smtClean="0"/>
-                  <a:t>Required:</a:t>
+                  <a:t>Objective:</a:t>
                 </a:r>
+                <a:endParaRPr lang="en-US" dirty="0" smtClean="0"/>
               </a:p>
               <a:p>
                 <a:pPr lvl="1"/>
@@ -6100,10 +6105,10 @@
                       <m:sup/>
                       <m:e>
                         <m:r>
-                          <a:rPr lang="en-US" i="1">
+                          <a:rPr lang="de-CH" b="0" i="1" smtClean="0">
                             <a:latin typeface="Cambria Math" panose="02040503050406030204" pitchFamily="18" charset="0"/>
                           </a:rPr>
-                          <m:t>h</m:t>
+                          <m:t>𝑑</m:t>
                         </m:r>
                         <m:d>
                           <m:dPr>
@@ -6195,10 +6200,10 @@
                       <m:sup/>
                       <m:e>
                         <m:r>
-                          <a:rPr lang="en-US" i="1">
+                          <a:rPr lang="de-CH" b="0" i="1" smtClean="0">
                             <a:latin typeface="Cambria Math" panose="02040503050406030204" pitchFamily="18" charset="0"/>
                           </a:rPr>
-                          <m:t>h</m:t>
+                          <m:t>𝑑</m:t>
                         </m:r>
                         <m:d>
                           <m:dPr>
@@ -8104,25 +8109,35 @@
           </a:p>
         </p:txBody>
       </p:sp>
-      <p:sp>
-        <p:nvSpPr>
-          <p:cNvPr id="7" name="Inhaltsplatzhalter 6"/>
-          <p:cNvSpPr>
-            <a:spLocks noGrp="1"/>
-          </p:cNvSpPr>
+      <p:pic>
+        <p:nvPicPr>
+          <p:cNvPr id="8" name="Inhaltsplatzhalter 7"/>
+          <p:cNvPicPr>
+            <a:picLocks noGrp="1" noChangeAspect="1"/>
+          </p:cNvPicPr>
           <p:nvPr>
             <p:ph sz="half" idx="1"/>
           </p:nvPr>
-        </p:nvSpPr>
-        <p:spPr/>
-        <p:txBody>
-          <a:bodyPr/>
-          <a:lstStyle/>
-          <a:p>
-            <a:endParaRPr lang="de-CH"/>
-          </a:p>
-        </p:txBody>
-      </p:sp>
+        </p:nvPicPr>
+        <p:blipFill>
+          <a:blip r:embed="rId2">
+            <a:extLst>
+              <a:ext uri="{28A0092B-C50C-407E-A947-70E740481C1C}">
+                <a14:useLocalDpi xmlns:a14="http://schemas.microsoft.com/office/drawing/2010/main" val="0"/>
+              </a:ext>
+            </a:extLst>
+          </a:blip>
+          <a:stretch>
+            <a:fillRect/>
+          </a:stretch>
+        </p:blipFill>
+        <p:spPr>
+          <a:xfrm>
+            <a:off x="806632" y="1825625"/>
+            <a:ext cx="6370273" cy="4351338"/>
+          </a:xfrm>
+        </p:spPr>
+      </p:pic>
       <p:pic>
         <p:nvPicPr>
           <p:cNvPr id="2" name="Inhaltsplatzhalter 1"/>
@@ -8134,7 +8149,7 @@
           </p:nvPr>
         </p:nvPicPr>
         <p:blipFill>
-          <a:blip r:embed="rId2" cstate="print">
+          <a:blip r:embed="rId3" cstate="print">
             <a:extLst>
               <a:ext uri="{28A0092B-C50C-407E-A947-70E740481C1C}">
                 <a14:useLocalDpi xmlns:a14="http://schemas.microsoft.com/office/drawing/2010/main" val="0"/>
@@ -13137,8 +13152,8 @@
           </a:p>
         </p:txBody>
       </p:sp>
-      <mc:AlternateContent xmlns:mc="http://schemas.openxmlformats.org/markup-compatibility/2006">
-        <mc:Choice xmlns:a14="http://schemas.microsoft.com/office/drawing/2010/main" Requires="a14">
+      <mc:AlternateContent xmlns:mc="http://schemas.openxmlformats.org/markup-compatibility/2006" xmlns:a14="http://schemas.microsoft.com/office/drawing/2010/main">
+        <mc:Choice Requires="a14">
           <p:sp>
             <p:nvSpPr>
               <p:cNvPr id="8" name="Inhaltsplatzhalter 8"/>
@@ -13280,7 +13295,7 @@
                     <m:d>
                       <m:dPr>
                         <m:ctrlPr>
-                          <a:rPr lang="en-US" b="0" i="0" dirty="0" smtClean="0">
+                          <a:rPr lang="en-US" b="0" i="1" dirty="0" smtClean="0">
                             <a:latin typeface="Cambria Math" panose="02040503050406030204" pitchFamily="18" charset="0"/>
                           </a:rPr>
                         </m:ctrlPr>
@@ -13361,7 +13376,7 @@
                     <m:sSup>
                       <m:sSupPr>
                         <m:ctrlPr>
-                          <a:rPr lang="en-US" b="0" i="0" dirty="0" smtClean="0">
+                          <a:rPr lang="en-US" b="0" i="1" dirty="0" smtClean="0">
                             <a:latin typeface="Cambria Math" panose="02040503050406030204" pitchFamily="18" charset="0"/>
                           </a:rPr>
                         </m:ctrlPr>
@@ -13401,7 +13416,7 @@
                     <m:d>
                       <m:dPr>
                         <m:ctrlPr>
-                          <a:rPr lang="en-US" b="0" i="0" dirty="0" smtClean="0">
+                          <a:rPr lang="en-US" b="0" i="1" dirty="0" smtClean="0">
                             <a:latin typeface="Cambria Math" panose="02040503050406030204" pitchFamily="18" charset="0"/>
                           </a:rPr>
                         </m:ctrlPr>
@@ -13410,7 +13425,7 @@
                         <m:sSup>
                           <m:sSupPr>
                             <m:ctrlPr>
-                              <a:rPr lang="en-US" b="0" i="0" dirty="0" smtClean="0">
+                              <a:rPr lang="en-US" b="0" i="1" dirty="0" smtClean="0">
                                 <a:latin typeface="Cambria Math" panose="02040503050406030204" pitchFamily="18" charset="0"/>
                               </a:rPr>
                             </m:ctrlPr>
@@ -13560,7 +13575,7 @@
             </p:txBody>
           </p:sp>
         </mc:Choice>
-        <mc:Fallback>
+        <mc:Fallback xmlns="">
           <p:sp>
             <p:nvSpPr>
               <p:cNvPr id="8" name="Inhaltsplatzhalter 8"/>
